--- a/Slides/2. Locking.pptx
+++ b/Slides/2. Locking.pptx
@@ -5,81 +5,80 @@
     <p:sldMasterId id="2147483669" r:id="rId1"/>
   </p:sldMasterIdLst>
   <p:notesMasterIdLst>
-    <p:notesMasterId r:id="rId74"/>
+    <p:notesMasterId r:id="rId73"/>
   </p:notesMasterIdLst>
   <p:sldIdLst>
     <p:sldId id="257" r:id="rId2"/>
-    <p:sldId id="337" r:id="rId3"/>
-    <p:sldId id="310" r:id="rId4"/>
-    <p:sldId id="299" r:id="rId5"/>
-    <p:sldId id="315" r:id="rId6"/>
-    <p:sldId id="320" r:id="rId7"/>
-    <p:sldId id="259" r:id="rId8"/>
-    <p:sldId id="322" r:id="rId9"/>
-    <p:sldId id="318" r:id="rId10"/>
-    <p:sldId id="323" r:id="rId11"/>
-    <p:sldId id="327" r:id="rId12"/>
-    <p:sldId id="258" r:id="rId13"/>
-    <p:sldId id="325" r:id="rId14"/>
-    <p:sldId id="326" r:id="rId15"/>
-    <p:sldId id="324" r:id="rId16"/>
-    <p:sldId id="328" r:id="rId17"/>
-    <p:sldId id="330" r:id="rId18"/>
-    <p:sldId id="329" r:id="rId19"/>
-    <p:sldId id="316" r:id="rId20"/>
-    <p:sldId id="317" r:id="rId21"/>
-    <p:sldId id="331" r:id="rId22"/>
-    <p:sldId id="341" r:id="rId23"/>
-    <p:sldId id="344" r:id="rId24"/>
-    <p:sldId id="313" r:id="rId25"/>
-    <p:sldId id="308" r:id="rId26"/>
-    <p:sldId id="311" r:id="rId27"/>
-    <p:sldId id="274" r:id="rId28"/>
-    <p:sldId id="345" r:id="rId29"/>
-    <p:sldId id="346" r:id="rId30"/>
-    <p:sldId id="342" r:id="rId31"/>
-    <p:sldId id="314" r:id="rId32"/>
-    <p:sldId id="275" r:id="rId33"/>
-    <p:sldId id="343" r:id="rId34"/>
-    <p:sldId id="276" r:id="rId35"/>
-    <p:sldId id="309" r:id="rId36"/>
-    <p:sldId id="300" r:id="rId37"/>
-    <p:sldId id="340" r:id="rId38"/>
-    <p:sldId id="286" r:id="rId39"/>
-    <p:sldId id="280" r:id="rId40"/>
-    <p:sldId id="281" r:id="rId41"/>
-    <p:sldId id="284" r:id="rId42"/>
-    <p:sldId id="287" r:id="rId43"/>
-    <p:sldId id="288" r:id="rId44"/>
-    <p:sldId id="266" r:id="rId45"/>
-    <p:sldId id="282" r:id="rId46"/>
-    <p:sldId id="292" r:id="rId47"/>
-    <p:sldId id="295" r:id="rId48"/>
-    <p:sldId id="296" r:id="rId49"/>
-    <p:sldId id="283" r:id="rId50"/>
-    <p:sldId id="348" r:id="rId51"/>
-    <p:sldId id="297" r:id="rId52"/>
-    <p:sldId id="347" r:id="rId53"/>
-    <p:sldId id="349" r:id="rId54"/>
-    <p:sldId id="293" r:id="rId55"/>
-    <p:sldId id="294" r:id="rId56"/>
-    <p:sldId id="263" r:id="rId57"/>
-    <p:sldId id="307" r:id="rId58"/>
-    <p:sldId id="298" r:id="rId59"/>
-    <p:sldId id="289" r:id="rId60"/>
-    <p:sldId id="290" r:id="rId61"/>
-    <p:sldId id="291" r:id="rId62"/>
-    <p:sldId id="301" r:id="rId63"/>
-    <p:sldId id="303" r:id="rId64"/>
-    <p:sldId id="304" r:id="rId65"/>
-    <p:sldId id="305" r:id="rId66"/>
-    <p:sldId id="306" r:id="rId67"/>
-    <p:sldId id="335" r:id="rId68"/>
-    <p:sldId id="338" r:id="rId69"/>
-    <p:sldId id="336" r:id="rId70"/>
-    <p:sldId id="332" r:id="rId71"/>
-    <p:sldId id="333" r:id="rId72"/>
-    <p:sldId id="334" r:id="rId73"/>
+    <p:sldId id="310" r:id="rId3"/>
+    <p:sldId id="299" r:id="rId4"/>
+    <p:sldId id="315" r:id="rId5"/>
+    <p:sldId id="320" r:id="rId6"/>
+    <p:sldId id="259" r:id="rId7"/>
+    <p:sldId id="322" r:id="rId8"/>
+    <p:sldId id="318" r:id="rId9"/>
+    <p:sldId id="323" r:id="rId10"/>
+    <p:sldId id="327" r:id="rId11"/>
+    <p:sldId id="258" r:id="rId12"/>
+    <p:sldId id="325" r:id="rId13"/>
+    <p:sldId id="326" r:id="rId14"/>
+    <p:sldId id="324" r:id="rId15"/>
+    <p:sldId id="328" r:id="rId16"/>
+    <p:sldId id="330" r:id="rId17"/>
+    <p:sldId id="329" r:id="rId18"/>
+    <p:sldId id="316" r:id="rId19"/>
+    <p:sldId id="317" r:id="rId20"/>
+    <p:sldId id="331" r:id="rId21"/>
+    <p:sldId id="341" r:id="rId22"/>
+    <p:sldId id="344" r:id="rId23"/>
+    <p:sldId id="313" r:id="rId24"/>
+    <p:sldId id="308" r:id="rId25"/>
+    <p:sldId id="311" r:id="rId26"/>
+    <p:sldId id="274" r:id="rId27"/>
+    <p:sldId id="345" r:id="rId28"/>
+    <p:sldId id="346" r:id="rId29"/>
+    <p:sldId id="342" r:id="rId30"/>
+    <p:sldId id="314" r:id="rId31"/>
+    <p:sldId id="275" r:id="rId32"/>
+    <p:sldId id="343" r:id="rId33"/>
+    <p:sldId id="276" r:id="rId34"/>
+    <p:sldId id="309" r:id="rId35"/>
+    <p:sldId id="300" r:id="rId36"/>
+    <p:sldId id="340" r:id="rId37"/>
+    <p:sldId id="286" r:id="rId38"/>
+    <p:sldId id="280" r:id="rId39"/>
+    <p:sldId id="281" r:id="rId40"/>
+    <p:sldId id="284" r:id="rId41"/>
+    <p:sldId id="287" r:id="rId42"/>
+    <p:sldId id="288" r:id="rId43"/>
+    <p:sldId id="266" r:id="rId44"/>
+    <p:sldId id="282" r:id="rId45"/>
+    <p:sldId id="292" r:id="rId46"/>
+    <p:sldId id="295" r:id="rId47"/>
+    <p:sldId id="296" r:id="rId48"/>
+    <p:sldId id="283" r:id="rId49"/>
+    <p:sldId id="348" r:id="rId50"/>
+    <p:sldId id="297" r:id="rId51"/>
+    <p:sldId id="347" r:id="rId52"/>
+    <p:sldId id="349" r:id="rId53"/>
+    <p:sldId id="293" r:id="rId54"/>
+    <p:sldId id="294" r:id="rId55"/>
+    <p:sldId id="263" r:id="rId56"/>
+    <p:sldId id="307" r:id="rId57"/>
+    <p:sldId id="298" r:id="rId58"/>
+    <p:sldId id="289" r:id="rId59"/>
+    <p:sldId id="290" r:id="rId60"/>
+    <p:sldId id="291" r:id="rId61"/>
+    <p:sldId id="301" r:id="rId62"/>
+    <p:sldId id="303" r:id="rId63"/>
+    <p:sldId id="304" r:id="rId64"/>
+    <p:sldId id="305" r:id="rId65"/>
+    <p:sldId id="306" r:id="rId66"/>
+    <p:sldId id="335" r:id="rId67"/>
+    <p:sldId id="338" r:id="rId68"/>
+    <p:sldId id="336" r:id="rId69"/>
+    <p:sldId id="332" r:id="rId70"/>
+    <p:sldId id="333" r:id="rId71"/>
+    <p:sldId id="334" r:id="rId72"/>
   </p:sldIdLst>
   <p:sldSz cx="12192000" cy="6858000"/>
   <p:notesSz cx="6858000" cy="9144000"/>
@@ -294,7 +293,7 @@
           <a:p>
             <a:fld id="{9B503575-11C7-4EA1-B6DB-38813A63AF25}" type="datetimeFigureOut">
               <a:rPr lang="en-GB" smtClean="0"/>
-              <a:t>18/12/2015</a:t>
+              <a:t>17/02/2016</a:t>
             </a:fld>
             <a:endParaRPr lang="en-GB"/>
           </a:p>
@@ -708,7 +707,7 @@
           <a:p>
             <a:fld id="{A2E35653-342D-4543-8357-F0E7C4AD480F}" type="slidenum">
               <a:rPr lang="en-GB" smtClean="0"/>
-              <a:t>8</a:t>
+              <a:t>7</a:t>
             </a:fld>
             <a:endParaRPr lang="en-GB"/>
           </a:p>
@@ -808,7 +807,7 @@
           <a:p>
             <a:fld id="{A2E35653-342D-4543-8357-F0E7C4AD480F}" type="slidenum">
               <a:rPr lang="en-GB" smtClean="0"/>
-              <a:t>9</a:t>
+              <a:t>8</a:t>
             </a:fld>
             <a:endParaRPr lang="en-GB"/>
           </a:p>
@@ -905,7 +904,7 @@
           <a:p>
             <a:fld id="{A2E35653-342D-4543-8357-F0E7C4AD480F}" type="slidenum">
               <a:rPr lang="en-GB" smtClean="0"/>
-              <a:t>11</a:t>
+              <a:t>10</a:t>
             </a:fld>
             <a:endParaRPr lang="en-GB"/>
           </a:p>
@@ -989,7 +988,7 @@
           <a:p>
             <a:fld id="{A2E35653-342D-4543-8357-F0E7C4AD480F}" type="slidenum">
               <a:rPr lang="en-GB" smtClean="0"/>
-              <a:t>12</a:t>
+              <a:t>11</a:t>
             </a:fld>
             <a:endParaRPr lang="en-GB"/>
           </a:p>
@@ -1073,7 +1072,7 @@
           <a:p>
             <a:fld id="{A2E35653-342D-4543-8357-F0E7C4AD480F}" type="slidenum">
               <a:rPr lang="en-GB" smtClean="0"/>
-              <a:t>24</a:t>
+              <a:t>23</a:t>
             </a:fld>
             <a:endParaRPr lang="en-GB"/>
           </a:p>
@@ -1182,7 +1181,7 @@
           <a:p>
             <a:fld id="{A2E35653-342D-4543-8357-F0E7C4AD480F}" type="slidenum">
               <a:rPr lang="en-GB" smtClean="0"/>
-              <a:t>31</a:t>
+              <a:t>30</a:t>
             </a:fld>
             <a:endParaRPr lang="en-GB"/>
           </a:p>
@@ -1274,7 +1273,7 @@
           <a:p>
             <a:fld id="{A2E35653-342D-4543-8357-F0E7C4AD480F}" type="slidenum">
               <a:rPr lang="en-GB" smtClean="0"/>
-              <a:t>42</a:t>
+              <a:t>41</a:t>
             </a:fld>
             <a:endParaRPr lang="en-GB"/>
           </a:p>
@@ -1569,7 +1568,7 @@
                 <a:tabLst/>
                 <a:defRPr/>
               </a:pPr>
-              <a:t>18/12/2015</a:t>
+              <a:t>17/02/2016</a:t>
             </a:fld>
             <a:endParaRPr kumimoji="0" lang="en-GB" sz="1000" b="0" i="0" u="none" strike="noStrike" kern="1200" cap="none" spc="0" normalizeH="0" baseline="0" noProof="0">
               <a:ln>
@@ -2060,7 +2059,7 @@
                 <a:tabLst/>
                 <a:defRPr/>
               </a:pPr>
-              <a:t>18/12/2015</a:t>
+              <a:t>17/02/2016</a:t>
             </a:fld>
             <a:endParaRPr kumimoji="0" lang="en-GB" sz="1000" b="0" i="0" u="none" strike="noStrike" kern="1200" cap="none" spc="0" normalizeH="0" baseline="0" noProof="0">
               <a:ln>
@@ -2488,7 +2487,7 @@
                 <a:tabLst/>
                 <a:defRPr/>
               </a:pPr>
-              <a:t>18/12/2015</a:t>
+              <a:t>17/02/2016</a:t>
             </a:fld>
             <a:endParaRPr kumimoji="0" lang="en-GB" sz="1000" b="0" i="0" u="none" strike="noStrike" kern="1200" cap="none" spc="0" normalizeH="0" baseline="0" noProof="0">
               <a:ln>
@@ -3254,7 +3253,7 @@
                 <a:tabLst/>
                 <a:defRPr/>
               </a:pPr>
-              <a:t>18/12/2015</a:t>
+              <a:t>17/02/2016</a:t>
             </a:fld>
             <a:endParaRPr kumimoji="0" lang="en-GB" sz="1000" b="0" i="0" u="none" strike="noStrike" kern="1200" cap="none" spc="0" normalizeH="0" baseline="0" noProof="0">
               <a:ln>
@@ -3682,7 +3681,7 @@
                 <a:tabLst/>
                 <a:defRPr/>
               </a:pPr>
-              <a:t>18/12/2015</a:t>
+              <a:t>17/02/2016</a:t>
             </a:fld>
             <a:endParaRPr kumimoji="0" lang="en-GB" sz="1000" b="0" i="0" u="none" strike="noStrike" kern="1200" cap="none" spc="0" normalizeH="0" baseline="0" noProof="0">
               <a:ln>
@@ -4442,7 +4441,7 @@
                 <a:tabLst/>
                 <a:defRPr/>
               </a:pPr>
-              <a:t>18/12/2015</a:t>
+              <a:t>17/02/2016</a:t>
             </a:fld>
             <a:endParaRPr kumimoji="0" lang="en-GB" sz="1000" b="0" i="0" u="none" strike="noStrike" kern="1200" cap="none" spc="0" normalizeH="0" baseline="0" noProof="0">
               <a:ln>
@@ -4919,7 +4918,7 @@
                 <a:tabLst/>
                 <a:defRPr/>
               </a:pPr>
-              <a:t>18/12/2015</a:t>
+              <a:t>17/02/2016</a:t>
             </a:fld>
             <a:endParaRPr kumimoji="0" lang="en-GB" sz="1000" b="0" i="0" u="none" strike="noStrike" kern="1200" cap="none" spc="0" normalizeH="0" baseline="0" noProof="0">
               <a:ln>
@@ -5246,7 +5245,7 @@
                 <a:tabLst/>
                 <a:defRPr/>
               </a:pPr>
-              <a:t>18/12/2015</a:t>
+              <a:t>17/02/2016</a:t>
             </a:fld>
             <a:endParaRPr kumimoji="0" lang="en-GB" sz="1000" b="0" i="0" u="none" strike="noStrike" kern="1200" cap="none" spc="0" normalizeH="0" baseline="0" noProof="0">
               <a:ln>
@@ -5634,7 +5633,7 @@
                 <a:tabLst/>
                 <a:defRPr/>
               </a:pPr>
-              <a:t>18/12/2015</a:t>
+              <a:t>17/02/2016</a:t>
             </a:fld>
             <a:endParaRPr kumimoji="0" lang="en-GB" sz="1000" b="0" i="0" u="none" strike="noStrike" kern="1200" cap="none" spc="0" normalizeH="0" baseline="0" noProof="0">
               <a:ln>
@@ -5984,7 +5983,7 @@
                 <a:tabLst/>
                 <a:defRPr/>
               </a:pPr>
-              <a:t>18/12/2015</a:t>
+              <a:t>17/02/2016</a:t>
             </a:fld>
             <a:endParaRPr kumimoji="0" lang="en-GB" sz="1000" b="0" i="0" u="none" strike="noStrike" kern="1200" cap="none" spc="0" normalizeH="0" baseline="0" noProof="0">
               <a:ln>
@@ -6417,7 +6416,7 @@
                 <a:tabLst/>
                 <a:defRPr/>
               </a:pPr>
-              <a:t>18/12/2015</a:t>
+              <a:t>17/02/2016</a:t>
             </a:fld>
             <a:endParaRPr kumimoji="0" lang="en-GB" sz="1000" b="0" i="0" u="none" strike="noStrike" kern="1200" cap="none" spc="0" normalizeH="0" baseline="0" noProof="0">
               <a:ln>
@@ -6840,7 +6839,7 @@
                 <a:tabLst/>
                 <a:defRPr/>
               </a:pPr>
-              <a:t>18/12/2015</a:t>
+              <a:t>17/02/2016</a:t>
             </a:fld>
             <a:endParaRPr kumimoji="0" lang="en-GB" sz="1000" b="0" i="0" u="none" strike="noStrike" kern="1200" cap="none" spc="0" normalizeH="0" baseline="0" noProof="0">
               <a:ln>
@@ -7364,7 +7363,7 @@
                 <a:tabLst/>
                 <a:defRPr/>
               </a:pPr>
-              <a:t>18/12/2015</a:t>
+              <a:t>17/02/2016</a:t>
             </a:fld>
             <a:endParaRPr kumimoji="0" lang="en-GB" sz="1000" b="0" i="0" u="none" strike="noStrike" kern="1200" cap="none" spc="0" normalizeH="0" baseline="0" noProof="0">
               <a:ln>
@@ -7669,7 +7668,7 @@
                 <a:tabLst/>
                 <a:defRPr/>
               </a:pPr>
-              <a:t>18/12/2015</a:t>
+              <a:t>17/02/2016</a:t>
             </a:fld>
             <a:endParaRPr kumimoji="0" lang="en-GB" sz="1000" b="0" i="0" u="none" strike="noStrike" kern="1200" cap="none" spc="0" normalizeH="0" baseline="0" noProof="0">
               <a:ln>
@@ -7944,7 +7943,7 @@
                 <a:tabLst/>
                 <a:defRPr/>
               </a:pPr>
-              <a:t>18/12/2015</a:t>
+              <a:t>17/02/2016</a:t>
             </a:fld>
             <a:endParaRPr kumimoji="0" lang="en-GB" sz="1000" b="0" i="0" u="none" strike="noStrike" kern="1200" cap="none" spc="0" normalizeH="0" baseline="0" noProof="0">
               <a:ln>
@@ -8379,7 +8378,7 @@
                 <a:tabLst/>
                 <a:defRPr/>
               </a:pPr>
-              <a:t>18/12/2015</a:t>
+              <a:t>17/02/2016</a:t>
             </a:fld>
             <a:endParaRPr kumimoji="0" lang="en-GB" sz="1000" b="0" i="0" u="none" strike="noStrike" kern="1200" cap="none" spc="0" normalizeH="0" baseline="0" noProof="0">
               <a:ln>
@@ -8853,7 +8852,7 @@
                 <a:tabLst/>
                 <a:defRPr/>
               </a:pPr>
-              <a:t>18/12/2015</a:t>
+              <a:t>17/02/2016</a:t>
             </a:fld>
             <a:endParaRPr kumimoji="0" lang="en-GB" sz="1000" b="0" i="0" u="none" strike="noStrike" kern="1200" cap="none" spc="0" normalizeH="0" baseline="0" noProof="0">
               <a:ln>
@@ -9217,7 +9216,7 @@
                 <a:tabLst/>
                 <a:defRPr/>
               </a:pPr>
-              <a:t>18/12/2015</a:t>
+              <a:t>17/02/2016</a:t>
             </a:fld>
             <a:endParaRPr kumimoji="0" lang="en-GB" sz="1000" b="0" i="0" u="none" strike="noStrike" kern="1200" cap="none" spc="0" normalizeH="0" baseline="0" noProof="0">
               <a:ln>
@@ -9970,145 +9969,6 @@
           <a:p>
             <a:r>
               <a:rPr lang="en-GB" dirty="0" smtClean="0"/>
-              <a:t>When do you lock</a:t>
-            </a:r>
-            <a:endParaRPr lang="en-GB" dirty="0"/>
-          </a:p>
-        </p:txBody>
-      </p:sp>
-      <p:sp>
-        <p:nvSpPr>
-          <p:cNvPr id="3" name="Content Placeholder 2"/>
-          <p:cNvSpPr>
-            <a:spLocks noGrp="1"/>
-          </p:cNvSpPr>
-          <p:nvPr>
-            <p:ph idx="1"/>
-          </p:nvPr>
-        </p:nvSpPr>
-        <p:spPr/>
-        <p:txBody>
-          <a:bodyPr>
-            <a:normAutofit fontScale="92500" lnSpcReduction="10000"/>
-          </a:bodyPr>
-          <a:lstStyle/>
-          <a:p>
-            <a:r>
-              <a:rPr lang="en-GB" dirty="0" smtClean="0"/>
-              <a:t>When you read</a:t>
-            </a:r>
-          </a:p>
-          <a:p>
-            <a:pPr lvl="1"/>
-            <a:r>
-              <a:rPr lang="en-GB" dirty="0" smtClean="0"/>
-              <a:t>When you look at the box of cereal on the shelf</a:t>
-            </a:r>
-          </a:p>
-          <a:p>
-            <a:pPr lvl="1"/>
-            <a:r>
-              <a:rPr lang="en-GB" dirty="0" smtClean="0"/>
-              <a:t>When you open the file to look at it</a:t>
-            </a:r>
-          </a:p>
-          <a:p>
-            <a:r>
-              <a:rPr lang="en-GB" dirty="0" smtClean="0"/>
-              <a:t>When you decide you want to do something</a:t>
-            </a:r>
-          </a:p>
-          <a:p>
-            <a:pPr lvl="1"/>
-            <a:r>
-              <a:rPr lang="en-GB" dirty="0" smtClean="0"/>
-              <a:t>When you pick the box of cereal off the shelf and put it in your trolley</a:t>
-            </a:r>
-          </a:p>
-          <a:p>
-            <a:pPr lvl="1"/>
-            <a:r>
-              <a:rPr lang="en-GB" dirty="0" smtClean="0"/>
-              <a:t>When you start editing the file</a:t>
-            </a:r>
-          </a:p>
-          <a:p>
-            <a:r>
-              <a:rPr lang="en-GB" dirty="0" smtClean="0"/>
-              <a:t>When you start to actually do it</a:t>
-            </a:r>
-          </a:p>
-          <a:p>
-            <a:pPr lvl="1"/>
-            <a:r>
-              <a:rPr lang="en-GB" dirty="0" smtClean="0"/>
-              <a:t>When you go to the checkout</a:t>
-            </a:r>
-          </a:p>
-          <a:p>
-            <a:pPr lvl="1"/>
-            <a:r>
-              <a:rPr lang="en-GB" dirty="0" smtClean="0"/>
-              <a:t>When you save the file</a:t>
-            </a:r>
-            <a:endParaRPr lang="en-GB" dirty="0"/>
-          </a:p>
-        </p:txBody>
-      </p:sp>
-    </p:spTree>
-    <p:extLst>
-      <p:ext uri="{BB962C8B-B14F-4D97-AF65-F5344CB8AC3E}">
-        <p14:creationId xmlns:p14="http://schemas.microsoft.com/office/powerpoint/2010/main" val="3509778514"/>
-      </p:ext>
-    </p:extLst>
-  </p:cSld>
-  <p:clrMapOvr>
-    <a:masterClrMapping/>
-  </p:clrMapOvr>
-  <p:timing>
-    <p:tnLst>
-      <p:par>
-        <p:cTn id="1" dur="indefinite" restart="never" nodeType="tmRoot"/>
-      </p:par>
-    </p:tnLst>
-  </p:timing>
-</p:sld>
-</file>
-
-<file path=ppt/slides/slide11.xml><?xml version="1.0" encoding="utf-8"?>
-<p:sld xmlns:a="http://schemas.openxmlformats.org/drawingml/2006/main" xmlns:r="http://schemas.openxmlformats.org/officeDocument/2006/relationships" xmlns:p="http://schemas.openxmlformats.org/presentationml/2006/main">
-  <p:cSld>
-    <p:spTree>
-      <p:nvGrpSpPr>
-        <p:cNvPr id="1" name=""/>
-        <p:cNvGrpSpPr/>
-        <p:nvPr/>
-      </p:nvGrpSpPr>
-      <p:grpSpPr>
-        <a:xfrm>
-          <a:off x="0" y="0"/>
-          <a:ext cx="0" cy="0"/>
-          <a:chOff x="0" y="0"/>
-          <a:chExt cx="0" cy="0"/>
-        </a:xfrm>
-      </p:grpSpPr>
-      <p:sp>
-        <p:nvSpPr>
-          <p:cNvPr id="2" name="Title 1"/>
-          <p:cNvSpPr>
-            <a:spLocks noGrp="1"/>
-          </p:cNvSpPr>
-          <p:nvPr>
-            <p:ph type="title"/>
-          </p:nvPr>
-        </p:nvSpPr>
-        <p:spPr/>
-        <p:txBody>
-          <a:bodyPr/>
-          <a:lstStyle/>
-          <a:p>
-            <a:r>
-              <a:rPr lang="en-GB" dirty="0" smtClean="0"/>
               <a:t>Timeline of a transaction</a:t>
             </a:r>
             <a:endParaRPr lang="en-GB" dirty="0"/>
@@ -10786,6 +10646,145 @@
 </p:sld>
 </file>
 
+<file path=ppt/slides/slide11.xml><?xml version="1.0" encoding="utf-8"?>
+<p:sld xmlns:a="http://schemas.openxmlformats.org/drawingml/2006/main" xmlns:r="http://schemas.openxmlformats.org/officeDocument/2006/relationships" xmlns:p="http://schemas.openxmlformats.org/presentationml/2006/main">
+  <p:cSld>
+    <p:spTree>
+      <p:nvGrpSpPr>
+        <p:cNvPr id="1" name=""/>
+        <p:cNvGrpSpPr/>
+        <p:nvPr/>
+      </p:nvGrpSpPr>
+      <p:grpSpPr>
+        <a:xfrm>
+          <a:off x="0" y="0"/>
+          <a:ext cx="0" cy="0"/>
+          <a:chOff x="0" y="0"/>
+          <a:chExt cx="0" cy="0"/>
+        </a:xfrm>
+      </p:grpSpPr>
+      <p:sp>
+        <p:nvSpPr>
+          <p:cNvPr id="2" name="Title 1"/>
+          <p:cNvSpPr>
+            <a:spLocks noGrp="1"/>
+          </p:cNvSpPr>
+          <p:nvPr>
+            <p:ph type="title"/>
+          </p:nvPr>
+        </p:nvSpPr>
+        <p:spPr/>
+        <p:txBody>
+          <a:bodyPr/>
+          <a:lstStyle/>
+          <a:p>
+            <a:r>
+              <a:rPr lang="en-GB" dirty="0" smtClean="0"/>
+              <a:t>Concurrency models</a:t>
+            </a:r>
+            <a:endParaRPr lang="en-GB" dirty="0"/>
+          </a:p>
+        </p:txBody>
+      </p:sp>
+      <p:sp>
+        <p:nvSpPr>
+          <p:cNvPr id="3" name="Content Placeholder 2"/>
+          <p:cNvSpPr>
+            <a:spLocks noGrp="1"/>
+          </p:cNvSpPr>
+          <p:nvPr>
+            <p:ph idx="1"/>
+          </p:nvPr>
+        </p:nvSpPr>
+        <p:spPr/>
+        <p:txBody>
+          <a:bodyPr>
+            <a:normAutofit lnSpcReduction="10000"/>
+          </a:bodyPr>
+          <a:lstStyle/>
+          <a:p>
+            <a:r>
+              <a:rPr lang="en-GB" dirty="0" smtClean="0"/>
+              <a:t>Pessimistic	</a:t>
+            </a:r>
+          </a:p>
+          <a:p>
+            <a:pPr lvl="1"/>
+            <a:r>
+              <a:rPr lang="en-GB" dirty="0" smtClean="0"/>
+              <a:t>Lock at the start of the process</a:t>
+            </a:r>
+          </a:p>
+          <a:p>
+            <a:pPr lvl="1"/>
+            <a:r>
+              <a:rPr lang="en-GB" dirty="0" smtClean="0"/>
+              <a:t>Held for duration of the transaction</a:t>
+            </a:r>
+          </a:p>
+          <a:p>
+            <a:pPr lvl="1"/>
+            <a:r>
+              <a:rPr lang="en-GB" dirty="0" smtClean="0"/>
+              <a:t>Prevents changes that can cause inconsistency</a:t>
+            </a:r>
+          </a:p>
+          <a:p>
+            <a:r>
+              <a:rPr lang="en-GB" dirty="0" smtClean="0"/>
+              <a:t>Optimistic</a:t>
+            </a:r>
+          </a:p>
+          <a:p>
+            <a:pPr lvl="1"/>
+            <a:r>
+              <a:rPr lang="en-GB" dirty="0" smtClean="0"/>
+              <a:t>Assume data doesn’t change</a:t>
+            </a:r>
+          </a:p>
+          <a:p>
+            <a:pPr lvl="1"/>
+            <a:r>
+              <a:rPr lang="en-GB" dirty="0" smtClean="0"/>
+              <a:t>You need to check the data hasn’t changed</a:t>
+            </a:r>
+          </a:p>
+          <a:p>
+            <a:pPr lvl="1"/>
+            <a:r>
+              <a:rPr lang="en-GB" dirty="0" smtClean="0"/>
+              <a:t>By default last person wins</a:t>
+            </a:r>
+          </a:p>
+          <a:p>
+            <a:pPr lvl="1"/>
+            <a:r>
+              <a:rPr lang="en-GB" dirty="0" smtClean="0"/>
+              <a:t>Lock only when you change</a:t>
+            </a:r>
+          </a:p>
+        </p:txBody>
+      </p:sp>
+    </p:spTree>
+    <p:extLst>
+      <p:ext uri="{BB962C8B-B14F-4D97-AF65-F5344CB8AC3E}">
+        <p14:creationId xmlns:p14="http://schemas.microsoft.com/office/powerpoint/2010/main" val="4187852032"/>
+      </p:ext>
+    </p:extLst>
+  </p:cSld>
+  <p:clrMapOvr>
+    <a:masterClrMapping/>
+  </p:clrMapOvr>
+  <p:timing>
+    <p:tnLst>
+      <p:par>
+        <p:cTn id="1" dur="indefinite" restart="never" nodeType="tmRoot"/>
+      </p:par>
+    </p:tnLst>
+  </p:timing>
+</p:sld>
+</file>
+
 <file path=ppt/slides/slide12.xml><?xml version="1.0" encoding="utf-8"?>
 <p:sld xmlns:a="http://schemas.openxmlformats.org/drawingml/2006/main" xmlns:r="http://schemas.openxmlformats.org/officeDocument/2006/relationships" xmlns:p="http://schemas.openxmlformats.org/presentationml/2006/main">
   <p:cSld>
@@ -10820,7 +10819,7 @@
           <a:p>
             <a:r>
               <a:rPr lang="en-GB" dirty="0" smtClean="0"/>
-              <a:t>Concurrency models</a:t>
+              <a:t>What do you lock</a:t>
             </a:r>
             <a:endParaRPr lang="en-GB" dirty="0"/>
           </a:p>
@@ -10838,77 +10837,64 @@
         </p:nvSpPr>
         <p:spPr/>
         <p:txBody>
-          <a:bodyPr>
-            <a:normAutofit lnSpcReduction="10000"/>
-          </a:bodyPr>
+          <a:bodyPr/>
           <a:lstStyle/>
           <a:p>
             <a:r>
               <a:rPr lang="en-GB" dirty="0" smtClean="0"/>
-              <a:t>Pessimistic	</a:t>
+              <a:t>Editing a file</a:t>
             </a:r>
           </a:p>
           <a:p>
             <a:pPr lvl="1"/>
             <a:r>
-              <a:rPr lang="en-GB" dirty="0" smtClean="0"/>
-              <a:t>Lock at the start of the process</a:t>
+              <a:rPr lang="en-GB" dirty="0"/>
+              <a:t>Y</a:t>
+            </a:r>
+            <a:r>
+              <a:rPr lang="en-GB" dirty="0" smtClean="0"/>
+              <a:t>ou can lock the file</a:t>
             </a:r>
           </a:p>
           <a:p>
             <a:pPr lvl="1"/>
             <a:r>
               <a:rPr lang="en-GB" dirty="0" smtClean="0"/>
-              <a:t>Held for duration of the transaction</a:t>
+              <a:t>Do you lock the folder</a:t>
             </a:r>
           </a:p>
           <a:p>
             <a:pPr lvl="1"/>
             <a:r>
               <a:rPr lang="en-GB" dirty="0" smtClean="0"/>
-              <a:t>Prevents changes that can cause inconsistency</a:t>
-            </a:r>
-          </a:p>
-          <a:p>
-            <a:r>
-              <a:rPr lang="en-GB" dirty="0" smtClean="0"/>
-              <a:t>Optimistic</a:t>
+              <a:t>Do you lock the folder hierarchy</a:t>
             </a:r>
           </a:p>
           <a:p>
             <a:pPr lvl="1"/>
             <a:r>
               <a:rPr lang="en-GB" dirty="0" smtClean="0"/>
-              <a:t>Assume data doesn’t change</a:t>
+              <a:t>Do you lock the </a:t>
+            </a:r>
+            <a:r>
+              <a:rPr lang="en-GB" dirty="0" err="1" smtClean="0"/>
+              <a:t>acls</a:t>
+            </a:r>
+            <a:r>
+              <a:rPr lang="en-GB" dirty="0" smtClean="0"/>
+              <a:t> for that file</a:t>
             </a:r>
           </a:p>
           <a:p>
             <a:pPr lvl="1"/>
-            <a:r>
-              <a:rPr lang="en-GB" dirty="0" smtClean="0"/>
-              <a:t>You need to check the data hasn’t changed</a:t>
-            </a:r>
-          </a:p>
-          <a:p>
-            <a:pPr lvl="1"/>
-            <a:r>
-              <a:rPr lang="en-GB" dirty="0" smtClean="0"/>
-              <a:t>By default last person wins</a:t>
-            </a:r>
-          </a:p>
-          <a:p>
-            <a:pPr lvl="1"/>
-            <a:r>
-              <a:rPr lang="en-GB" dirty="0" smtClean="0"/>
-              <a:t>Lock only when you change</a:t>
-            </a:r>
+            <a:endParaRPr lang="en-GB" dirty="0"/>
           </a:p>
         </p:txBody>
       </p:sp>
     </p:spTree>
     <p:extLst>
       <p:ext uri="{BB962C8B-B14F-4D97-AF65-F5344CB8AC3E}">
-        <p14:creationId xmlns:p14="http://schemas.microsoft.com/office/powerpoint/2010/main" val="4187852032"/>
+        <p14:creationId xmlns:p14="http://schemas.microsoft.com/office/powerpoint/2010/main" val="3924863564"/>
       </p:ext>
     </p:extLst>
   </p:cSld>
@@ -10959,7 +10945,7 @@
           <a:p>
             <a:r>
               <a:rPr lang="en-GB" dirty="0" smtClean="0"/>
-              <a:t>What do you lock</a:t>
+              <a:t>What about groups or non existent data</a:t>
             </a:r>
             <a:endParaRPr lang="en-GB" dirty="0"/>
           </a:p>
@@ -10982,51 +10968,42 @@
           <a:p>
             <a:r>
               <a:rPr lang="en-GB" dirty="0" smtClean="0"/>
-              <a:t>Editing a file</a:t>
+              <a:t>Searching for non wheat cereal</a:t>
             </a:r>
           </a:p>
           <a:p>
             <a:pPr lvl="1"/>
             <a:r>
-              <a:rPr lang="en-GB" dirty="0"/>
-              <a:t>Y</a:t>
-            </a:r>
-            <a:r>
-              <a:rPr lang="en-GB" dirty="0" smtClean="0"/>
-              <a:t>ou can lock the file</a:t>
+              <a:rPr lang="en-GB" dirty="0" smtClean="0"/>
+              <a:t>Do you lock every item found?</a:t>
             </a:r>
           </a:p>
           <a:p>
             <a:pPr lvl="1"/>
             <a:r>
               <a:rPr lang="en-GB" dirty="0" smtClean="0"/>
-              <a:t>Do you lock the folder</a:t>
+              <a:t>Do you lock all cereals</a:t>
+            </a:r>
+          </a:p>
+          <a:p>
+            <a:r>
+              <a:rPr lang="en-GB" dirty="0" smtClean="0"/>
+              <a:t>Looking to see if a specific value has been used</a:t>
             </a:r>
           </a:p>
           <a:p>
             <a:pPr lvl="1"/>
             <a:r>
               <a:rPr lang="en-GB" dirty="0" smtClean="0"/>
-              <a:t>Do you lock the folder hierarchy</a:t>
+              <a:t>You only allow a credit card to be used one</a:t>
             </a:r>
           </a:p>
           <a:p>
             <a:pPr lvl="1"/>
             <a:r>
               <a:rPr lang="en-GB" dirty="0" smtClean="0"/>
-              <a:t>Do you lock the </a:t>
-            </a:r>
-            <a:r>
-              <a:rPr lang="en-GB" dirty="0" err="1" smtClean="0"/>
-              <a:t>acls</a:t>
-            </a:r>
-            <a:r>
-              <a:rPr lang="en-GB" dirty="0" smtClean="0"/>
-              <a:t> for that file</a:t>
-            </a:r>
-          </a:p>
-          <a:p>
-            <a:pPr lvl="1"/>
+              <a:t>Filename needs to be unique</a:t>
+            </a:r>
             <a:endParaRPr lang="en-GB" dirty="0"/>
           </a:p>
         </p:txBody>
@@ -11034,7 +11011,7 @@
     </p:spTree>
     <p:extLst>
       <p:ext uri="{BB962C8B-B14F-4D97-AF65-F5344CB8AC3E}">
-        <p14:creationId xmlns:p14="http://schemas.microsoft.com/office/powerpoint/2010/main" val="3924863564"/>
+        <p14:creationId xmlns:p14="http://schemas.microsoft.com/office/powerpoint/2010/main" val="2398847985"/>
       </p:ext>
     </p:extLst>
   </p:cSld>
@@ -11085,7 +11062,7 @@
           <a:p>
             <a:r>
               <a:rPr lang="en-GB" dirty="0" smtClean="0"/>
-              <a:t>What about groups or non existent data</a:t>
+              <a:t>Problems with transactions</a:t>
             </a:r>
             <a:endParaRPr lang="en-GB" dirty="0"/>
           </a:p>
@@ -11108,41 +11085,43 @@
           <a:p>
             <a:r>
               <a:rPr lang="en-GB" dirty="0" smtClean="0"/>
-              <a:t>Searching for non wheat cereal</a:t>
+              <a:t>Only where it causes blocking</a:t>
+            </a:r>
+          </a:p>
+          <a:p>
+            <a:endParaRPr lang="en-GB" dirty="0" smtClean="0"/>
+          </a:p>
+          <a:p>
+            <a:r>
+              <a:rPr lang="en-GB" dirty="0" smtClean="0"/>
+              <a:t>Duration</a:t>
             </a:r>
           </a:p>
           <a:p>
             <a:pPr lvl="1"/>
             <a:r>
               <a:rPr lang="en-GB" dirty="0" smtClean="0"/>
-              <a:t>Do you lock every item found?</a:t>
+              <a:t>Due to a long running process</a:t>
             </a:r>
           </a:p>
           <a:p>
             <a:pPr lvl="1"/>
             <a:r>
               <a:rPr lang="en-GB" dirty="0" smtClean="0"/>
-              <a:t>Do you lock all cereals</a:t>
-            </a:r>
-          </a:p>
-          <a:p>
-            <a:r>
-              <a:rPr lang="en-GB" dirty="0" smtClean="0"/>
-              <a:t>Looking to see if a specific value has been used</a:t>
+              <a:t>Long running transactions block users</a:t>
+            </a:r>
+          </a:p>
+          <a:p>
+            <a:r>
+              <a:rPr lang="en-GB" dirty="0" smtClean="0"/>
+              <a:t>Size</a:t>
             </a:r>
           </a:p>
           <a:p>
             <a:pPr lvl="1"/>
             <a:r>
               <a:rPr lang="en-GB" dirty="0" smtClean="0"/>
-              <a:t>You only allow a credit card to be used one</a:t>
-            </a:r>
-          </a:p>
-          <a:p>
-            <a:pPr lvl="1"/>
-            <a:r>
-              <a:rPr lang="en-GB" dirty="0" smtClean="0"/>
-              <a:t>Filename needs to be unique</a:t>
+              <a:t>Locking lots of data</a:t>
             </a:r>
             <a:endParaRPr lang="en-GB" dirty="0"/>
           </a:p>
@@ -11151,7 +11130,7 @@
     </p:spTree>
     <p:extLst>
       <p:ext uri="{BB962C8B-B14F-4D97-AF65-F5344CB8AC3E}">
-        <p14:creationId xmlns:p14="http://schemas.microsoft.com/office/powerpoint/2010/main" val="2398847985"/>
+        <p14:creationId xmlns:p14="http://schemas.microsoft.com/office/powerpoint/2010/main" val="1228794098"/>
       </p:ext>
     </p:extLst>
   </p:cSld>
@@ -11202,125 +11181,6 @@
           <a:p>
             <a:r>
               <a:rPr lang="en-GB" dirty="0" smtClean="0"/>
-              <a:t>Problems with transactions</a:t>
-            </a:r>
-            <a:endParaRPr lang="en-GB" dirty="0"/>
-          </a:p>
-        </p:txBody>
-      </p:sp>
-      <p:sp>
-        <p:nvSpPr>
-          <p:cNvPr id="3" name="Content Placeholder 2"/>
-          <p:cNvSpPr>
-            <a:spLocks noGrp="1"/>
-          </p:cNvSpPr>
-          <p:nvPr>
-            <p:ph idx="1"/>
-          </p:nvPr>
-        </p:nvSpPr>
-        <p:spPr/>
-        <p:txBody>
-          <a:bodyPr/>
-          <a:lstStyle/>
-          <a:p>
-            <a:r>
-              <a:rPr lang="en-GB" dirty="0" smtClean="0"/>
-              <a:t>Only where it causes blocking</a:t>
-            </a:r>
-          </a:p>
-          <a:p>
-            <a:endParaRPr lang="en-GB" dirty="0" smtClean="0"/>
-          </a:p>
-          <a:p>
-            <a:r>
-              <a:rPr lang="en-GB" dirty="0" smtClean="0"/>
-              <a:t>Duration</a:t>
-            </a:r>
-          </a:p>
-          <a:p>
-            <a:pPr lvl="1"/>
-            <a:r>
-              <a:rPr lang="en-GB" dirty="0" smtClean="0"/>
-              <a:t>Due to a long running process</a:t>
-            </a:r>
-          </a:p>
-          <a:p>
-            <a:pPr lvl="1"/>
-            <a:r>
-              <a:rPr lang="en-GB" dirty="0" smtClean="0"/>
-              <a:t>Long running transactions block users</a:t>
-            </a:r>
-          </a:p>
-          <a:p>
-            <a:r>
-              <a:rPr lang="en-GB" dirty="0" smtClean="0"/>
-              <a:t>Size</a:t>
-            </a:r>
-          </a:p>
-          <a:p>
-            <a:pPr lvl="1"/>
-            <a:r>
-              <a:rPr lang="en-GB" dirty="0" smtClean="0"/>
-              <a:t>Locking lots of data</a:t>
-            </a:r>
-            <a:endParaRPr lang="en-GB" dirty="0"/>
-          </a:p>
-        </p:txBody>
-      </p:sp>
-    </p:spTree>
-    <p:extLst>
-      <p:ext uri="{BB962C8B-B14F-4D97-AF65-F5344CB8AC3E}">
-        <p14:creationId xmlns:p14="http://schemas.microsoft.com/office/powerpoint/2010/main" val="1228794098"/>
-      </p:ext>
-    </p:extLst>
-  </p:cSld>
-  <p:clrMapOvr>
-    <a:masterClrMapping/>
-  </p:clrMapOvr>
-  <p:timing>
-    <p:tnLst>
-      <p:par>
-        <p:cTn id="1" dur="indefinite" restart="never" nodeType="tmRoot"/>
-      </p:par>
-    </p:tnLst>
-  </p:timing>
-</p:sld>
-</file>
-
-<file path=ppt/slides/slide16.xml><?xml version="1.0" encoding="utf-8"?>
-<p:sld xmlns:a="http://schemas.openxmlformats.org/drawingml/2006/main" xmlns:r="http://schemas.openxmlformats.org/officeDocument/2006/relationships" xmlns:p="http://schemas.openxmlformats.org/presentationml/2006/main">
-  <p:cSld>
-    <p:spTree>
-      <p:nvGrpSpPr>
-        <p:cNvPr id="1" name=""/>
-        <p:cNvGrpSpPr/>
-        <p:nvPr/>
-      </p:nvGrpSpPr>
-      <p:grpSpPr>
-        <a:xfrm>
-          <a:off x="0" y="0"/>
-          <a:ext cx="0" cy="0"/>
-          <a:chOff x="0" y="0"/>
-          <a:chExt cx="0" cy="0"/>
-        </a:xfrm>
-      </p:grpSpPr>
-      <p:sp>
-        <p:nvSpPr>
-          <p:cNvPr id="2" name="Title 1"/>
-          <p:cNvSpPr>
-            <a:spLocks noGrp="1"/>
-          </p:cNvSpPr>
-          <p:nvPr>
-            <p:ph type="title"/>
-          </p:nvPr>
-        </p:nvSpPr>
-        <p:spPr/>
-        <p:txBody>
-          <a:bodyPr/>
-          <a:lstStyle/>
-          <a:p>
-            <a:r>
-              <a:rPr lang="en-GB" dirty="0" smtClean="0"/>
               <a:t>What do you do when it fails</a:t>
             </a:r>
             <a:endParaRPr lang="en-GB" dirty="0"/>
@@ -11439,7 +11299,7 @@
 </p:sld>
 </file>
 
-<file path=ppt/slides/slide17.xml><?xml version="1.0" encoding="utf-8"?>
+<file path=ppt/slides/slide16.xml><?xml version="1.0" encoding="utf-8"?>
 <p:sld xmlns:a="http://schemas.openxmlformats.org/drawingml/2006/main" xmlns:r="http://schemas.openxmlformats.org/officeDocument/2006/relationships" xmlns:p="http://schemas.openxmlformats.org/presentationml/2006/main">
   <p:cSld>
     <p:spTree>
@@ -12182,6 +12042,131 @@
 </p:sld>
 </file>
 
+<file path=ppt/slides/slide17.xml><?xml version="1.0" encoding="utf-8"?>
+<p:sld xmlns:a="http://schemas.openxmlformats.org/drawingml/2006/main" xmlns:r="http://schemas.openxmlformats.org/officeDocument/2006/relationships" xmlns:p="http://schemas.openxmlformats.org/presentationml/2006/main">
+  <p:cSld>
+    <p:spTree>
+      <p:nvGrpSpPr>
+        <p:cNvPr id="1" name=""/>
+        <p:cNvGrpSpPr/>
+        <p:nvPr/>
+      </p:nvGrpSpPr>
+      <p:grpSpPr>
+        <a:xfrm>
+          <a:off x="0" y="0"/>
+          <a:ext cx="0" cy="0"/>
+          <a:chOff x="0" y="0"/>
+          <a:chExt cx="0" cy="0"/>
+        </a:xfrm>
+      </p:grpSpPr>
+      <p:sp>
+        <p:nvSpPr>
+          <p:cNvPr id="2" name="Title 1"/>
+          <p:cNvSpPr>
+            <a:spLocks noGrp="1"/>
+          </p:cNvSpPr>
+          <p:nvPr>
+            <p:ph type="title"/>
+          </p:nvPr>
+        </p:nvSpPr>
+        <p:spPr/>
+        <p:txBody>
+          <a:bodyPr/>
+          <a:lstStyle/>
+          <a:p>
+            <a:r>
+              <a:rPr lang="en-GB" dirty="0" smtClean="0"/>
+              <a:t>One transaction – the myth</a:t>
+            </a:r>
+            <a:endParaRPr lang="en-GB" dirty="0"/>
+          </a:p>
+        </p:txBody>
+      </p:sp>
+      <p:sp>
+        <p:nvSpPr>
+          <p:cNvPr id="3" name="Content Placeholder 2"/>
+          <p:cNvSpPr>
+            <a:spLocks noGrp="1"/>
+          </p:cNvSpPr>
+          <p:nvPr>
+            <p:ph idx="1"/>
+          </p:nvPr>
+        </p:nvSpPr>
+        <p:spPr/>
+        <p:txBody>
+          <a:bodyPr>
+            <a:normAutofit lnSpcReduction="10000"/>
+          </a:bodyPr>
+          <a:lstStyle/>
+          <a:p>
+            <a:r>
+              <a:rPr lang="en-GB" dirty="0" smtClean="0"/>
+              <a:t>One transaction is awesome</a:t>
+            </a:r>
+          </a:p>
+          <a:p>
+            <a:pPr lvl="1"/>
+            <a:r>
+              <a:rPr lang="en-GB" dirty="0" smtClean="0"/>
+              <a:t>Just rollback</a:t>
+            </a:r>
+          </a:p>
+          <a:p>
+            <a:r>
+              <a:rPr lang="en-GB" dirty="0" smtClean="0"/>
+              <a:t>Most processes span multiple systems</a:t>
+            </a:r>
+          </a:p>
+          <a:p>
+            <a:r>
+              <a:rPr lang="en-GB" dirty="0" smtClean="0"/>
+              <a:t>To avoid long running/large transactions</a:t>
+            </a:r>
+          </a:p>
+          <a:p>
+            <a:endParaRPr lang="en-GB" dirty="0" smtClean="0"/>
+          </a:p>
+          <a:p>
+            <a:r>
+              <a:rPr lang="en-GB" dirty="0" smtClean="0"/>
+              <a:t>Multiple transactions</a:t>
+            </a:r>
+          </a:p>
+          <a:p>
+            <a:r>
+              <a:rPr lang="en-GB" dirty="0" smtClean="0"/>
+              <a:t>You  can’t rely on rollback</a:t>
+            </a:r>
+          </a:p>
+          <a:p>
+            <a:r>
+              <a:rPr lang="en-GB" dirty="0" smtClean="0"/>
+              <a:t>Manual compensation/retry</a:t>
+            </a:r>
+            <a:endParaRPr lang="en-GB" dirty="0"/>
+          </a:p>
+        </p:txBody>
+      </p:sp>
+    </p:spTree>
+    <p:extLst>
+      <p:ext uri="{BB962C8B-B14F-4D97-AF65-F5344CB8AC3E}">
+        <p14:creationId xmlns:p14="http://schemas.microsoft.com/office/powerpoint/2010/main" val="2700120014"/>
+      </p:ext>
+    </p:extLst>
+  </p:cSld>
+  <p:clrMapOvr>
+    <a:masterClrMapping/>
+  </p:clrMapOvr>
+  <p:timing>
+    <p:tnLst>
+      <p:par>
+        <p:cTn id="1" dur="indefinite" restart="never" nodeType="tmRoot"/>
+      </p:par>
+    </p:tnLst>
+  </p:timing>
+</p:sld>
+</file>
+
 <file path=ppt/slides/slide18.xml><?xml version="1.0" encoding="utf-8"?>
 <p:sld xmlns:a="http://schemas.openxmlformats.org/drawingml/2006/main" xmlns:r="http://schemas.openxmlformats.org/officeDocument/2006/relationships" xmlns:p="http://schemas.openxmlformats.org/presentationml/2006/main">
   <p:cSld>
@@ -12216,7 +12201,7 @@
           <a:p>
             <a:r>
               <a:rPr lang="en-GB" dirty="0" smtClean="0"/>
-              <a:t>One transaction – the myth</a:t>
+              <a:t>Compensation</a:t>
             </a:r>
             <a:endParaRPr lang="en-GB" dirty="0"/>
           </a:p>
@@ -12234,54 +12219,38 @@
         </p:nvSpPr>
         <p:spPr/>
         <p:txBody>
-          <a:bodyPr>
-            <a:normAutofit lnSpcReduction="10000"/>
-          </a:bodyPr>
+          <a:bodyPr/>
           <a:lstStyle/>
           <a:p>
             <a:r>
               <a:rPr lang="en-GB" dirty="0" smtClean="0"/>
-              <a:t>One transaction is awesome</a:t>
+              <a:t>Messaging v Services v Transactions</a:t>
+            </a:r>
+          </a:p>
+          <a:p>
+            <a:r>
+              <a:rPr lang="en-GB" dirty="0" smtClean="0"/>
+              <a:t>Dealing with distributed systems is difficult.</a:t>
             </a:r>
           </a:p>
           <a:p>
             <a:pPr lvl="1"/>
             <a:r>
               <a:rPr lang="en-GB" dirty="0" smtClean="0"/>
-              <a:t>Just rollback</a:t>
-            </a:r>
-          </a:p>
-          <a:p>
-            <a:r>
-              <a:rPr lang="en-GB" dirty="0" smtClean="0"/>
-              <a:t>Most processes span multiple systems</a:t>
-            </a:r>
-          </a:p>
-          <a:p>
-            <a:r>
-              <a:rPr lang="en-GB" dirty="0" smtClean="0"/>
-              <a:t>To avoid long running/large transactions</a:t>
-            </a:r>
-          </a:p>
-          <a:p>
-            <a:endParaRPr lang="en-GB" dirty="0" smtClean="0"/>
-          </a:p>
-          <a:p>
-            <a:r>
-              <a:rPr lang="en-GB" dirty="0" smtClean="0"/>
-              <a:t>Multiple transactions</a:t>
-            </a:r>
-          </a:p>
-          <a:p>
-            <a:r>
-              <a:rPr lang="en-GB" dirty="0" smtClean="0"/>
-              <a:t>You  can’t rely on rollback</a:t>
-            </a:r>
-          </a:p>
-          <a:p>
-            <a:r>
-              <a:rPr lang="en-GB" dirty="0" smtClean="0"/>
-              <a:t>Manual compensation/retry</a:t>
+              <a:t>The card provider has taken your money</a:t>
+            </a:r>
+          </a:p>
+          <a:p>
+            <a:pPr lvl="1"/>
+            <a:r>
+              <a:rPr lang="en-GB" dirty="0" smtClean="0"/>
+              <a:t>But amazon hasn’t confirmed the order</a:t>
+            </a:r>
+          </a:p>
+          <a:p>
+            <a:r>
+              <a:rPr lang="en-GB" dirty="0" smtClean="0"/>
+              <a:t>Retry</a:t>
             </a:r>
             <a:endParaRPr lang="en-GB" dirty="0"/>
           </a:p>
@@ -12290,7 +12259,7 @@
     </p:spTree>
     <p:extLst>
       <p:ext uri="{BB962C8B-B14F-4D97-AF65-F5344CB8AC3E}">
-        <p14:creationId xmlns:p14="http://schemas.microsoft.com/office/powerpoint/2010/main" val="2700120014"/>
+        <p14:creationId xmlns:p14="http://schemas.microsoft.com/office/powerpoint/2010/main" val="3657984616"/>
       </p:ext>
     </p:extLst>
   </p:cSld>
@@ -12341,7 +12310,7 @@
           <a:p>
             <a:r>
               <a:rPr lang="en-GB" dirty="0" smtClean="0"/>
-              <a:t>Compensation</a:t>
+              <a:t>Questions to ask yourself</a:t>
             </a:r>
             <a:endParaRPr lang="en-GB" dirty="0"/>
           </a:p>
@@ -12359,38 +12328,41 @@
         </p:nvSpPr>
         <p:spPr/>
         <p:txBody>
-          <a:bodyPr/>
+          <a:bodyPr>
+            <a:normAutofit/>
+          </a:bodyPr>
           <a:lstStyle/>
           <a:p>
             <a:r>
               <a:rPr lang="en-GB" dirty="0" smtClean="0"/>
-              <a:t>Messaging v Services v Transactions</a:t>
-            </a:r>
-          </a:p>
-          <a:p>
-            <a:r>
-              <a:rPr lang="en-GB" dirty="0" smtClean="0"/>
-              <a:t>Dealing with distributed systems is difficult.</a:t>
-            </a:r>
-          </a:p>
-          <a:p>
-            <a:pPr lvl="1"/>
-            <a:r>
-              <a:rPr lang="en-GB" dirty="0" smtClean="0"/>
-              <a:t>The card provider has taken your money</a:t>
-            </a:r>
-          </a:p>
-          <a:p>
-            <a:pPr lvl="1"/>
-            <a:r>
-              <a:rPr lang="en-GB" dirty="0" smtClean="0"/>
-              <a:t>But amazon hasn’t confirmed the order</a:t>
-            </a:r>
-          </a:p>
-          <a:p>
-            <a:r>
-              <a:rPr lang="en-GB" dirty="0" smtClean="0"/>
-              <a:t>Retry</a:t>
+              <a:t>Is a previous version of a record acceptable?</a:t>
+            </a:r>
+          </a:p>
+          <a:p>
+            <a:endParaRPr lang="en-GB" dirty="0" smtClean="0"/>
+          </a:p>
+          <a:p>
+            <a:r>
+              <a:rPr lang="en-GB" dirty="0" smtClean="0"/>
+              <a:t>Is a potentially to be rolled back version of a record acceptable?</a:t>
+            </a:r>
+          </a:p>
+          <a:p>
+            <a:endParaRPr lang="en-GB" dirty="0" smtClean="0"/>
+          </a:p>
+          <a:p>
+            <a:r>
+              <a:rPr lang="en-GB" dirty="0" smtClean="0"/>
+              <a:t>Should someone be able to change a record another person is viewing?</a:t>
+            </a:r>
+          </a:p>
+          <a:p>
+            <a:endParaRPr lang="en-GB" dirty="0" smtClean="0"/>
+          </a:p>
+          <a:p>
+            <a:r>
+              <a:rPr lang="en-GB" dirty="0" smtClean="0"/>
+              <a:t>Must I be certain that no other similar records be created whilst I do x?</a:t>
             </a:r>
             <a:endParaRPr lang="en-GB" dirty="0"/>
           </a:p>
@@ -12399,7 +12371,7 @@
     </p:spTree>
     <p:extLst>
       <p:ext uri="{BB962C8B-B14F-4D97-AF65-F5344CB8AC3E}">
-        <p14:creationId xmlns:p14="http://schemas.microsoft.com/office/powerpoint/2010/main" val="3657984616"/>
+        <p14:creationId xmlns:p14="http://schemas.microsoft.com/office/powerpoint/2010/main" val="3376083127"/>
       </p:ext>
     </p:extLst>
   </p:cSld>
@@ -12450,7 +12422,7 @@
           <a:p>
             <a:r>
               <a:rPr lang="en-GB" dirty="0" smtClean="0"/>
-              <a:t>Welcome</a:t>
+              <a:t>Overview</a:t>
             </a:r>
             <a:endParaRPr lang="en-GB" dirty="0"/>
           </a:p>
@@ -12473,57 +12445,35 @@
           <a:p>
             <a:r>
               <a:rPr lang="en-GB" dirty="0" smtClean="0"/>
-              <a:t>sabiniotrXX.westeurope.cloudapp.azure.com</a:t>
-            </a:r>
-          </a:p>
-          <a:p>
-            <a:r>
-              <a:rPr lang="en-GB" dirty="0" smtClean="0"/>
-              <a:t>Username: 		.\</a:t>
-            </a:r>
-            <a:r>
-              <a:rPr lang="en-GB" dirty="0" err="1" smtClean="0"/>
-              <a:t>SQLTraining</a:t>
+              <a:t>Concurrency Basics</a:t>
+            </a:r>
+          </a:p>
+          <a:p>
+            <a:r>
+              <a:rPr lang="en-GB" dirty="0" smtClean="0"/>
+              <a:t>Locking</a:t>
+            </a:r>
+          </a:p>
+          <a:p>
+            <a:r>
+              <a:rPr lang="en-GB" dirty="0" smtClean="0"/>
+              <a:t>Isolation Levels</a:t>
+            </a:r>
+          </a:p>
+          <a:p>
+            <a:r>
+              <a:rPr lang="en-GB" dirty="0" smtClean="0"/>
+              <a:t>Deadlocks</a:t>
+            </a:r>
+          </a:p>
+          <a:p>
+            <a:r>
+              <a:rPr lang="en-GB" dirty="0"/>
+              <a:t>Selecting the right isolation level</a:t>
             </a:r>
             <a:endParaRPr lang="en-GB" dirty="0" smtClean="0"/>
           </a:p>
           <a:p>
-            <a:r>
-              <a:rPr lang="en-GB" dirty="0" smtClean="0"/>
-              <a:t>Password: 		SQLTraining123</a:t>
-            </a:r>
-          </a:p>
-          <a:p>
-            <a:endParaRPr lang="en-GB" dirty="0"/>
-          </a:p>
-          <a:p>
-            <a:r>
-              <a:rPr lang="en-GB" dirty="0" err="1" smtClean="0"/>
-              <a:t>Wifi</a:t>
-            </a:r>
-            <a:r>
-              <a:rPr lang="en-GB" dirty="0" smtClean="0"/>
-              <a:t> username:	</a:t>
-            </a:r>
-            <a:r>
-              <a:rPr lang="en-GB" dirty="0" smtClean="0"/>
-              <a:t>huddle</a:t>
-            </a:r>
-            <a:endParaRPr lang="en-GB" dirty="0" smtClean="0"/>
-          </a:p>
-          <a:p>
-            <a:r>
-              <a:rPr lang="en-GB" dirty="0" err="1" smtClean="0"/>
-              <a:t>Wifi</a:t>
-            </a:r>
-            <a:r>
-              <a:rPr lang="en-GB" dirty="0" smtClean="0"/>
-              <a:t> Password:	</a:t>
-            </a:r>
-            <a:r>
-              <a:rPr lang="en-GB" dirty="0" err="1" smtClean="0"/>
-              <a:t>wCKEgk</a:t>
-            </a:r>
             <a:endParaRPr lang="en-GB" dirty="0"/>
           </a:p>
         </p:txBody>
@@ -12531,7 +12481,7 @@
     </p:spTree>
     <p:extLst>
       <p:ext uri="{BB962C8B-B14F-4D97-AF65-F5344CB8AC3E}">
-        <p14:creationId xmlns:p14="http://schemas.microsoft.com/office/powerpoint/2010/main" val="911129613"/>
+        <p14:creationId xmlns:p14="http://schemas.microsoft.com/office/powerpoint/2010/main" val="2484748605"/>
       </p:ext>
     </p:extLst>
   </p:cSld>
@@ -12567,7 +12517,7 @@
       </p:grpSpPr>
       <p:sp>
         <p:nvSpPr>
-          <p:cNvPr id="2" name="Title 1"/>
+          <p:cNvPr id="4" name="Title 3"/>
           <p:cNvSpPr>
             <a:spLocks noGrp="1"/>
           </p:cNvSpPr>
@@ -12582,7 +12532,7 @@
           <a:p>
             <a:r>
               <a:rPr lang="en-GB" dirty="0" smtClean="0"/>
-              <a:t>Questions to ask yourself</a:t>
+              <a:t>Locking details</a:t>
             </a:r>
             <a:endParaRPr lang="en-GB" dirty="0"/>
           </a:p>
@@ -12590,60 +12540,27 @@
       </p:sp>
       <p:sp>
         <p:nvSpPr>
-          <p:cNvPr id="3" name="Content Placeholder 2"/>
+          <p:cNvPr id="5" name="Text Placeholder 4"/>
           <p:cNvSpPr>
             <a:spLocks noGrp="1"/>
           </p:cNvSpPr>
           <p:nvPr>
-            <p:ph idx="1"/>
+            <p:ph type="body" idx="1"/>
           </p:nvPr>
         </p:nvSpPr>
         <p:spPr/>
         <p:txBody>
-          <a:bodyPr>
-            <a:normAutofit/>
-          </a:bodyPr>
+          <a:bodyPr/>
           <a:lstStyle/>
           <a:p>
-            <a:r>
-              <a:rPr lang="en-GB" dirty="0" smtClean="0"/>
-              <a:t>Is a previous version of a record acceptable?</a:t>
-            </a:r>
-          </a:p>
-          <a:p>
-            <a:endParaRPr lang="en-GB" dirty="0" smtClean="0"/>
-          </a:p>
-          <a:p>
-            <a:r>
-              <a:rPr lang="en-GB" dirty="0" smtClean="0"/>
-              <a:t>Is a potentially to be rolled back version of a record acceptable?</a:t>
-            </a:r>
-          </a:p>
-          <a:p>
-            <a:endParaRPr lang="en-GB" dirty="0" smtClean="0"/>
-          </a:p>
-          <a:p>
-            <a:r>
-              <a:rPr lang="en-GB" dirty="0" smtClean="0"/>
-              <a:t>Should someone be able to change a record another person is viewing?</a:t>
-            </a:r>
-          </a:p>
-          <a:p>
-            <a:endParaRPr lang="en-GB" dirty="0" smtClean="0"/>
-          </a:p>
-          <a:p>
-            <a:r>
-              <a:rPr lang="en-GB" dirty="0" smtClean="0"/>
-              <a:t>Must I be certain that no other similar records be created whilst I do x?</a:t>
-            </a:r>
-            <a:endParaRPr lang="en-GB" dirty="0"/>
+            <a:endParaRPr lang="en-GB"/>
           </a:p>
         </p:txBody>
       </p:sp>
     </p:spTree>
     <p:extLst>
       <p:ext uri="{BB962C8B-B14F-4D97-AF65-F5344CB8AC3E}">
-        <p14:creationId xmlns:p14="http://schemas.microsoft.com/office/powerpoint/2010/main" val="3376083127"/>
+        <p14:creationId xmlns:p14="http://schemas.microsoft.com/office/powerpoint/2010/main" val="1407294617"/>
       </p:ext>
     </p:extLst>
   </p:cSld>
@@ -12679,7 +12596,7 @@
       </p:grpSpPr>
       <p:sp>
         <p:nvSpPr>
-          <p:cNvPr id="4" name="Title 3"/>
+          <p:cNvPr id="2" name="Title 1"/>
           <p:cNvSpPr>
             <a:spLocks noGrp="1"/>
           </p:cNvSpPr>
@@ -12694,7 +12611,7 @@
           <a:p>
             <a:r>
               <a:rPr lang="en-GB" dirty="0" smtClean="0"/>
-              <a:t>Locking details</a:t>
+              <a:t>SQL and Locking</a:t>
             </a:r>
             <a:endParaRPr lang="en-GB" dirty="0"/>
           </a:p>
@@ -12702,27 +12619,88 @@
       </p:sp>
       <p:sp>
         <p:nvSpPr>
-          <p:cNvPr id="5" name="Text Placeholder 4"/>
+          <p:cNvPr id="3" name="Content Placeholder 2"/>
           <p:cNvSpPr>
             <a:spLocks noGrp="1"/>
           </p:cNvSpPr>
           <p:nvPr>
-            <p:ph type="body" idx="1"/>
+            <p:ph idx="1"/>
           </p:nvPr>
         </p:nvSpPr>
         <p:spPr/>
         <p:txBody>
-          <a:bodyPr/>
+          <a:bodyPr>
+            <a:normAutofit fontScale="92500" lnSpcReduction="10000"/>
+          </a:bodyPr>
           <a:lstStyle/>
           <a:p>
-            <a:endParaRPr lang="en-GB"/>
+            <a:r>
+              <a:rPr lang="en-GB" dirty="0" smtClean="0"/>
+              <a:t>During each statement SQL</a:t>
+            </a:r>
+          </a:p>
+          <a:p>
+            <a:pPr lvl="1"/>
+            <a:r>
+              <a:rPr lang="en-GB" dirty="0" smtClean="0"/>
+              <a:t>During execution identifies what lock it would like</a:t>
+            </a:r>
+          </a:p>
+          <a:p>
+            <a:pPr lvl="1"/>
+            <a:r>
+              <a:rPr lang="en-GB" dirty="0" smtClean="0"/>
+              <a:t>At what level</a:t>
+            </a:r>
+          </a:p>
+          <a:p>
+            <a:pPr lvl="1"/>
+            <a:r>
+              <a:rPr lang="en-GB" dirty="0" smtClean="0"/>
+              <a:t>And tries to acquire them (one operation requests locks at multiple levels)</a:t>
+            </a:r>
+          </a:p>
+          <a:p>
+            <a:pPr lvl="1"/>
+            <a:r>
+              <a:rPr lang="en-GB" dirty="0" smtClean="0"/>
+              <a:t>Decides how long to wait to get it</a:t>
+            </a:r>
+          </a:p>
+          <a:p>
+            <a:pPr lvl="1"/>
+            <a:r>
+              <a:rPr lang="en-GB" dirty="0" smtClean="0"/>
+              <a:t>Locks are not all decided up front</a:t>
+            </a:r>
+          </a:p>
+          <a:p>
+            <a:r>
+              <a:rPr lang="en-GB" dirty="0" smtClean="0"/>
+              <a:t>Lock manager</a:t>
+            </a:r>
+          </a:p>
+          <a:p>
+            <a:pPr lvl="1"/>
+            <a:r>
+              <a:rPr lang="en-GB" dirty="0" smtClean="0"/>
+              <a:t>Identifies if the lock can be in granted</a:t>
+            </a:r>
+          </a:p>
+          <a:p>
+            <a:pPr lvl="1"/>
+            <a:r>
+              <a:rPr lang="en-GB" dirty="0" smtClean="0"/>
+              <a:t>When locks are released, grants locks to those waiting</a:t>
+            </a:r>
+            <a:endParaRPr lang="en-GB" dirty="0"/>
           </a:p>
         </p:txBody>
       </p:sp>
     </p:spTree>
     <p:extLst>
       <p:ext uri="{BB962C8B-B14F-4D97-AF65-F5344CB8AC3E}">
-        <p14:creationId xmlns:p14="http://schemas.microsoft.com/office/powerpoint/2010/main" val="1407294617"/>
+        <p14:creationId xmlns:p14="http://schemas.microsoft.com/office/powerpoint/2010/main" val="922465200"/>
       </p:ext>
     </p:extLst>
   </p:cSld>
@@ -12773,7 +12751,7 @@
           <a:p>
             <a:r>
               <a:rPr lang="en-GB" dirty="0" smtClean="0"/>
-              <a:t>SQL and Locking</a:t>
+              <a:t>Locks</a:t>
             </a:r>
             <a:endParaRPr lang="en-GB" dirty="0"/>
           </a:p>
@@ -12792,77 +12770,108 @@
         <p:spPr/>
         <p:txBody>
           <a:bodyPr>
-            <a:normAutofit fontScale="92500" lnSpcReduction="10000"/>
+            <a:normAutofit fontScale="70000" lnSpcReduction="20000"/>
           </a:bodyPr>
           <a:lstStyle/>
           <a:p>
             <a:r>
               <a:rPr lang="en-GB" dirty="0" smtClean="0"/>
-              <a:t>During each statement SQL</a:t>
+              <a:t>Shared (S)</a:t>
             </a:r>
           </a:p>
           <a:p>
             <a:pPr lvl="1"/>
             <a:r>
               <a:rPr lang="en-GB" dirty="0" smtClean="0"/>
-              <a:t>During execution identifies what lock it would like</a:t>
+              <a:t>says you’re reading the data and prevents people from changing it</a:t>
             </a:r>
           </a:p>
           <a:p>
             <a:pPr lvl="1"/>
             <a:r>
-              <a:rPr lang="en-GB" dirty="0" smtClean="0"/>
-              <a:t>At what level</a:t>
+              <a:rPr lang="en-GB" dirty="0"/>
+              <a:t>p</a:t>
+            </a:r>
+            <a:r>
+              <a:rPr lang="en-GB" dirty="0" smtClean="0"/>
+              <a:t>ut in place by a read</a:t>
+            </a:r>
+          </a:p>
+          <a:p>
+            <a:r>
+              <a:rPr lang="en-GB" dirty="0" smtClean="0"/>
+              <a:t>Exclusive (X)</a:t>
             </a:r>
           </a:p>
           <a:p>
             <a:pPr lvl="1"/>
             <a:r>
               <a:rPr lang="en-GB" dirty="0" smtClean="0"/>
-              <a:t>And tries to acquire them (one operation requests locks at multiple levels)</a:t>
+              <a:t>says you want to or have changed the data</a:t>
             </a:r>
           </a:p>
           <a:p>
             <a:pPr lvl="1"/>
             <a:r>
-              <a:rPr lang="en-GB" dirty="0" smtClean="0"/>
-              <a:t>Decides how long to wait to get it</a:t>
+              <a:rPr lang="en-GB" dirty="0"/>
+              <a:t>p</a:t>
+            </a:r>
+            <a:r>
+              <a:rPr lang="en-GB" dirty="0" smtClean="0"/>
+              <a:t>ut in place by an insert, update or delete</a:t>
             </a:r>
           </a:p>
           <a:p>
             <a:pPr lvl="1"/>
             <a:r>
               <a:rPr lang="en-GB" dirty="0" smtClean="0"/>
-              <a:t>Locks are not all decided up front</a:t>
-            </a:r>
-          </a:p>
-          <a:p>
-            <a:r>
-              <a:rPr lang="en-GB" dirty="0" smtClean="0"/>
-              <a:t>Lock manager</a:t>
+              <a:t>ALWAYS kept for the duration of the transaction from when they are </a:t>
+            </a:r>
+            <a:r>
+              <a:rPr lang="en-GB" dirty="0" err="1" smtClean="0"/>
+              <a:t>aqcuired</a:t>
+            </a:r>
+            <a:endParaRPr lang="en-GB" dirty="0" smtClean="0"/>
+          </a:p>
+          <a:p>
+            <a:r>
+              <a:rPr lang="en-GB" dirty="0" smtClean="0"/>
+              <a:t>Update (U)</a:t>
             </a:r>
           </a:p>
           <a:p>
             <a:pPr lvl="1"/>
             <a:r>
               <a:rPr lang="en-GB" dirty="0" smtClean="0"/>
-              <a:t>Identifies if the lock can be in granted</a:t>
+              <a:t>says you are going to update the data but haven’t yet and so people can still read it</a:t>
+            </a:r>
+          </a:p>
+          <a:p>
+            <a:r>
+              <a:rPr lang="en-GB" dirty="0" smtClean="0"/>
+              <a:t>Intent (IX, IS)</a:t>
             </a:r>
           </a:p>
           <a:p>
             <a:pPr lvl="1"/>
             <a:r>
               <a:rPr lang="en-GB" dirty="0" smtClean="0"/>
-              <a:t>When locks are released, grants locks to those waiting</a:t>
-            </a:r>
-            <a:endParaRPr lang="en-GB" dirty="0"/>
+              <a:t>Says you want to change a child of the item being locked</a:t>
+            </a:r>
+          </a:p>
+          <a:p>
+            <a:pPr lvl="1"/>
+            <a:r>
+              <a:rPr lang="en-GB" dirty="0" smtClean="0"/>
+              <a:t>Prevents people changing a parent(i.e. table) when a child is being changed i.e. row</a:t>
+            </a:r>
           </a:p>
         </p:txBody>
       </p:sp>
     </p:spTree>
     <p:extLst>
       <p:ext uri="{BB962C8B-B14F-4D97-AF65-F5344CB8AC3E}">
-        <p14:creationId xmlns:p14="http://schemas.microsoft.com/office/powerpoint/2010/main" val="922465200"/>
+        <p14:creationId xmlns:p14="http://schemas.microsoft.com/office/powerpoint/2010/main" val="571615694"/>
       </p:ext>
     </p:extLst>
   </p:cSld>
@@ -12913,7 +12922,7 @@
           <a:p>
             <a:r>
               <a:rPr lang="en-GB" dirty="0" smtClean="0"/>
-              <a:t>Locks</a:t>
+              <a:t>What’s compatible</a:t>
             </a:r>
             <a:endParaRPr lang="en-GB" dirty="0"/>
           </a:p>
@@ -12931,101 +12940,67 @@
         </p:nvSpPr>
         <p:spPr/>
         <p:txBody>
-          <a:bodyPr>
-            <a:normAutofit fontScale="70000" lnSpcReduction="20000"/>
-          </a:bodyPr>
+          <a:bodyPr/>
           <a:lstStyle/>
           <a:p>
             <a:r>
               <a:rPr lang="en-GB" dirty="0" smtClean="0"/>
-              <a:t>Shared (S)</a:t>
+              <a:t>Shared works with Shared</a:t>
             </a:r>
           </a:p>
           <a:p>
             <a:pPr lvl="1"/>
             <a:r>
               <a:rPr lang="en-GB" dirty="0" smtClean="0"/>
-              <a:t>says you’re reading the data and prevents people from changing it</a:t>
+              <a:t>Loads of people can read</a:t>
+            </a:r>
+          </a:p>
+          <a:p>
+            <a:r>
+              <a:rPr lang="en-GB" dirty="0" smtClean="0"/>
+              <a:t>Exclusive lock</a:t>
             </a:r>
           </a:p>
           <a:p>
             <a:pPr lvl="1"/>
             <a:r>
+              <a:rPr lang="en-GB" dirty="0" smtClean="0"/>
+              <a:t>Prevents reads (pessimistic)</a:t>
+            </a:r>
+          </a:p>
+          <a:p>
+            <a:pPr lvl="1"/>
+            <a:r>
+              <a:rPr lang="en-GB" dirty="0" smtClean="0"/>
+              <a:t>Prevents writes</a:t>
+            </a:r>
+          </a:p>
+          <a:p>
+            <a:r>
+              <a:rPr lang="en-GB" dirty="0" smtClean="0"/>
+              <a:t>Update </a:t>
+            </a:r>
+          </a:p>
+          <a:p>
+            <a:pPr lvl="1"/>
+            <a:r>
+              <a:rPr lang="en-GB" dirty="0" smtClean="0"/>
+              <a:t>Doesn’t block reads</a:t>
+            </a:r>
+          </a:p>
+          <a:p>
+            <a:pPr lvl="1"/>
+            <a:r>
+              <a:rPr lang="en-GB" dirty="0" smtClean="0"/>
+              <a:t>Does block writes (</a:t>
+            </a:r>
+            <a:r>
               <a:rPr lang="en-GB" dirty="0"/>
-              <a:t>p</a:t>
-            </a:r>
-            <a:r>
-              <a:rPr lang="en-GB" dirty="0" smtClean="0"/>
-              <a:t>ut in place by a read</a:t>
-            </a:r>
-          </a:p>
-          <a:p>
-            <a:r>
-              <a:rPr lang="en-GB" dirty="0" smtClean="0"/>
-              <a:t>Exclusive (X)</a:t>
-            </a:r>
-          </a:p>
-          <a:p>
-            <a:pPr lvl="1"/>
-            <a:r>
-              <a:rPr lang="en-GB" dirty="0" smtClean="0"/>
-              <a:t>says you want to or have changed the data</a:t>
-            </a:r>
-          </a:p>
-          <a:p>
-            <a:pPr lvl="1"/>
-            <a:r>
-              <a:rPr lang="en-GB" dirty="0"/>
-              <a:t>p</a:t>
-            </a:r>
-            <a:r>
-              <a:rPr lang="en-GB" dirty="0" smtClean="0"/>
-              <a:t>ut in place by an insert, update or delete</a:t>
-            </a:r>
-          </a:p>
-          <a:p>
-            <a:pPr lvl="1"/>
-            <a:r>
-              <a:rPr lang="en-GB" dirty="0" smtClean="0"/>
-              <a:t>ALWAYS kept for the duration of the transaction from when they are </a:t>
-            </a:r>
-            <a:r>
-              <a:rPr lang="en-GB" dirty="0" err="1" smtClean="0"/>
-              <a:t>aqcuired</a:t>
-            </a:r>
-            <a:endParaRPr lang="en-GB" dirty="0" smtClean="0"/>
-          </a:p>
-          <a:p>
-            <a:r>
-              <a:rPr lang="en-GB" dirty="0" smtClean="0"/>
-              <a:t>Update (U)</a:t>
-            </a:r>
-          </a:p>
-          <a:p>
-            <a:pPr lvl="1"/>
-            <a:r>
-              <a:rPr lang="en-GB" dirty="0" smtClean="0"/>
-              <a:t>says you are going to update the data but haven’t yet and so people can still read it</a:t>
-            </a:r>
-          </a:p>
-          <a:p>
-            <a:r>
-              <a:rPr lang="en-GB" dirty="0" smtClean="0"/>
-              <a:t>Intent (IX, IS)</a:t>
-            </a:r>
-          </a:p>
-          <a:p>
-            <a:pPr lvl="1"/>
-            <a:r>
-              <a:rPr lang="en-GB" dirty="0" smtClean="0"/>
-              <a:t>Says you want to change a child of the item being locked</a:t>
-            </a:r>
-          </a:p>
-          <a:p>
-            <a:pPr lvl="1"/>
-            <a:r>
-              <a:rPr lang="en-GB" dirty="0" smtClean="0"/>
-              <a:t>Prevents people changing a parent(i.e. table) when a child is being changed i.e. row</a:t>
+              <a:t>e</a:t>
+            </a:r>
+            <a:r>
+              <a:rPr lang="en-GB" dirty="0" smtClean="0"/>
+              <a:t>xclusive) </a:t>
             </a:r>
           </a:p>
         </p:txBody>
@@ -13033,7 +13008,7 @@
     </p:spTree>
     <p:extLst>
       <p:ext uri="{BB962C8B-B14F-4D97-AF65-F5344CB8AC3E}">
-        <p14:creationId xmlns:p14="http://schemas.microsoft.com/office/powerpoint/2010/main" val="571615694"/>
+        <p14:creationId xmlns:p14="http://schemas.microsoft.com/office/powerpoint/2010/main" val="3746478533"/>
       </p:ext>
     </p:extLst>
   </p:cSld>
@@ -13084,7 +13059,7 @@
           <a:p>
             <a:r>
               <a:rPr lang="en-GB" dirty="0" smtClean="0"/>
-              <a:t>What’s compatible</a:t>
+              <a:t>Locking</a:t>
             </a:r>
             <a:endParaRPr lang="en-GB" dirty="0"/>
           </a:p>
@@ -13092,12 +13067,12 @@
       </p:sp>
       <p:sp>
         <p:nvSpPr>
-          <p:cNvPr id="3" name="Content Placeholder 2"/>
+          <p:cNvPr id="3" name="Text Placeholder 2"/>
           <p:cNvSpPr>
             <a:spLocks noGrp="1"/>
           </p:cNvSpPr>
           <p:nvPr>
-            <p:ph idx="1"/>
+            <p:ph type="body" idx="1"/>
           </p:nvPr>
         </p:nvSpPr>
         <p:spPr/>
@@ -13105,72 +13080,14 @@
           <a:bodyPr/>
           <a:lstStyle/>
           <a:p>
-            <a:r>
-              <a:rPr lang="en-GB" dirty="0" smtClean="0"/>
-              <a:t>Shared works with Shared</a:t>
-            </a:r>
-          </a:p>
-          <a:p>
-            <a:pPr lvl="1"/>
-            <a:r>
-              <a:rPr lang="en-GB" dirty="0" smtClean="0"/>
-              <a:t>Loads of people can read</a:t>
-            </a:r>
-          </a:p>
-          <a:p>
-            <a:r>
-              <a:rPr lang="en-GB" dirty="0" smtClean="0"/>
-              <a:t>Exclusive lock</a:t>
-            </a:r>
-          </a:p>
-          <a:p>
-            <a:pPr lvl="1"/>
-            <a:r>
-              <a:rPr lang="en-GB" dirty="0" smtClean="0"/>
-              <a:t>Prevents reads (pessimistic)</a:t>
-            </a:r>
-          </a:p>
-          <a:p>
-            <a:pPr lvl="1"/>
-            <a:r>
-              <a:rPr lang="en-GB" dirty="0" smtClean="0"/>
-              <a:t>Prevents writes</a:t>
-            </a:r>
-          </a:p>
-          <a:p>
-            <a:r>
-              <a:rPr lang="en-GB" dirty="0" smtClean="0"/>
-              <a:t>Update </a:t>
-            </a:r>
-          </a:p>
-          <a:p>
-            <a:pPr lvl="1"/>
-            <a:r>
-              <a:rPr lang="en-GB" dirty="0" smtClean="0"/>
-              <a:t>Doesn’t block reads</a:t>
-            </a:r>
-          </a:p>
-          <a:p>
-            <a:pPr lvl="1"/>
-            <a:r>
-              <a:rPr lang="en-GB" dirty="0" smtClean="0"/>
-              <a:t>Does block writes (</a:t>
-            </a:r>
-            <a:r>
-              <a:rPr lang="en-GB" dirty="0"/>
-              <a:t>e</a:t>
-            </a:r>
-            <a:r>
-              <a:rPr lang="en-GB" dirty="0" smtClean="0"/>
-              <a:t>xclusive) </a:t>
-            </a:r>
+            <a:endParaRPr lang="en-GB" dirty="0"/>
           </a:p>
         </p:txBody>
       </p:sp>
     </p:spTree>
     <p:extLst>
       <p:ext uri="{BB962C8B-B14F-4D97-AF65-F5344CB8AC3E}">
-        <p14:creationId xmlns:p14="http://schemas.microsoft.com/office/powerpoint/2010/main" val="3746478533"/>
+        <p14:creationId xmlns:p14="http://schemas.microsoft.com/office/powerpoint/2010/main" val="793388888"/>
       </p:ext>
     </p:extLst>
   </p:cSld>
@@ -13206,85 +13123,6 @@
       </p:grpSpPr>
       <p:sp>
         <p:nvSpPr>
-          <p:cNvPr id="2" name="Title 1"/>
-          <p:cNvSpPr>
-            <a:spLocks noGrp="1"/>
-          </p:cNvSpPr>
-          <p:nvPr>
-            <p:ph type="title"/>
-          </p:nvPr>
-        </p:nvSpPr>
-        <p:spPr/>
-        <p:txBody>
-          <a:bodyPr/>
-          <a:lstStyle/>
-          <a:p>
-            <a:r>
-              <a:rPr lang="en-GB" dirty="0" smtClean="0"/>
-              <a:t>Locking</a:t>
-            </a:r>
-            <a:endParaRPr lang="en-GB" dirty="0"/>
-          </a:p>
-        </p:txBody>
-      </p:sp>
-      <p:sp>
-        <p:nvSpPr>
-          <p:cNvPr id="3" name="Text Placeholder 2"/>
-          <p:cNvSpPr>
-            <a:spLocks noGrp="1"/>
-          </p:cNvSpPr>
-          <p:nvPr>
-            <p:ph type="body" idx="1"/>
-          </p:nvPr>
-        </p:nvSpPr>
-        <p:spPr/>
-        <p:txBody>
-          <a:bodyPr/>
-          <a:lstStyle/>
-          <a:p>
-            <a:endParaRPr lang="en-GB" dirty="0"/>
-          </a:p>
-        </p:txBody>
-      </p:sp>
-    </p:spTree>
-    <p:extLst>
-      <p:ext uri="{BB962C8B-B14F-4D97-AF65-F5344CB8AC3E}">
-        <p14:creationId xmlns:p14="http://schemas.microsoft.com/office/powerpoint/2010/main" val="793388888"/>
-      </p:ext>
-    </p:extLst>
-  </p:cSld>
-  <p:clrMapOvr>
-    <a:masterClrMapping/>
-  </p:clrMapOvr>
-  <p:timing>
-    <p:tnLst>
-      <p:par>
-        <p:cTn id="1" dur="indefinite" restart="never" nodeType="tmRoot"/>
-      </p:par>
-    </p:tnLst>
-  </p:timing>
-</p:sld>
-</file>
-
-<file path=ppt/slides/slide26.xml><?xml version="1.0" encoding="utf-8"?>
-<p:sld xmlns:a="http://schemas.openxmlformats.org/drawingml/2006/main" xmlns:r="http://schemas.openxmlformats.org/officeDocument/2006/relationships" xmlns:p="http://schemas.openxmlformats.org/presentationml/2006/main">
-  <p:cSld>
-    <p:spTree>
-      <p:nvGrpSpPr>
-        <p:cNvPr id="1" name=""/>
-        <p:cNvGrpSpPr/>
-        <p:nvPr/>
-      </p:nvGrpSpPr>
-      <p:grpSpPr>
-        <a:xfrm>
-          <a:off x="0" y="0"/>
-          <a:ext cx="0" cy="0"/>
-          <a:chOff x="0" y="0"/>
-          <a:chExt cx="0" cy="0"/>
-        </a:xfrm>
-      </p:grpSpPr>
-      <p:sp>
-        <p:nvSpPr>
           <p:cNvPr id="4" name="Title 3"/>
           <p:cNvSpPr>
             <a:spLocks noGrp="1"/>
@@ -13378,7 +13216,7 @@
 </p:sld>
 </file>
 
-<file path=ppt/slides/slide27.xml><?xml version="1.0" encoding="utf-8"?>
+<file path=ppt/slides/slide26.xml><?xml version="1.0" encoding="utf-8"?>
 <p:sld xmlns:a="http://schemas.openxmlformats.org/drawingml/2006/main" xmlns:r="http://schemas.openxmlformats.org/officeDocument/2006/relationships" xmlns:p="http://schemas.openxmlformats.org/presentationml/2006/main">
   <p:cSld>
     <p:spTree>
@@ -16087,7 +15925,7 @@
 </p:sld>
 </file>
 
-<file path=ppt/slides/slide28.xml><?xml version="1.0" encoding="utf-8"?>
+<file path=ppt/slides/slide27.xml><?xml version="1.0" encoding="utf-8"?>
 <p:sld xmlns:a="http://schemas.openxmlformats.org/drawingml/2006/main" xmlns:r="http://schemas.openxmlformats.org/officeDocument/2006/relationships" xmlns:p="http://schemas.openxmlformats.org/presentationml/2006/main">
   <p:cSld>
     <p:spTree>
@@ -17112,7 +16950,7 @@
 </p:sld>
 </file>
 
-<file path=ppt/slides/slide29.xml><?xml version="1.0" encoding="utf-8"?>
+<file path=ppt/slides/slide28.xml><?xml version="1.0" encoding="utf-8"?>
 <p:sld xmlns:a="http://schemas.openxmlformats.org/drawingml/2006/main" xmlns:r="http://schemas.openxmlformats.org/officeDocument/2006/relationships" xmlns:p="http://schemas.openxmlformats.org/presentationml/2006/main">
   <p:cSld>
     <p:spTree>
@@ -19051,6 +18889,149 @@
 </p:sld>
 </file>
 
+<file path=ppt/slides/slide29.xml><?xml version="1.0" encoding="utf-8"?>
+<p:sld xmlns:a="http://schemas.openxmlformats.org/drawingml/2006/main" xmlns:r="http://schemas.openxmlformats.org/officeDocument/2006/relationships" xmlns:p="http://schemas.openxmlformats.org/presentationml/2006/main">
+  <p:cSld>
+    <p:spTree>
+      <p:nvGrpSpPr>
+        <p:cNvPr id="1" name=""/>
+        <p:cNvGrpSpPr/>
+        <p:nvPr/>
+      </p:nvGrpSpPr>
+      <p:grpSpPr>
+        <a:xfrm>
+          <a:off x="0" y="0"/>
+          <a:ext cx="0" cy="0"/>
+          <a:chOff x="0" y="0"/>
+          <a:chExt cx="0" cy="0"/>
+        </a:xfrm>
+      </p:grpSpPr>
+      <p:sp>
+        <p:nvSpPr>
+          <p:cNvPr id="2" name="Title 1"/>
+          <p:cNvSpPr>
+            <a:spLocks noGrp="1"/>
+          </p:cNvSpPr>
+          <p:nvPr>
+            <p:ph type="title"/>
+          </p:nvPr>
+        </p:nvSpPr>
+        <p:spPr/>
+        <p:txBody>
+          <a:bodyPr/>
+          <a:lstStyle/>
+          <a:p>
+            <a:r>
+              <a:rPr lang="en-GB" dirty="0" smtClean="0"/>
+              <a:t>What is a key/rid lock</a:t>
+            </a:r>
+            <a:endParaRPr lang="en-GB" dirty="0"/>
+          </a:p>
+        </p:txBody>
+      </p:sp>
+      <p:sp>
+        <p:nvSpPr>
+          <p:cNvPr id="3" name="Content Placeholder 2"/>
+          <p:cNvSpPr>
+            <a:spLocks noGrp="1"/>
+          </p:cNvSpPr>
+          <p:nvPr>
+            <p:ph idx="1"/>
+          </p:nvPr>
+        </p:nvSpPr>
+        <p:spPr/>
+        <p:txBody>
+          <a:bodyPr>
+            <a:normAutofit fontScale="92500" lnSpcReduction="10000"/>
+          </a:bodyPr>
+          <a:lstStyle/>
+          <a:p>
+            <a:r>
+              <a:rPr lang="en-GB" dirty="0" smtClean="0"/>
+              <a:t>Locks a key in an index or row in a heap</a:t>
+            </a:r>
+          </a:p>
+          <a:p>
+            <a:r>
+              <a:rPr lang="en-GB" dirty="0" smtClean="0"/>
+              <a:t>For indexes Key lock</a:t>
+            </a:r>
+          </a:p>
+          <a:p>
+            <a:pPr lvl="1"/>
+            <a:r>
+              <a:rPr lang="en-GB" dirty="0" smtClean="0"/>
+              <a:t>Resource is a hash of the keys in the index</a:t>
+            </a:r>
+          </a:p>
+          <a:p>
+            <a:pPr lvl="1"/>
+            <a:r>
+              <a:rPr lang="en-GB" dirty="0" smtClean="0"/>
+              <a:t>Collisions can occur on wide indexes with billions of rows</a:t>
+            </a:r>
+          </a:p>
+          <a:p>
+            <a:pPr lvl="2"/>
+            <a:r>
+              <a:rPr lang="en-GB" dirty="0" smtClean="0"/>
+              <a:t>Very rare</a:t>
+            </a:r>
+          </a:p>
+          <a:p>
+            <a:r>
+              <a:rPr lang="en-GB" dirty="0" smtClean="0"/>
+              <a:t>For heaps RID lock</a:t>
+            </a:r>
+          </a:p>
+          <a:p>
+            <a:pPr lvl="1"/>
+            <a:r>
+              <a:rPr lang="en-GB" dirty="0" smtClean="0"/>
+              <a:t>Pointer to slot on page in file in DB (</a:t>
+            </a:r>
+            <a:r>
+              <a:rPr lang="en-GB" dirty="0" err="1" smtClean="0"/>
+              <a:t>FileId:PageId:Slot</a:t>
+            </a:r>
+            <a:r>
+              <a:rPr lang="en-GB" dirty="0" smtClean="0"/>
+              <a:t>)</a:t>
+            </a:r>
+          </a:p>
+          <a:p>
+            <a:pPr lvl="1"/>
+            <a:endParaRPr lang="en-GB" dirty="0"/>
+          </a:p>
+          <a:p>
+            <a:r>
+              <a:rPr lang="en-GB" sz="3500" b="1" dirty="0" smtClean="0"/>
+              <a:t>You cannot put a lock on a column value if its not indexed</a:t>
+            </a:r>
+            <a:endParaRPr lang="en-GB" b="1" dirty="0"/>
+          </a:p>
+        </p:txBody>
+      </p:sp>
+    </p:spTree>
+    <p:extLst>
+      <p:ext uri="{BB962C8B-B14F-4D97-AF65-F5344CB8AC3E}">
+        <p14:creationId xmlns:p14="http://schemas.microsoft.com/office/powerpoint/2010/main" val="3852332275"/>
+      </p:ext>
+    </p:extLst>
+  </p:cSld>
+  <p:clrMapOvr>
+    <a:masterClrMapping/>
+  </p:clrMapOvr>
+  <p:timing>
+    <p:tnLst>
+      <p:par>
+        <p:cTn id="1" dur="indefinite" restart="never" nodeType="tmRoot"/>
+      </p:par>
+    </p:tnLst>
+  </p:timing>
+</p:sld>
+</file>
+
 <file path=ppt/slides/slide3.xml><?xml version="1.0" encoding="utf-8"?>
 <p:sld xmlns:a="http://schemas.openxmlformats.org/drawingml/2006/main" xmlns:r="http://schemas.openxmlformats.org/officeDocument/2006/relationships" xmlns:p="http://schemas.openxmlformats.org/presentationml/2006/main">
   <p:cSld>
@@ -19085,7 +19066,7 @@
           <a:p>
             <a:r>
               <a:rPr lang="en-GB" dirty="0" smtClean="0"/>
-              <a:t>Overview</a:t>
+              <a:t>Transaction Basics</a:t>
             </a:r>
             <a:endParaRPr lang="en-GB" dirty="0"/>
           </a:p>
@@ -19093,12 +19074,12 @@
       </p:sp>
       <p:sp>
         <p:nvSpPr>
-          <p:cNvPr id="3" name="Content Placeholder 2"/>
+          <p:cNvPr id="3" name="Text Placeholder 2"/>
           <p:cNvSpPr>
             <a:spLocks noGrp="1"/>
           </p:cNvSpPr>
           <p:nvPr>
-            <p:ph idx="1"/>
+            <p:ph type="body" idx="1"/>
           </p:nvPr>
         </p:nvSpPr>
         <p:spPr/>
@@ -19106,37 +19087,6 @@
           <a:bodyPr/>
           <a:lstStyle/>
           <a:p>
-            <a:r>
-              <a:rPr lang="en-GB" dirty="0" smtClean="0"/>
-              <a:t>Concurrency Basics</a:t>
-            </a:r>
-          </a:p>
-          <a:p>
-            <a:r>
-              <a:rPr lang="en-GB" dirty="0" smtClean="0"/>
-              <a:t>Locking</a:t>
-            </a:r>
-          </a:p>
-          <a:p>
-            <a:r>
-              <a:rPr lang="en-GB" dirty="0" smtClean="0"/>
-              <a:t>Isolation Levels</a:t>
-            </a:r>
-          </a:p>
-          <a:p>
-            <a:r>
-              <a:rPr lang="en-GB" dirty="0" smtClean="0"/>
-              <a:t>Deadlocks</a:t>
-            </a:r>
-          </a:p>
-          <a:p>
-            <a:r>
-              <a:rPr lang="en-GB" dirty="0"/>
-              <a:t>Selecting the right isolation level</a:t>
-            </a:r>
-            <a:endParaRPr lang="en-GB" dirty="0" smtClean="0"/>
-          </a:p>
-          <a:p>
             <a:endParaRPr lang="en-GB" dirty="0"/>
           </a:p>
         </p:txBody>
@@ -19144,7 +19094,7 @@
     </p:spTree>
     <p:extLst>
       <p:ext uri="{BB962C8B-B14F-4D97-AF65-F5344CB8AC3E}">
-        <p14:creationId xmlns:p14="http://schemas.microsoft.com/office/powerpoint/2010/main" val="2484748605"/>
+        <p14:creationId xmlns:p14="http://schemas.microsoft.com/office/powerpoint/2010/main" val="3058609453"/>
       </p:ext>
     </p:extLst>
   </p:cSld>
@@ -19195,7 +19145,7 @@
           <a:p>
             <a:r>
               <a:rPr lang="en-GB" dirty="0" smtClean="0"/>
-              <a:t>What is a key/rid lock</a:t>
+              <a:t>Demo</a:t>
             </a:r>
             <a:endParaRPr lang="en-GB" dirty="0"/>
           </a:p>
@@ -19213,81 +19163,17 @@
         </p:nvSpPr>
         <p:spPr/>
         <p:txBody>
-          <a:bodyPr>
-            <a:normAutofit fontScale="92500" lnSpcReduction="10000"/>
-          </a:bodyPr>
+          <a:bodyPr/>
           <a:lstStyle/>
           <a:p>
-            <a:r>
-              <a:rPr lang="en-GB" dirty="0" smtClean="0"/>
-              <a:t>Locks a key in an index or row in a heap</a:t>
-            </a:r>
-          </a:p>
-          <a:p>
-            <a:r>
-              <a:rPr lang="en-GB" dirty="0" smtClean="0"/>
-              <a:t>For indexes Key lock</a:t>
-            </a:r>
-          </a:p>
-          <a:p>
-            <a:pPr lvl="1"/>
-            <a:r>
-              <a:rPr lang="en-GB" dirty="0" smtClean="0"/>
-              <a:t>Resource is a hash of the keys in the index</a:t>
-            </a:r>
-          </a:p>
-          <a:p>
-            <a:pPr lvl="1"/>
-            <a:r>
-              <a:rPr lang="en-GB" dirty="0" smtClean="0"/>
-              <a:t>Collisions can occur on wide indexes with billions of rows</a:t>
-            </a:r>
-          </a:p>
-          <a:p>
-            <a:pPr lvl="2"/>
-            <a:r>
-              <a:rPr lang="en-GB" dirty="0" smtClean="0"/>
-              <a:t>Very rare</a:t>
-            </a:r>
-          </a:p>
-          <a:p>
-            <a:r>
-              <a:rPr lang="en-GB" dirty="0" smtClean="0"/>
-              <a:t>For heaps RID lock</a:t>
-            </a:r>
-          </a:p>
-          <a:p>
-            <a:pPr lvl="1"/>
-            <a:r>
-              <a:rPr lang="en-GB" dirty="0" smtClean="0"/>
-              <a:t>Pointer to slot on page in file in DB (</a:t>
-            </a:r>
-            <a:r>
-              <a:rPr lang="en-GB" dirty="0" err="1" smtClean="0"/>
-              <a:t>FileId:PageId:Slot</a:t>
-            </a:r>
-            <a:r>
-              <a:rPr lang="en-GB" dirty="0" smtClean="0"/>
-              <a:t>)</a:t>
-            </a:r>
-          </a:p>
-          <a:p>
-            <a:pPr lvl="1"/>
-            <a:endParaRPr lang="en-GB" dirty="0"/>
-          </a:p>
-          <a:p>
-            <a:r>
-              <a:rPr lang="en-GB" sz="3500" b="1" dirty="0" smtClean="0"/>
-              <a:t>You cannot put a lock on a column value if its not indexed</a:t>
-            </a:r>
-            <a:endParaRPr lang="en-GB" b="1" dirty="0"/>
+            <a:endParaRPr lang="en-GB"/>
           </a:p>
         </p:txBody>
       </p:sp>
     </p:spTree>
     <p:extLst>
       <p:ext uri="{BB962C8B-B14F-4D97-AF65-F5344CB8AC3E}">
-        <p14:creationId xmlns:p14="http://schemas.microsoft.com/office/powerpoint/2010/main" val="3852332275"/>
+        <p14:creationId xmlns:p14="http://schemas.microsoft.com/office/powerpoint/2010/main" val="3874936734"/>
       </p:ext>
     </p:extLst>
   </p:cSld>
@@ -19338,7 +19224,7 @@
           <a:p>
             <a:r>
               <a:rPr lang="en-GB" dirty="0" smtClean="0"/>
-              <a:t>Demo</a:t>
+              <a:t>Lock Escalation</a:t>
             </a:r>
             <a:endParaRPr lang="en-GB" dirty="0"/>
           </a:p>
@@ -19359,14 +19245,72 @@
           <a:bodyPr/>
           <a:lstStyle/>
           <a:p>
-            <a:endParaRPr lang="en-GB"/>
+            <a:r>
+              <a:rPr lang="en-GB" dirty="0" smtClean="0"/>
+              <a:t>Locks are held at varying levels</a:t>
+            </a:r>
+          </a:p>
+          <a:p>
+            <a:pPr lvl="1"/>
+            <a:r>
+              <a:rPr lang="en-GB" dirty="0" smtClean="0"/>
+              <a:t>Key &gt; Page &gt; Extent &gt; </a:t>
+            </a:r>
+            <a:r>
+              <a:rPr lang="en-GB" dirty="0" err="1" smtClean="0"/>
+              <a:t>Hobt</a:t>
+            </a:r>
+            <a:r>
+              <a:rPr lang="en-GB" dirty="0" smtClean="0"/>
+              <a:t> (Table/Partition)</a:t>
+            </a:r>
+          </a:p>
+          <a:p>
+            <a:r>
+              <a:rPr lang="en-GB" dirty="0" smtClean="0"/>
+              <a:t>Locks use memory</a:t>
+            </a:r>
+          </a:p>
+          <a:p>
+            <a:r>
+              <a:rPr lang="en-GB" dirty="0" smtClean="0"/>
+              <a:t>Escalation effects</a:t>
+            </a:r>
+          </a:p>
+          <a:p>
+            <a:pPr lvl="1"/>
+            <a:r>
+              <a:rPr lang="en-GB" dirty="0" smtClean="0"/>
+              <a:t>Reduces memory footprint</a:t>
+            </a:r>
+          </a:p>
+          <a:p>
+            <a:pPr lvl="1"/>
+            <a:r>
+              <a:rPr lang="en-GB" dirty="0" smtClean="0"/>
+              <a:t>Reduces concurrency</a:t>
+            </a:r>
+          </a:p>
+          <a:p>
+            <a:r>
+              <a:rPr lang="en-GB" dirty="0" smtClean="0"/>
+              <a:t>Partitioned Tables</a:t>
+            </a:r>
+          </a:p>
+          <a:p>
+            <a:pPr lvl="1"/>
+            <a:r>
+              <a:rPr lang="en-GB" dirty="0" smtClean="0"/>
+              <a:t>Set Lock Escalation Auto</a:t>
+            </a:r>
+            <a:endParaRPr lang="en-GB" dirty="0"/>
           </a:p>
         </p:txBody>
       </p:sp>
     </p:spTree>
     <p:extLst>
       <p:ext uri="{BB962C8B-B14F-4D97-AF65-F5344CB8AC3E}">
-        <p14:creationId xmlns:p14="http://schemas.microsoft.com/office/powerpoint/2010/main" val="3874936734"/>
+        <p14:creationId xmlns:p14="http://schemas.microsoft.com/office/powerpoint/2010/main" val="3466784678"/>
       </p:ext>
     </p:extLst>
   </p:cSld>
@@ -19417,7 +19361,7 @@
           <a:p>
             <a:r>
               <a:rPr lang="en-GB" dirty="0" smtClean="0"/>
-              <a:t>Lock Escalation</a:t>
+              <a:t>Locking hints</a:t>
             </a:r>
             <a:endParaRPr lang="en-GB" dirty="0"/>
           </a:p>
@@ -19435,75 +19379,68 @@
         </p:nvSpPr>
         <p:spPr/>
         <p:txBody>
-          <a:bodyPr/>
+          <a:bodyPr>
+            <a:normAutofit/>
+          </a:bodyPr>
           <a:lstStyle/>
           <a:p>
             <a:r>
               <a:rPr lang="en-GB" dirty="0" smtClean="0"/>
-              <a:t>Locks are held at varying levels</a:t>
+              <a:t>Changes </a:t>
             </a:r>
           </a:p>
           <a:p>
             <a:pPr lvl="1"/>
             <a:r>
               <a:rPr lang="en-GB" dirty="0" smtClean="0"/>
-              <a:t>Key &gt; Page &gt; Extent &gt; </a:t>
-            </a:r>
-            <a:r>
-              <a:rPr lang="en-GB" dirty="0" err="1" smtClean="0"/>
-              <a:t>Hobt</a:t>
-            </a:r>
-            <a:r>
-              <a:rPr lang="en-GB" dirty="0" smtClean="0"/>
-              <a:t> (Table/Partition)</a:t>
-            </a:r>
-          </a:p>
-          <a:p>
-            <a:r>
-              <a:rPr lang="en-GB" dirty="0" smtClean="0"/>
-              <a:t>Locks use memory</a:t>
-            </a:r>
-          </a:p>
-          <a:p>
-            <a:r>
-              <a:rPr lang="en-GB" dirty="0" smtClean="0"/>
-              <a:t>Escalation effects</a:t>
+              <a:t>what lock are checked (NOLOCK)</a:t>
             </a:r>
           </a:p>
           <a:p>
             <a:pPr lvl="1"/>
             <a:r>
               <a:rPr lang="en-GB" dirty="0" smtClean="0"/>
-              <a:t>Reduces memory footprint</a:t>
+              <a:t>What locks are put in place (UPDLOCK, TABLOCK, TABLOCKX)</a:t>
             </a:r>
           </a:p>
           <a:p>
             <a:pPr lvl="1"/>
             <a:r>
               <a:rPr lang="en-GB" dirty="0" smtClean="0"/>
-              <a:t>Reduces concurrency</a:t>
-            </a:r>
-          </a:p>
-          <a:p>
-            <a:r>
-              <a:rPr lang="en-GB" dirty="0" smtClean="0"/>
-              <a:t>Partitioned Tables</a:t>
+              <a:t>what locks are held after a statement (HOLDLOCK)</a:t>
             </a:r>
           </a:p>
           <a:p>
             <a:pPr lvl="1"/>
             <a:r>
               <a:rPr lang="en-GB" dirty="0" smtClean="0"/>
-              <a:t>Set Lock Escalation Auto</a:t>
-            </a:r>
-            <a:endParaRPr lang="en-GB" dirty="0"/>
+              <a:t>What locks block an operation (READPAST)</a:t>
+            </a:r>
+          </a:p>
+          <a:p>
+            <a:r>
+              <a:rPr lang="en-GB" dirty="0" smtClean="0"/>
+              <a:t>Simulates behaviour of isolation levels</a:t>
+            </a:r>
+          </a:p>
+          <a:p>
+            <a:r>
+              <a:rPr lang="en-GB" dirty="0" smtClean="0"/>
+              <a:t>Enables you to choose a hybrid isolation approach</a:t>
+            </a:r>
+          </a:p>
+          <a:p>
+            <a:r>
+              <a:rPr lang="en-GB" dirty="0" smtClean="0"/>
+              <a:t>Isolation levels cant be changed but hints can be</a:t>
+            </a:r>
           </a:p>
         </p:txBody>
       </p:sp>
     </p:spTree>
     <p:extLst>
       <p:ext uri="{BB962C8B-B14F-4D97-AF65-F5344CB8AC3E}">
-        <p14:creationId xmlns:p14="http://schemas.microsoft.com/office/powerpoint/2010/main" val="3466784678"/>
+        <p14:creationId xmlns:p14="http://schemas.microsoft.com/office/powerpoint/2010/main" val="308493810"/>
       </p:ext>
     </p:extLst>
   </p:cSld>
@@ -19521,6 +19458,177 @@
 </file>
 
 <file path=ppt/slides/slide33.xml><?xml version="1.0" encoding="utf-8"?>
+<p:sld xmlns:a="http://schemas.openxmlformats.org/drawingml/2006/main" xmlns:r="http://schemas.openxmlformats.org/officeDocument/2006/relationships" xmlns:p="http://schemas.openxmlformats.org/presentationml/2006/main" show="0">
+  <p:cSld>
+    <p:spTree>
+      <p:nvGrpSpPr>
+        <p:cNvPr id="1" name=""/>
+        <p:cNvGrpSpPr/>
+        <p:nvPr/>
+      </p:nvGrpSpPr>
+      <p:grpSpPr>
+        <a:xfrm>
+          <a:off x="0" y="0"/>
+          <a:ext cx="0" cy="0"/>
+          <a:chOff x="0" y="0"/>
+          <a:chExt cx="0" cy="0"/>
+        </a:xfrm>
+      </p:grpSpPr>
+      <p:sp>
+        <p:nvSpPr>
+          <p:cNvPr id="2" name="Title 1"/>
+          <p:cNvSpPr>
+            <a:spLocks noGrp="1"/>
+          </p:cNvSpPr>
+          <p:nvPr>
+            <p:ph type="title"/>
+          </p:nvPr>
+        </p:nvSpPr>
+        <p:spPr/>
+        <p:txBody>
+          <a:bodyPr/>
+          <a:lstStyle/>
+          <a:p>
+            <a:r>
+              <a:rPr lang="en-GB" dirty="0" smtClean="0"/>
+              <a:t>What are locking Hints?</a:t>
+            </a:r>
+            <a:endParaRPr lang="en-GB" dirty="0"/>
+          </a:p>
+        </p:txBody>
+      </p:sp>
+      <p:sp>
+        <p:nvSpPr>
+          <p:cNvPr id="3" name="Content Placeholder 2"/>
+          <p:cNvSpPr>
+            <a:spLocks noGrp="1"/>
+          </p:cNvSpPr>
+          <p:nvPr>
+            <p:ph idx="1"/>
+          </p:nvPr>
+        </p:nvSpPr>
+        <p:spPr/>
+        <p:txBody>
+          <a:bodyPr>
+            <a:normAutofit/>
+          </a:bodyPr>
+          <a:lstStyle/>
+          <a:p>
+            <a:pPr fontAlgn="base"/>
+            <a:r>
+              <a:rPr lang="en-GB" dirty="0" smtClean="0"/>
+              <a:t>Examples:</a:t>
+            </a:r>
+          </a:p>
+          <a:p>
+            <a:pPr lvl="1" fontAlgn="base"/>
+            <a:r>
+              <a:rPr lang="en-GB" dirty="0" smtClean="0"/>
+              <a:t>Force </a:t>
+            </a:r>
+            <a:r>
+              <a:rPr lang="en-GB" dirty="0"/>
+              <a:t>Server to hold lock longer (</a:t>
+            </a:r>
+            <a:r>
+              <a:rPr lang="en-GB" dirty="0" smtClean="0"/>
+              <a:t>UPDLOCK)</a:t>
+            </a:r>
+          </a:p>
+          <a:p>
+            <a:pPr lvl="1" fontAlgn="base"/>
+            <a:r>
+              <a:rPr lang="en-GB" dirty="0" smtClean="0"/>
+              <a:t>Hold lock </a:t>
+            </a:r>
+            <a:r>
+              <a:rPr lang="en-GB" dirty="0"/>
+              <a:t>at a </a:t>
+            </a:r>
+            <a:r>
+              <a:rPr lang="en-GB" dirty="0" smtClean="0"/>
+              <a:t>higher or lower </a:t>
+            </a:r>
+            <a:r>
+              <a:rPr lang="en-GB" dirty="0"/>
+              <a:t>level </a:t>
+            </a:r>
+            <a:r>
+              <a:rPr lang="en-GB" dirty="0" smtClean="0"/>
+              <a:t>(TABLOCK, ROWLOCK)</a:t>
+            </a:r>
+            <a:r>
+              <a:rPr lang="en-GB" dirty="0"/>
+              <a:t> </a:t>
+            </a:r>
+          </a:p>
+          <a:p>
+            <a:pPr lvl="1" fontAlgn="base"/>
+            <a:r>
+              <a:rPr lang="en-GB" dirty="0"/>
+              <a:t>Dirty reads possible </a:t>
+            </a:r>
+            <a:r>
+              <a:rPr lang="en-GB" dirty="0" smtClean="0"/>
+              <a:t>(NOLOCK)</a:t>
+            </a:r>
+            <a:r>
+              <a:rPr lang="en-GB" dirty="0"/>
+              <a:t> </a:t>
+            </a:r>
+          </a:p>
+          <a:p>
+            <a:pPr lvl="1" fontAlgn="base"/>
+            <a:r>
+              <a:rPr lang="en-GB" dirty="0"/>
+              <a:t>Locked rows skipped </a:t>
+            </a:r>
+            <a:r>
+              <a:rPr lang="en-GB" dirty="0" smtClean="0"/>
+              <a:t>(READPAST)</a:t>
+            </a:r>
+            <a:r>
+              <a:rPr lang="en-GB" dirty="0"/>
+              <a:t> </a:t>
+            </a:r>
+          </a:p>
+          <a:p>
+            <a:pPr marL="0" indent="0" fontAlgn="base">
+              <a:buNone/>
+            </a:pPr>
+            <a:endParaRPr lang="en-GB" dirty="0"/>
+          </a:p>
+        </p:txBody>
+      </p:sp>
+    </p:spTree>
+    <p:extLst>
+      <p:ext uri="{BB962C8B-B14F-4D97-AF65-F5344CB8AC3E}">
+        <p14:creationId xmlns:p14="http://schemas.microsoft.com/office/powerpoint/2010/main" val="4046235059"/>
+      </p:ext>
+    </p:extLst>
+  </p:cSld>
+  <p:clrMapOvr>
+    <a:masterClrMapping/>
+  </p:clrMapOvr>
+  <mc:AlternateContent xmlns:mc="http://schemas.openxmlformats.org/markup-compatibility/2006" xmlns:p14="http://schemas.microsoft.com/office/powerpoint/2010/main">
+    <mc:Choice Requires="p14">
+      <p:transition spd="slow" p14:dur="2000"/>
+    </mc:Choice>
+    <mc:Fallback xmlns="">
+      <p:transition spd="slow"/>
+    </mc:Fallback>
+  </mc:AlternateContent>
+  <p:timing>
+    <p:tnLst>
+      <p:par>
+        <p:cTn id="1" dur="indefinite" restart="never" nodeType="tmRoot"/>
+      </p:par>
+    </p:tnLst>
+  </p:timing>
+</p:sld>
+</file>
+
+<file path=ppt/slides/slide34.xml><?xml version="1.0" encoding="utf-8"?>
 <p:sld xmlns:a="http://schemas.openxmlformats.org/drawingml/2006/main" xmlns:r="http://schemas.openxmlformats.org/officeDocument/2006/relationships" xmlns:p="http://schemas.openxmlformats.org/presentationml/2006/main">
   <p:cSld>
     <p:spTree>
@@ -19554,7 +19662,7 @@
           <a:p>
             <a:r>
               <a:rPr lang="en-GB" dirty="0" smtClean="0"/>
-              <a:t>Locking hints</a:t>
+              <a:t>Isolation Levels</a:t>
             </a:r>
             <a:endParaRPr lang="en-GB" dirty="0"/>
           </a:p>
@@ -19562,255 +19670,33 @@
       </p:sp>
       <p:sp>
         <p:nvSpPr>
-          <p:cNvPr id="3" name="Content Placeholder 2"/>
+          <p:cNvPr id="3" name="Text Placeholder 2"/>
           <p:cNvSpPr>
             <a:spLocks noGrp="1"/>
           </p:cNvSpPr>
           <p:nvPr>
-            <p:ph idx="1"/>
+            <p:ph type="body" idx="1"/>
           </p:nvPr>
         </p:nvSpPr>
         <p:spPr/>
         <p:txBody>
-          <a:bodyPr>
-            <a:normAutofit/>
-          </a:bodyPr>
+          <a:bodyPr/>
           <a:lstStyle/>
           <a:p>
-            <a:r>
-              <a:rPr lang="en-GB" dirty="0" smtClean="0"/>
-              <a:t>Changes </a:t>
-            </a:r>
-          </a:p>
-          <a:p>
-            <a:pPr lvl="1"/>
-            <a:r>
-              <a:rPr lang="en-GB" dirty="0" smtClean="0"/>
-              <a:t>what lock are checked (NOLOCK)</a:t>
-            </a:r>
-          </a:p>
-          <a:p>
-            <a:pPr lvl="1"/>
-            <a:r>
-              <a:rPr lang="en-GB" dirty="0" smtClean="0"/>
-              <a:t>What locks are put in place (UPDLOCK, TABLOCK, TABLOCKX)</a:t>
-            </a:r>
-          </a:p>
-          <a:p>
-            <a:pPr lvl="1"/>
-            <a:r>
-              <a:rPr lang="en-GB" dirty="0" smtClean="0"/>
-              <a:t>what locks are held after a statement (HOLDLOCK)</a:t>
-            </a:r>
-          </a:p>
-          <a:p>
-            <a:pPr lvl="1"/>
-            <a:r>
-              <a:rPr lang="en-GB" dirty="0" smtClean="0"/>
-              <a:t>What locks block an operation (READPAST)</a:t>
-            </a:r>
-          </a:p>
-          <a:p>
-            <a:r>
-              <a:rPr lang="en-GB" dirty="0" smtClean="0"/>
-              <a:t>Simulates behaviour of isolation levels</a:t>
-            </a:r>
-          </a:p>
-          <a:p>
-            <a:r>
-              <a:rPr lang="en-GB" dirty="0" smtClean="0"/>
-              <a:t>Enables you to choose a hybrid isolation approach</a:t>
-            </a:r>
-          </a:p>
-          <a:p>
-            <a:r>
-              <a:rPr lang="en-GB" dirty="0" smtClean="0"/>
-              <a:t>Isolation levels cant be changed but hints can be</a:t>
-            </a:r>
+            <a:endParaRPr lang="en-GB"/>
           </a:p>
         </p:txBody>
       </p:sp>
     </p:spTree>
     <p:extLst>
       <p:ext uri="{BB962C8B-B14F-4D97-AF65-F5344CB8AC3E}">
-        <p14:creationId xmlns:p14="http://schemas.microsoft.com/office/powerpoint/2010/main" val="308493810"/>
+        <p14:creationId xmlns:p14="http://schemas.microsoft.com/office/powerpoint/2010/main" val="3155367589"/>
       </p:ext>
     </p:extLst>
   </p:cSld>
   <p:clrMapOvr>
     <a:masterClrMapping/>
   </p:clrMapOvr>
-  <p:timing>
-    <p:tnLst>
-      <p:par>
-        <p:cTn id="1" dur="indefinite" restart="never" nodeType="tmRoot"/>
-      </p:par>
-    </p:tnLst>
-  </p:timing>
-</p:sld>
-</file>
-
-<file path=ppt/slides/slide34.xml><?xml version="1.0" encoding="utf-8"?>
-<p:sld xmlns:a="http://schemas.openxmlformats.org/drawingml/2006/main" xmlns:r="http://schemas.openxmlformats.org/officeDocument/2006/relationships" xmlns:p="http://schemas.openxmlformats.org/presentationml/2006/main" show="0">
-  <p:cSld>
-    <p:spTree>
-      <p:nvGrpSpPr>
-        <p:cNvPr id="1" name=""/>
-        <p:cNvGrpSpPr/>
-        <p:nvPr/>
-      </p:nvGrpSpPr>
-      <p:grpSpPr>
-        <a:xfrm>
-          <a:off x="0" y="0"/>
-          <a:ext cx="0" cy="0"/>
-          <a:chOff x="0" y="0"/>
-          <a:chExt cx="0" cy="0"/>
-        </a:xfrm>
-      </p:grpSpPr>
-      <p:sp>
-        <p:nvSpPr>
-          <p:cNvPr id="2" name="Title 1"/>
-          <p:cNvSpPr>
-            <a:spLocks noGrp="1"/>
-          </p:cNvSpPr>
-          <p:nvPr>
-            <p:ph type="title"/>
-          </p:nvPr>
-        </p:nvSpPr>
-        <p:spPr/>
-        <p:txBody>
-          <a:bodyPr/>
-          <a:lstStyle/>
-          <a:p>
-            <a:r>
-              <a:rPr lang="en-GB" dirty="0" smtClean="0"/>
-              <a:t>What are locking Hints?</a:t>
-            </a:r>
-            <a:endParaRPr lang="en-GB" dirty="0"/>
-          </a:p>
-        </p:txBody>
-      </p:sp>
-      <p:sp>
-        <p:nvSpPr>
-          <p:cNvPr id="3" name="Content Placeholder 2"/>
-          <p:cNvSpPr>
-            <a:spLocks noGrp="1"/>
-          </p:cNvSpPr>
-          <p:nvPr>
-            <p:ph idx="1"/>
-          </p:nvPr>
-        </p:nvSpPr>
-        <p:spPr/>
-        <p:txBody>
-          <a:bodyPr>
-            <a:normAutofit/>
-          </a:bodyPr>
-          <a:lstStyle/>
-          <a:p>
-            <a:pPr fontAlgn="base"/>
-            <a:r>
-              <a:rPr lang="en-GB" dirty="0" smtClean="0"/>
-              <a:t>Examples:</a:t>
-            </a:r>
-          </a:p>
-          <a:p>
-            <a:pPr lvl="1" fontAlgn="base"/>
-            <a:r>
-              <a:rPr lang="en-GB" dirty="0" smtClean="0"/>
-              <a:t>Force </a:t>
-            </a:r>
-            <a:r>
-              <a:rPr lang="en-GB" dirty="0"/>
-              <a:t>Server to hold lock longer (</a:t>
-            </a:r>
-            <a:r>
-              <a:rPr lang="en-GB" dirty="0" smtClean="0"/>
-              <a:t>UPDLOCK)</a:t>
-            </a:r>
-          </a:p>
-          <a:p>
-            <a:pPr lvl="1" fontAlgn="base"/>
-            <a:r>
-              <a:rPr lang="en-GB" dirty="0" smtClean="0"/>
-              <a:t>Hold lock </a:t>
-            </a:r>
-            <a:r>
-              <a:rPr lang="en-GB" dirty="0"/>
-              <a:t>at a </a:t>
-            </a:r>
-            <a:r>
-              <a:rPr lang="en-GB" dirty="0" smtClean="0"/>
-              <a:t>higher or lower </a:t>
-            </a:r>
-            <a:r>
-              <a:rPr lang="en-GB" dirty="0"/>
-              <a:t>level </a:t>
-            </a:r>
-            <a:r>
-              <a:rPr lang="en-GB" dirty="0" smtClean="0"/>
-              <a:t>(TABLOCK, ROWLOCK)</a:t>
-            </a:r>
-            <a:r>
-              <a:rPr lang="en-GB" dirty="0"/>
-              <a:t> </a:t>
-            </a:r>
-          </a:p>
-          <a:p>
-            <a:pPr lvl="1" fontAlgn="base"/>
-            <a:r>
-              <a:rPr lang="en-GB" dirty="0"/>
-              <a:t>Dirty reads possible </a:t>
-            </a:r>
-            <a:r>
-              <a:rPr lang="en-GB" dirty="0" smtClean="0"/>
-              <a:t>(NOLOCK)</a:t>
-            </a:r>
-            <a:r>
-              <a:rPr lang="en-GB" dirty="0"/>
-              <a:t> </a:t>
-            </a:r>
-          </a:p>
-          <a:p>
-            <a:pPr lvl="1" fontAlgn="base"/>
-            <a:r>
-              <a:rPr lang="en-GB" dirty="0"/>
-              <a:t>Locked rows skipped </a:t>
-            </a:r>
-            <a:r>
-              <a:rPr lang="en-GB" dirty="0" smtClean="0"/>
-              <a:t>(READPAST)</a:t>
-            </a:r>
-            <a:r>
-              <a:rPr lang="en-GB" dirty="0"/>
-              <a:t> </a:t>
-            </a:r>
-          </a:p>
-          <a:p>
-            <a:pPr marL="0" indent="0" fontAlgn="base">
-              <a:buNone/>
-            </a:pPr>
-            <a:endParaRPr lang="en-GB" dirty="0"/>
-          </a:p>
-        </p:txBody>
-      </p:sp>
-    </p:spTree>
-    <p:extLst>
-      <p:ext uri="{BB962C8B-B14F-4D97-AF65-F5344CB8AC3E}">
-        <p14:creationId xmlns:p14="http://schemas.microsoft.com/office/powerpoint/2010/main" val="4046235059"/>
-      </p:ext>
-    </p:extLst>
-  </p:cSld>
-  <p:clrMapOvr>
-    <a:masterClrMapping/>
-  </p:clrMapOvr>
-  <mc:AlternateContent xmlns:mc="http://schemas.openxmlformats.org/markup-compatibility/2006" xmlns:p14="http://schemas.microsoft.com/office/powerpoint/2010/main">
-    <mc:Choice Requires="p14">
-      <p:transition spd="slow" p14:dur="2000"/>
-    </mc:Choice>
-    <mc:Fallback xmlns="">
-      <p:transition spd="slow"/>
-    </mc:Fallback>
-  </mc:AlternateContent>
   <p:timing>
     <p:tnLst>
       <p:par>
@@ -19855,7 +19741,7 @@
           <a:p>
             <a:r>
               <a:rPr lang="en-GB" dirty="0" smtClean="0"/>
-              <a:t>Isolation Levels</a:t>
+              <a:t>What are isolation levels?</a:t>
             </a:r>
             <a:endParaRPr lang="en-GB" dirty="0"/>
           </a:p>
@@ -19863,33 +19749,88 @@
       </p:sp>
       <p:sp>
         <p:nvSpPr>
-          <p:cNvPr id="3" name="Text Placeholder 2"/>
+          <p:cNvPr id="3" name="Content Placeholder 2"/>
           <p:cNvSpPr>
             <a:spLocks noGrp="1"/>
           </p:cNvSpPr>
           <p:nvPr>
-            <p:ph type="body" idx="1"/>
+            <p:ph idx="1"/>
           </p:nvPr>
         </p:nvSpPr>
         <p:spPr/>
         <p:txBody>
-          <a:bodyPr/>
+          <a:bodyPr>
+            <a:normAutofit/>
+          </a:bodyPr>
           <a:lstStyle/>
           <a:p>
-            <a:endParaRPr lang="en-GB"/>
+            <a:r>
+              <a:rPr lang="en-GB" dirty="0" smtClean="0"/>
+              <a:t>What locks should be acquired – Shared and Exclusive</a:t>
+            </a:r>
+          </a:p>
+          <a:p>
+            <a:r>
+              <a:rPr lang="en-GB" dirty="0" smtClean="0"/>
+              <a:t>How long locks should be held – Statement or transaction</a:t>
+            </a:r>
+          </a:p>
+          <a:p>
+            <a:r>
+              <a:rPr lang="en-GB" dirty="0" smtClean="0"/>
+              <a:t>What type of locks to take – Key, Range</a:t>
+            </a:r>
+          </a:p>
+          <a:p>
+            <a:r>
+              <a:rPr lang="en-GB" dirty="0" smtClean="0"/>
+              <a:t>Should clashes either:</a:t>
+            </a:r>
+          </a:p>
+          <a:p>
+            <a:pPr lvl="1"/>
+            <a:r>
+              <a:rPr lang="en-GB" dirty="0" smtClean="0"/>
+              <a:t>Block</a:t>
+            </a:r>
+          </a:p>
+          <a:p>
+            <a:pPr lvl="1"/>
+            <a:r>
+              <a:rPr lang="en-GB" dirty="0" smtClean="0"/>
+              <a:t>Use row versioning</a:t>
+            </a:r>
+          </a:p>
+          <a:p>
+            <a:pPr lvl="1"/>
+            <a:r>
+              <a:rPr lang="en-GB" dirty="0" smtClean="0"/>
+              <a:t>Or, use uncommitted data</a:t>
+            </a:r>
+          </a:p>
+          <a:p>
+            <a:endParaRPr lang="en-GB" dirty="0"/>
           </a:p>
         </p:txBody>
       </p:sp>
     </p:spTree>
     <p:extLst>
       <p:ext uri="{BB962C8B-B14F-4D97-AF65-F5344CB8AC3E}">
-        <p14:creationId xmlns:p14="http://schemas.microsoft.com/office/powerpoint/2010/main" val="3155367589"/>
+        <p14:creationId xmlns:p14="http://schemas.microsoft.com/office/powerpoint/2010/main" val="1623890235"/>
       </p:ext>
     </p:extLst>
   </p:cSld>
   <p:clrMapOvr>
     <a:masterClrMapping/>
   </p:clrMapOvr>
+  <mc:AlternateContent xmlns:mc="http://schemas.openxmlformats.org/markup-compatibility/2006" xmlns:p14="http://schemas.microsoft.com/office/powerpoint/2010/main">
+    <mc:Choice Requires="p14">
+      <p:transition spd="slow" p14:dur="2000"/>
+    </mc:Choice>
+    <mc:Fallback xmlns="">
+      <p:transition spd="slow"/>
+    </mc:Fallback>
+  </mc:AlternateContent>
   <p:timing>
     <p:tnLst>
       <p:par>
@@ -19934,140 +19875,6 @@
           <a:p>
             <a:r>
               <a:rPr lang="en-GB" dirty="0" smtClean="0"/>
-              <a:t>What are isolation levels?</a:t>
-            </a:r>
-            <a:endParaRPr lang="en-GB" dirty="0"/>
-          </a:p>
-        </p:txBody>
-      </p:sp>
-      <p:sp>
-        <p:nvSpPr>
-          <p:cNvPr id="3" name="Content Placeholder 2"/>
-          <p:cNvSpPr>
-            <a:spLocks noGrp="1"/>
-          </p:cNvSpPr>
-          <p:nvPr>
-            <p:ph idx="1"/>
-          </p:nvPr>
-        </p:nvSpPr>
-        <p:spPr/>
-        <p:txBody>
-          <a:bodyPr>
-            <a:normAutofit/>
-          </a:bodyPr>
-          <a:lstStyle/>
-          <a:p>
-            <a:r>
-              <a:rPr lang="en-GB" dirty="0" smtClean="0"/>
-              <a:t>What locks should be acquired – Shared and Exclusive</a:t>
-            </a:r>
-          </a:p>
-          <a:p>
-            <a:r>
-              <a:rPr lang="en-GB" dirty="0" smtClean="0"/>
-              <a:t>How long locks should be held – Statement or transaction</a:t>
-            </a:r>
-          </a:p>
-          <a:p>
-            <a:r>
-              <a:rPr lang="en-GB" dirty="0" smtClean="0"/>
-              <a:t>What type of locks to take – Key, Range</a:t>
-            </a:r>
-          </a:p>
-          <a:p>
-            <a:r>
-              <a:rPr lang="en-GB" dirty="0" smtClean="0"/>
-              <a:t>Should clashes either:</a:t>
-            </a:r>
-          </a:p>
-          <a:p>
-            <a:pPr lvl="1"/>
-            <a:r>
-              <a:rPr lang="en-GB" dirty="0" smtClean="0"/>
-              <a:t>Block</a:t>
-            </a:r>
-          </a:p>
-          <a:p>
-            <a:pPr lvl="1"/>
-            <a:r>
-              <a:rPr lang="en-GB" dirty="0" smtClean="0"/>
-              <a:t>Use row versioning</a:t>
-            </a:r>
-          </a:p>
-          <a:p>
-            <a:pPr lvl="1"/>
-            <a:r>
-              <a:rPr lang="en-GB" dirty="0" smtClean="0"/>
-              <a:t>Or, use uncommitted data</a:t>
-            </a:r>
-          </a:p>
-          <a:p>
-            <a:endParaRPr lang="en-GB" dirty="0"/>
-          </a:p>
-        </p:txBody>
-      </p:sp>
-    </p:spTree>
-    <p:extLst>
-      <p:ext uri="{BB962C8B-B14F-4D97-AF65-F5344CB8AC3E}">
-        <p14:creationId xmlns:p14="http://schemas.microsoft.com/office/powerpoint/2010/main" val="1623890235"/>
-      </p:ext>
-    </p:extLst>
-  </p:cSld>
-  <p:clrMapOvr>
-    <a:masterClrMapping/>
-  </p:clrMapOvr>
-  <mc:AlternateContent xmlns:mc="http://schemas.openxmlformats.org/markup-compatibility/2006" xmlns:p14="http://schemas.microsoft.com/office/powerpoint/2010/main">
-    <mc:Choice Requires="p14">
-      <p:transition spd="slow" p14:dur="2000"/>
-    </mc:Choice>
-    <mc:Fallback xmlns="">
-      <p:transition spd="slow"/>
-    </mc:Fallback>
-  </mc:AlternateContent>
-  <p:timing>
-    <p:tnLst>
-      <p:par>
-        <p:cTn id="1" dur="indefinite" restart="never" nodeType="tmRoot"/>
-      </p:par>
-    </p:tnLst>
-  </p:timing>
-</p:sld>
-</file>
-
-<file path=ppt/slides/slide37.xml><?xml version="1.0" encoding="utf-8"?>
-<p:sld xmlns:a="http://schemas.openxmlformats.org/drawingml/2006/main" xmlns:r="http://schemas.openxmlformats.org/officeDocument/2006/relationships" xmlns:p="http://schemas.openxmlformats.org/presentationml/2006/main">
-  <p:cSld>
-    <p:spTree>
-      <p:nvGrpSpPr>
-        <p:cNvPr id="1" name=""/>
-        <p:cNvGrpSpPr/>
-        <p:nvPr/>
-      </p:nvGrpSpPr>
-      <p:grpSpPr>
-        <a:xfrm>
-          <a:off x="0" y="0"/>
-          <a:ext cx="0" cy="0"/>
-          <a:chOff x="0" y="0"/>
-          <a:chExt cx="0" cy="0"/>
-        </a:xfrm>
-      </p:grpSpPr>
-      <p:sp>
-        <p:nvSpPr>
-          <p:cNvPr id="2" name="Title 1"/>
-          <p:cNvSpPr>
-            <a:spLocks noGrp="1"/>
-          </p:cNvSpPr>
-          <p:nvPr>
-            <p:ph type="title"/>
-          </p:nvPr>
-        </p:nvSpPr>
-        <p:spPr/>
-        <p:txBody>
-          <a:bodyPr/>
-          <a:lstStyle/>
-          <a:p>
-            <a:r>
-              <a:rPr lang="en-GB" dirty="0" smtClean="0"/>
               <a:t>Isolation levels</a:t>
             </a:r>
             <a:endParaRPr lang="en-GB" dirty="0"/>
@@ -20185,7 +19992,7 @@
 </p:sld>
 </file>
 
-<file path=ppt/slides/slide38.xml><?xml version="1.0" encoding="utf-8"?>
+<file path=ppt/slides/slide37.xml><?xml version="1.0" encoding="utf-8"?>
 <p:sld xmlns:a="http://schemas.openxmlformats.org/drawingml/2006/main" xmlns:r="http://schemas.openxmlformats.org/officeDocument/2006/relationships" xmlns:p="http://schemas.openxmlformats.org/presentationml/2006/main">
   <p:cSld>
     <p:spTree>
@@ -21827,6 +21634,131 @@
 </p:sld>
 </file>
 
+<file path=ppt/slides/slide38.xml><?xml version="1.0" encoding="utf-8"?>
+<p:sld xmlns:a="http://schemas.openxmlformats.org/drawingml/2006/main" xmlns:r="http://schemas.openxmlformats.org/officeDocument/2006/relationships" xmlns:p="http://schemas.openxmlformats.org/presentationml/2006/main">
+  <p:cSld>
+    <p:spTree>
+      <p:nvGrpSpPr>
+        <p:cNvPr id="1" name=""/>
+        <p:cNvGrpSpPr/>
+        <p:nvPr/>
+      </p:nvGrpSpPr>
+      <p:grpSpPr>
+        <a:xfrm>
+          <a:off x="0" y="0"/>
+          <a:ext cx="0" cy="0"/>
+          <a:chOff x="0" y="0"/>
+          <a:chExt cx="0" cy="0"/>
+        </a:xfrm>
+      </p:grpSpPr>
+      <p:sp>
+        <p:nvSpPr>
+          <p:cNvPr id="2" name="Title 1"/>
+          <p:cNvSpPr>
+            <a:spLocks noGrp="1"/>
+          </p:cNvSpPr>
+          <p:nvPr>
+            <p:ph type="title"/>
+          </p:nvPr>
+        </p:nvSpPr>
+        <p:spPr/>
+        <p:txBody>
+          <a:bodyPr/>
+          <a:lstStyle/>
+          <a:p>
+            <a:r>
+              <a:rPr lang="en-GB" dirty="0" smtClean="0"/>
+              <a:t>Read Committed</a:t>
+            </a:r>
+            <a:endParaRPr lang="en-GB" dirty="0"/>
+          </a:p>
+        </p:txBody>
+      </p:sp>
+      <p:sp>
+        <p:nvSpPr>
+          <p:cNvPr id="3" name="Content Placeholder 2"/>
+          <p:cNvSpPr>
+            <a:spLocks noGrp="1"/>
+          </p:cNvSpPr>
+          <p:nvPr>
+            <p:ph idx="1"/>
+          </p:nvPr>
+        </p:nvSpPr>
+        <p:spPr/>
+        <p:txBody>
+          <a:bodyPr/>
+          <a:lstStyle/>
+          <a:p>
+            <a:r>
+              <a:rPr lang="en-GB" dirty="0" smtClean="0"/>
+              <a:t>Pessimistic</a:t>
+            </a:r>
+          </a:p>
+          <a:p>
+            <a:r>
+              <a:rPr lang="en-GB" dirty="0" smtClean="0"/>
+              <a:t>Shared locks are held on Read data so that others cannot modify</a:t>
+            </a:r>
+          </a:p>
+          <a:p>
+            <a:r>
+              <a:rPr lang="en-GB" dirty="0" smtClean="0"/>
+              <a:t>No dirty reads (</a:t>
+            </a:r>
+            <a:r>
+              <a:rPr lang="en-GB" dirty="0" err="1" smtClean="0"/>
+              <a:t>ish</a:t>
+            </a:r>
+            <a:r>
+              <a:rPr lang="en-GB" dirty="0" smtClean="0"/>
+              <a:t>)</a:t>
+            </a:r>
+          </a:p>
+          <a:p>
+            <a:r>
+              <a:rPr lang="en-GB" dirty="0" smtClean="0"/>
+              <a:t>Data can by modified by other sessions BETWEEN statements</a:t>
+            </a:r>
+          </a:p>
+          <a:p>
+            <a:pPr lvl="1"/>
+            <a:r>
+              <a:rPr lang="en-GB" dirty="0" smtClean="0"/>
+              <a:t>Phantom Reads</a:t>
+            </a:r>
+          </a:p>
+          <a:p>
+            <a:pPr lvl="1"/>
+            <a:r>
+              <a:rPr lang="en-GB" dirty="0" smtClean="0"/>
+              <a:t>Non Repeatable Reads</a:t>
+            </a:r>
+          </a:p>
+          <a:p>
+            <a:endParaRPr lang="en-GB" dirty="0"/>
+          </a:p>
+        </p:txBody>
+      </p:sp>
+    </p:spTree>
+    <p:extLst>
+      <p:ext uri="{BB962C8B-B14F-4D97-AF65-F5344CB8AC3E}">
+        <p14:creationId xmlns:p14="http://schemas.microsoft.com/office/powerpoint/2010/main" val="3917819391"/>
+      </p:ext>
+    </p:extLst>
+  </p:cSld>
+  <p:clrMapOvr>
+    <a:masterClrMapping/>
+  </p:clrMapOvr>
+  <p:timing>
+    <p:tnLst>
+      <p:par>
+        <p:cTn id="1" dur="indefinite" restart="never" nodeType="tmRoot"/>
+      </p:par>
+    </p:tnLst>
+  </p:timing>
+</p:sld>
+</file>
+
 <file path=ppt/slides/slide39.xml><?xml version="1.0" encoding="utf-8"?>
 <p:sld xmlns:a="http://schemas.openxmlformats.org/drawingml/2006/main" xmlns:r="http://schemas.openxmlformats.org/officeDocument/2006/relationships" xmlns:p="http://schemas.openxmlformats.org/presentationml/2006/main">
   <p:cSld>
@@ -21861,7 +21793,11 @@
           <a:p>
             <a:r>
               <a:rPr lang="en-GB" dirty="0" smtClean="0"/>
-              <a:t>Read Committed</a:t>
+              <a:t>Read Uncommitted/ </a:t>
+            </a:r>
+            <a:r>
+              <a:rPr lang="en-GB" dirty="0" err="1" smtClean="0"/>
+              <a:t>Nolock</a:t>
             </a:r>
             <a:endParaRPr lang="en-GB" dirty="0"/>
           </a:p>
@@ -21884,50 +21820,26 @@
           <a:p>
             <a:r>
               <a:rPr lang="en-GB" dirty="0" smtClean="0"/>
-              <a:t>Pessimistic</a:t>
-            </a:r>
-          </a:p>
-          <a:p>
-            <a:r>
-              <a:rPr lang="en-GB" dirty="0" smtClean="0"/>
-              <a:t>Shared locks are held on Read data so that others cannot modify</a:t>
-            </a:r>
-          </a:p>
-          <a:p>
-            <a:r>
-              <a:rPr lang="en-GB" dirty="0" smtClean="0"/>
-              <a:t>No dirty reads (</a:t>
-            </a:r>
-            <a:r>
-              <a:rPr lang="en-GB" dirty="0" err="1" smtClean="0"/>
-              <a:t>ish</a:t>
-            </a:r>
-            <a:r>
-              <a:rPr lang="en-GB" dirty="0" smtClean="0"/>
-              <a:t>)</a:t>
-            </a:r>
-          </a:p>
-          <a:p>
-            <a:r>
-              <a:rPr lang="en-GB" dirty="0" smtClean="0"/>
-              <a:t>Data can by modified by other sessions BETWEEN statements</a:t>
-            </a:r>
-          </a:p>
-          <a:p>
-            <a:pPr lvl="1"/>
+              <a:t>Optimistic</a:t>
+            </a:r>
+          </a:p>
+          <a:p>
+            <a:r>
+              <a:rPr lang="en-GB" dirty="0" smtClean="0"/>
+              <a:t>Allows dirty reads</a:t>
+            </a:r>
+          </a:p>
+          <a:p>
             <a:r>
               <a:rPr lang="en-GB" dirty="0" smtClean="0"/>
               <a:t>Phantom Reads</a:t>
             </a:r>
           </a:p>
           <a:p>
-            <a:pPr lvl="1"/>
             <a:r>
               <a:rPr lang="en-GB" dirty="0" smtClean="0"/>
               <a:t>Non Repeatable Reads</a:t>
             </a:r>
-          </a:p>
-          <a:p>
             <a:endParaRPr lang="en-GB" dirty="0"/>
           </a:p>
         </p:txBody>
@@ -21935,7 +21847,7 @@
     </p:spTree>
     <p:extLst>
       <p:ext uri="{BB962C8B-B14F-4D97-AF65-F5344CB8AC3E}">
-        <p14:creationId xmlns:p14="http://schemas.microsoft.com/office/powerpoint/2010/main" val="3917819391"/>
+        <p14:creationId xmlns:p14="http://schemas.microsoft.com/office/powerpoint/2010/main" val="711692148"/>
       </p:ext>
     </p:extLst>
   </p:cSld>
@@ -21971,7 +21883,7 @@
       </p:grpSpPr>
       <p:sp>
         <p:nvSpPr>
-          <p:cNvPr id="2" name="Title 1"/>
+          <p:cNvPr id="4" name="Title 3"/>
           <p:cNvSpPr>
             <a:spLocks noGrp="1"/>
           </p:cNvSpPr>
@@ -21986,7 +21898,7 @@
           <a:p>
             <a:r>
               <a:rPr lang="en-GB" dirty="0" smtClean="0"/>
-              <a:t>Transaction Basics</a:t>
+              <a:t>Why transactions and locking</a:t>
             </a:r>
             <a:endParaRPr lang="en-GB" dirty="0"/>
           </a:p>
@@ -21994,18 +21906,51 @@
       </p:sp>
       <p:sp>
         <p:nvSpPr>
-          <p:cNvPr id="3" name="Text Placeholder 2"/>
+          <p:cNvPr id="5" name="Content Placeholder 4"/>
           <p:cNvSpPr>
             <a:spLocks noGrp="1"/>
           </p:cNvSpPr>
           <p:nvPr>
-            <p:ph type="body" idx="1"/>
+            <p:ph idx="1"/>
           </p:nvPr>
         </p:nvSpPr>
         <p:spPr/>
         <p:txBody>
-          <a:bodyPr/>
+          <a:bodyPr>
+            <a:normAutofit/>
+          </a:bodyPr>
           <a:lstStyle/>
+          <a:p>
+            <a:r>
+              <a:rPr lang="en-GB" dirty="0" smtClean="0"/>
+              <a:t>To ensure consistency</a:t>
+            </a:r>
+          </a:p>
+          <a:p>
+            <a:pPr lvl="1"/>
+            <a:r>
+              <a:rPr lang="en-GB" dirty="0" smtClean="0"/>
+              <a:t>In the data</a:t>
+            </a:r>
+          </a:p>
+          <a:p>
+            <a:pPr lvl="1"/>
+            <a:r>
+              <a:rPr lang="en-GB" dirty="0"/>
+              <a:t>I</a:t>
+            </a:r>
+            <a:r>
+              <a:rPr lang="en-GB" dirty="0" smtClean="0"/>
+              <a:t>n the experience</a:t>
+            </a:r>
+          </a:p>
+          <a:p>
+            <a:pPr lvl="1"/>
+            <a:r>
+              <a:rPr lang="en-GB" dirty="0" smtClean="0"/>
+              <a:t>In a multi user system</a:t>
+            </a:r>
+          </a:p>
           <a:p>
             <a:endParaRPr lang="en-GB" dirty="0"/>
           </a:p>
@@ -22014,7 +21959,7 @@
     </p:spTree>
     <p:extLst>
       <p:ext uri="{BB962C8B-B14F-4D97-AF65-F5344CB8AC3E}">
-        <p14:creationId xmlns:p14="http://schemas.microsoft.com/office/powerpoint/2010/main" val="3058609453"/>
+        <p14:creationId xmlns:p14="http://schemas.microsoft.com/office/powerpoint/2010/main" val="2152962509"/>
       </p:ext>
     </p:extLst>
   </p:cSld>
@@ -22065,111 +22010,6 @@
           <a:p>
             <a:r>
               <a:rPr lang="en-GB" dirty="0" smtClean="0"/>
-              <a:t>Read Uncommitted/ </a:t>
-            </a:r>
-            <a:r>
-              <a:rPr lang="en-GB" dirty="0" err="1" smtClean="0"/>
-              <a:t>Nolock</a:t>
-            </a:r>
-            <a:endParaRPr lang="en-GB" dirty="0"/>
-          </a:p>
-        </p:txBody>
-      </p:sp>
-      <p:sp>
-        <p:nvSpPr>
-          <p:cNvPr id="3" name="Content Placeholder 2"/>
-          <p:cNvSpPr>
-            <a:spLocks noGrp="1"/>
-          </p:cNvSpPr>
-          <p:nvPr>
-            <p:ph idx="1"/>
-          </p:nvPr>
-        </p:nvSpPr>
-        <p:spPr/>
-        <p:txBody>
-          <a:bodyPr/>
-          <a:lstStyle/>
-          <a:p>
-            <a:r>
-              <a:rPr lang="en-GB" dirty="0" smtClean="0"/>
-              <a:t>Optimistic</a:t>
-            </a:r>
-          </a:p>
-          <a:p>
-            <a:r>
-              <a:rPr lang="en-GB" dirty="0" smtClean="0"/>
-              <a:t>Allows dirty reads</a:t>
-            </a:r>
-          </a:p>
-          <a:p>
-            <a:r>
-              <a:rPr lang="en-GB" dirty="0" smtClean="0"/>
-              <a:t>Phantom Reads</a:t>
-            </a:r>
-          </a:p>
-          <a:p>
-            <a:r>
-              <a:rPr lang="en-GB" dirty="0" smtClean="0"/>
-              <a:t>Non Repeatable Reads</a:t>
-            </a:r>
-            <a:endParaRPr lang="en-GB" dirty="0"/>
-          </a:p>
-        </p:txBody>
-      </p:sp>
-    </p:spTree>
-    <p:extLst>
-      <p:ext uri="{BB962C8B-B14F-4D97-AF65-F5344CB8AC3E}">
-        <p14:creationId xmlns:p14="http://schemas.microsoft.com/office/powerpoint/2010/main" val="711692148"/>
-      </p:ext>
-    </p:extLst>
-  </p:cSld>
-  <p:clrMapOvr>
-    <a:masterClrMapping/>
-  </p:clrMapOvr>
-  <p:timing>
-    <p:tnLst>
-      <p:par>
-        <p:cTn id="1" dur="indefinite" restart="never" nodeType="tmRoot"/>
-      </p:par>
-    </p:tnLst>
-  </p:timing>
-</p:sld>
-</file>
-
-<file path=ppt/slides/slide41.xml><?xml version="1.0" encoding="utf-8"?>
-<p:sld xmlns:a="http://schemas.openxmlformats.org/drawingml/2006/main" xmlns:r="http://schemas.openxmlformats.org/officeDocument/2006/relationships" xmlns:p="http://schemas.openxmlformats.org/presentationml/2006/main">
-  <p:cSld>
-    <p:spTree>
-      <p:nvGrpSpPr>
-        <p:cNvPr id="1" name=""/>
-        <p:cNvGrpSpPr/>
-        <p:nvPr/>
-      </p:nvGrpSpPr>
-      <p:grpSpPr>
-        <a:xfrm>
-          <a:off x="0" y="0"/>
-          <a:ext cx="0" cy="0"/>
-          <a:chOff x="0" y="0"/>
-          <a:chExt cx="0" cy="0"/>
-        </a:xfrm>
-      </p:grpSpPr>
-      <p:sp>
-        <p:nvSpPr>
-          <p:cNvPr id="2" name="Title 1"/>
-          <p:cNvSpPr>
-            <a:spLocks noGrp="1"/>
-          </p:cNvSpPr>
-          <p:nvPr>
-            <p:ph type="title"/>
-          </p:nvPr>
-        </p:nvSpPr>
-        <p:spPr/>
-        <p:txBody>
-          <a:bodyPr/>
-          <a:lstStyle/>
-          <a:p>
-            <a:r>
-              <a:rPr lang="en-GB" dirty="0" smtClean="0"/>
               <a:t>Snapshot/RCSI Mode</a:t>
             </a:r>
             <a:endParaRPr lang="en-GB" dirty="0"/>
@@ -22189,7 +22029,7 @@
         <p:spPr/>
         <p:txBody>
           <a:bodyPr>
-            <a:normAutofit/>
+            <a:normAutofit fontScale="92500" lnSpcReduction="20000"/>
           </a:bodyPr>
           <a:lstStyle/>
           <a:p>
@@ -22228,8 +22068,35 @@
           <a:p>
             <a:r>
               <a:rPr lang="en-GB" dirty="0" smtClean="0"/>
-              <a:t>Modifications aborted if same data changed by another session</a:t>
-            </a:r>
+              <a:t>Modifications </a:t>
+            </a:r>
+            <a:r>
+              <a:rPr lang="en-GB" dirty="0" smtClean="0"/>
+              <a:t>vary between Snapshot &amp; RCSI</a:t>
+            </a:r>
+          </a:p>
+          <a:p>
+            <a:pPr lvl="1"/>
+            <a:r>
+              <a:rPr lang="en-GB" dirty="0" smtClean="0"/>
+              <a:t>Snapshot - aborted </a:t>
+            </a:r>
+            <a:r>
+              <a:rPr lang="en-GB" dirty="0" smtClean="0"/>
+              <a:t>if same data changed by another </a:t>
+            </a:r>
+            <a:r>
+              <a:rPr lang="en-GB" dirty="0" smtClean="0"/>
+              <a:t>session</a:t>
+            </a:r>
+          </a:p>
+          <a:p>
+            <a:pPr lvl="1"/>
+            <a:r>
+              <a:rPr lang="en-GB" dirty="0" smtClean="0"/>
+              <a:t>RCSI - overwritten</a:t>
+            </a:r>
+            <a:endParaRPr lang="en-GB" dirty="0" smtClean="0"/>
           </a:p>
           <a:p>
             <a:r>
@@ -22276,7 +22143,7 @@
 </p:sld>
 </file>
 
-<file path=ppt/slides/slide42.xml><?xml version="1.0" encoding="utf-8"?>
+<file path=ppt/slides/slide41.xml><?xml version="1.0" encoding="utf-8"?>
 <p:sld xmlns:a="http://schemas.openxmlformats.org/drawingml/2006/main" xmlns:r="http://schemas.openxmlformats.org/officeDocument/2006/relationships" xmlns:p="http://schemas.openxmlformats.org/presentationml/2006/main">
   <p:cSld>
     <p:spTree>
@@ -23798,6 +23665,89 @@
 </p:sld>
 </file>
 
+<file path=ppt/slides/slide42.xml><?xml version="1.0" encoding="utf-8"?>
+<p:sld xmlns:a="http://schemas.openxmlformats.org/drawingml/2006/main" xmlns:r="http://schemas.openxmlformats.org/officeDocument/2006/relationships" xmlns:p="http://schemas.openxmlformats.org/presentationml/2006/main">
+  <p:cSld>
+    <p:spTree>
+      <p:nvGrpSpPr>
+        <p:cNvPr id="1" name=""/>
+        <p:cNvGrpSpPr/>
+        <p:nvPr/>
+      </p:nvGrpSpPr>
+      <p:grpSpPr>
+        <a:xfrm>
+          <a:off x="0" y="0"/>
+          <a:ext cx="0" cy="0"/>
+          <a:chOff x="0" y="0"/>
+          <a:chExt cx="0" cy="0"/>
+        </a:xfrm>
+      </p:grpSpPr>
+      <p:sp>
+        <p:nvSpPr>
+          <p:cNvPr id="2" name="Title 1"/>
+          <p:cNvSpPr>
+            <a:spLocks noGrp="1"/>
+          </p:cNvSpPr>
+          <p:nvPr>
+            <p:ph type="title"/>
+          </p:nvPr>
+        </p:nvSpPr>
+        <p:spPr/>
+        <p:txBody>
+          <a:bodyPr/>
+          <a:lstStyle/>
+          <a:p>
+            <a:r>
+              <a:rPr lang="en-GB" dirty="0" smtClean="0"/>
+              <a:t>Demo</a:t>
+            </a:r>
+            <a:endParaRPr lang="en-GB" dirty="0"/>
+          </a:p>
+        </p:txBody>
+      </p:sp>
+      <p:sp>
+        <p:nvSpPr>
+          <p:cNvPr id="3" name="Content Placeholder 2"/>
+          <p:cNvSpPr>
+            <a:spLocks noGrp="1"/>
+          </p:cNvSpPr>
+          <p:nvPr>
+            <p:ph idx="1"/>
+          </p:nvPr>
+        </p:nvSpPr>
+        <p:spPr/>
+        <p:txBody>
+          <a:bodyPr/>
+          <a:lstStyle/>
+          <a:p>
+            <a:r>
+              <a:rPr lang="en-GB" dirty="0" smtClean="0"/>
+              <a:t>Locking Isolation – Reading locked records</a:t>
+            </a:r>
+            <a:endParaRPr lang="en-GB" dirty="0"/>
+          </a:p>
+        </p:txBody>
+      </p:sp>
+    </p:spTree>
+    <p:extLst>
+      <p:ext uri="{BB962C8B-B14F-4D97-AF65-F5344CB8AC3E}">
+        <p14:creationId xmlns:p14="http://schemas.microsoft.com/office/powerpoint/2010/main" val="765579527"/>
+      </p:ext>
+    </p:extLst>
+  </p:cSld>
+  <p:clrMapOvr>
+    <a:masterClrMapping/>
+  </p:clrMapOvr>
+  <p:timing>
+    <p:tnLst>
+      <p:par>
+        <p:cTn id="1" dur="indefinite" restart="never" nodeType="tmRoot"/>
+      </p:par>
+    </p:tnLst>
+  </p:timing>
+</p:sld>
+</file>
+
 <file path=ppt/slides/slide43.xml><?xml version="1.0" encoding="utf-8"?>
 <p:sld xmlns:a="http://schemas.openxmlformats.org/drawingml/2006/main" xmlns:r="http://schemas.openxmlformats.org/officeDocument/2006/relationships" xmlns:p="http://schemas.openxmlformats.org/presentationml/2006/main">
   <p:cSld>
@@ -23832,7 +23782,7 @@
           <a:p>
             <a:r>
               <a:rPr lang="en-GB" dirty="0" smtClean="0"/>
-              <a:t>Demo</a:t>
+              <a:t>Row Versioning</a:t>
             </a:r>
             <a:endParaRPr lang="en-GB" dirty="0"/>
           </a:p>
@@ -23845,18 +23795,199 @@
             <a:spLocks noGrp="1"/>
           </p:cNvSpPr>
           <p:nvPr>
-            <p:ph idx="1"/>
+            <p:ph sz="half" idx="1"/>
           </p:nvPr>
         </p:nvSpPr>
-        <p:spPr/>
+        <p:spPr>
+          <a:xfrm>
+            <a:off x="685802" y="2780777"/>
+            <a:ext cx="4995334" cy="3010423"/>
+          </a:xfrm>
+        </p:spPr>
         <p:txBody>
-          <a:bodyPr/>
+          <a:bodyPr>
+            <a:normAutofit fontScale="70000" lnSpcReduction="20000"/>
+          </a:bodyPr>
           <a:lstStyle/>
           <a:p>
-            <a:r>
-              <a:rPr lang="en-GB" dirty="0" smtClean="0"/>
-              <a:t>Locking Isolation – Reading locked records</a:t>
-            </a:r>
+            <a:pPr fontAlgn="base"/>
+            <a:r>
+              <a:rPr lang="en-GB" dirty="0"/>
+              <a:t>Benefits </a:t>
+            </a:r>
+          </a:p>
+          <a:p>
+            <a:pPr lvl="1" fontAlgn="base"/>
+            <a:r>
+              <a:rPr lang="en-GB" dirty="0"/>
+              <a:t>Read operations have consistent data </a:t>
+            </a:r>
+            <a:endParaRPr lang="en-GB" dirty="0" smtClean="0"/>
+          </a:p>
+          <a:p>
+            <a:pPr lvl="1" fontAlgn="base"/>
+            <a:r>
+              <a:rPr lang="en-GB" dirty="0" smtClean="0"/>
+              <a:t>Readers </a:t>
+            </a:r>
+            <a:r>
+              <a:rPr lang="en-GB" dirty="0"/>
+              <a:t>don’t block writers </a:t>
+            </a:r>
+          </a:p>
+          <a:p>
+            <a:pPr lvl="1" fontAlgn="base"/>
+            <a:r>
+              <a:rPr lang="en-GB" dirty="0"/>
+              <a:t>Reduced deadlocks </a:t>
+            </a:r>
+          </a:p>
+          <a:p>
+            <a:pPr lvl="1" fontAlgn="base"/>
+            <a:r>
+              <a:rPr lang="en-GB" dirty="0"/>
+              <a:t>Reduced managed locks (reduce system overhead) </a:t>
+            </a:r>
+          </a:p>
+          <a:p>
+            <a:pPr lvl="1" fontAlgn="base"/>
+            <a:r>
+              <a:rPr lang="en-GB" dirty="0"/>
+              <a:t>Reduces lock escalations</a:t>
+            </a:r>
+          </a:p>
+          <a:p>
+            <a:endParaRPr lang="en-GB" dirty="0"/>
+          </a:p>
+        </p:txBody>
+      </p:sp>
+      <p:sp>
+        <p:nvSpPr>
+          <p:cNvPr id="4" name="Content Placeholder 3"/>
+          <p:cNvSpPr>
+            <a:spLocks noGrp="1"/>
+          </p:cNvSpPr>
+          <p:nvPr>
+            <p:ph sz="half" idx="2"/>
+          </p:nvPr>
+        </p:nvSpPr>
+        <p:spPr>
+          <a:xfrm>
+            <a:off x="5821895" y="2780777"/>
+            <a:ext cx="4995332" cy="3010423"/>
+          </a:xfrm>
+        </p:spPr>
+        <p:txBody>
+          <a:bodyPr>
+            <a:normAutofit fontScale="70000" lnSpcReduction="20000"/>
+          </a:bodyPr>
+          <a:lstStyle/>
+          <a:p>
+            <a:pPr fontAlgn="base"/>
+            <a:r>
+              <a:rPr lang="en-GB" dirty="0"/>
+              <a:t>Costs </a:t>
+            </a:r>
+          </a:p>
+          <a:p>
+            <a:pPr lvl="1" fontAlgn="base"/>
+            <a:r>
+              <a:rPr lang="en-GB" dirty="0"/>
+              <a:t>Increased tempdb usage </a:t>
+            </a:r>
+          </a:p>
+          <a:p>
+            <a:pPr lvl="1" fontAlgn="base"/>
+            <a:r>
+              <a:rPr lang="en-GB" dirty="0"/>
+              <a:t>Can affect Read performance </a:t>
+            </a:r>
+          </a:p>
+          <a:p>
+            <a:pPr lvl="1" fontAlgn="base"/>
+            <a:r>
+              <a:rPr lang="en-GB" dirty="0"/>
+              <a:t>Additional IO, Memory, CPU overhead, storage </a:t>
+            </a:r>
+          </a:p>
+          <a:p>
+            <a:pPr lvl="1" fontAlgn="base"/>
+            <a:r>
+              <a:rPr lang="en-GB" dirty="0"/>
+              <a:t>(additional 14bytes added to each row for versioning) </a:t>
+            </a:r>
+          </a:p>
+          <a:p>
+            <a:pPr lvl="1" fontAlgn="base"/>
+            <a:r>
+              <a:rPr lang="en-GB" dirty="0"/>
+              <a:t>Turning on can lead to page splits </a:t>
+            </a:r>
+          </a:p>
+          <a:p>
+            <a:pPr lvl="1" fontAlgn="base"/>
+            <a:r>
+              <a:rPr lang="en-GB" dirty="0"/>
+              <a:t>If tempdb runs out of space Read operations can fail</a:t>
+            </a:r>
+          </a:p>
+          <a:p>
+            <a:pPr marL="0" indent="0">
+              <a:buNone/>
+            </a:pPr>
+            <a:endParaRPr lang="en-GB" dirty="0"/>
+          </a:p>
+        </p:txBody>
+      </p:sp>
+      <p:sp>
+        <p:nvSpPr>
+          <p:cNvPr id="5" name="TextBox 4"/>
+          <p:cNvSpPr txBox="1"/>
+          <p:nvPr/>
+        </p:nvSpPr>
+        <p:spPr>
+          <a:xfrm>
+            <a:off x="685801" y="1778696"/>
+            <a:ext cx="9795353" cy="1107996"/>
+          </a:xfrm>
+          <a:prstGeom prst="rect">
+            <a:avLst/>
+          </a:prstGeom>
+          <a:noFill/>
+        </p:spPr>
+        <p:txBody>
+          <a:bodyPr wrap="square" rtlCol="0">
+            <a:spAutoFit/>
+          </a:bodyPr>
+          <a:lstStyle/>
+          <a:p>
+            <a:pPr algn="ctr" fontAlgn="base"/>
+            <a:r>
+              <a:rPr lang="en-GB" sz="2400" dirty="0" err="1" smtClean="0">
+                <a:latin typeface="Ubuntu Titling Rg" panose="02000000000000000000"/>
+              </a:rPr>
+              <a:t>Read_Commited_Snapshot</a:t>
+            </a:r>
+            <a:r>
+              <a:rPr lang="en-GB" sz="2400" dirty="0">
+                <a:latin typeface="Ubuntu Titling Rg" panose="02000000000000000000"/>
+              </a:rPr>
+              <a:t> </a:t>
+            </a:r>
+          </a:p>
+          <a:p>
+            <a:pPr algn="ctr" fontAlgn="base"/>
+            <a:r>
+              <a:rPr lang="en-GB" sz="2400" dirty="0" err="1">
+                <a:latin typeface="Ubuntu Titling Rg" panose="02000000000000000000"/>
+              </a:rPr>
+              <a:t>Allow_Snapshot_Isolation</a:t>
+            </a:r>
+            <a:endParaRPr lang="en-GB" sz="2400" dirty="0">
+              <a:latin typeface="Ubuntu Titling Rg" panose="02000000000000000000"/>
+            </a:endParaRPr>
+          </a:p>
+          <a:p>
             <a:endParaRPr lang="en-GB" dirty="0"/>
           </a:p>
         </p:txBody>
@@ -23864,7 +23995,7 @@
     </p:spTree>
     <p:extLst>
       <p:ext uri="{BB962C8B-B14F-4D97-AF65-F5344CB8AC3E}">
-        <p14:creationId xmlns:p14="http://schemas.microsoft.com/office/powerpoint/2010/main" val="765579527"/>
+        <p14:creationId xmlns:p14="http://schemas.microsoft.com/office/powerpoint/2010/main" val="1857330348"/>
       </p:ext>
     </p:extLst>
   </p:cSld>
@@ -23915,270 +24046,6 @@
           <a:p>
             <a:r>
               <a:rPr lang="en-GB" dirty="0" smtClean="0"/>
-              <a:t>Row Versioning</a:t>
-            </a:r>
-            <a:endParaRPr lang="en-GB" dirty="0"/>
-          </a:p>
-        </p:txBody>
-      </p:sp>
-      <p:sp>
-        <p:nvSpPr>
-          <p:cNvPr id="3" name="Content Placeholder 2"/>
-          <p:cNvSpPr>
-            <a:spLocks noGrp="1"/>
-          </p:cNvSpPr>
-          <p:nvPr>
-            <p:ph sz="half" idx="1"/>
-          </p:nvPr>
-        </p:nvSpPr>
-        <p:spPr>
-          <a:xfrm>
-            <a:off x="685802" y="2780777"/>
-            <a:ext cx="4995334" cy="3010423"/>
-          </a:xfrm>
-        </p:spPr>
-        <p:txBody>
-          <a:bodyPr>
-            <a:normAutofit fontScale="70000" lnSpcReduction="20000"/>
-          </a:bodyPr>
-          <a:lstStyle/>
-          <a:p>
-            <a:pPr fontAlgn="base"/>
-            <a:r>
-              <a:rPr lang="en-GB" dirty="0"/>
-              <a:t>Benefits </a:t>
-            </a:r>
-          </a:p>
-          <a:p>
-            <a:pPr lvl="1" fontAlgn="base"/>
-            <a:r>
-              <a:rPr lang="en-GB" dirty="0"/>
-              <a:t>Read operations have consistent data </a:t>
-            </a:r>
-            <a:endParaRPr lang="en-GB" dirty="0" smtClean="0"/>
-          </a:p>
-          <a:p>
-            <a:pPr lvl="1" fontAlgn="base"/>
-            <a:r>
-              <a:rPr lang="en-GB" dirty="0" smtClean="0"/>
-              <a:t>Readers </a:t>
-            </a:r>
-            <a:r>
-              <a:rPr lang="en-GB" dirty="0"/>
-              <a:t>don’t block writers </a:t>
-            </a:r>
-          </a:p>
-          <a:p>
-            <a:pPr lvl="1" fontAlgn="base"/>
-            <a:r>
-              <a:rPr lang="en-GB" dirty="0"/>
-              <a:t>Reduced deadlocks </a:t>
-            </a:r>
-          </a:p>
-          <a:p>
-            <a:pPr lvl="1" fontAlgn="base"/>
-            <a:r>
-              <a:rPr lang="en-GB" dirty="0"/>
-              <a:t>Reduced managed locks (reduce system overhead) </a:t>
-            </a:r>
-          </a:p>
-          <a:p>
-            <a:pPr lvl="1" fontAlgn="base"/>
-            <a:r>
-              <a:rPr lang="en-GB" dirty="0"/>
-              <a:t>Reduces lock escalations</a:t>
-            </a:r>
-          </a:p>
-          <a:p>
-            <a:endParaRPr lang="en-GB" dirty="0"/>
-          </a:p>
-        </p:txBody>
-      </p:sp>
-      <p:sp>
-        <p:nvSpPr>
-          <p:cNvPr id="4" name="Content Placeholder 3"/>
-          <p:cNvSpPr>
-            <a:spLocks noGrp="1"/>
-          </p:cNvSpPr>
-          <p:nvPr>
-            <p:ph sz="half" idx="2"/>
-          </p:nvPr>
-        </p:nvSpPr>
-        <p:spPr>
-          <a:xfrm>
-            <a:off x="5821895" y="2780777"/>
-            <a:ext cx="4995332" cy="3010423"/>
-          </a:xfrm>
-        </p:spPr>
-        <p:txBody>
-          <a:bodyPr>
-            <a:normAutofit fontScale="70000" lnSpcReduction="20000"/>
-          </a:bodyPr>
-          <a:lstStyle/>
-          <a:p>
-            <a:pPr fontAlgn="base"/>
-            <a:r>
-              <a:rPr lang="en-GB" dirty="0"/>
-              <a:t>Costs </a:t>
-            </a:r>
-          </a:p>
-          <a:p>
-            <a:pPr lvl="1" fontAlgn="base"/>
-            <a:r>
-              <a:rPr lang="en-GB" dirty="0"/>
-              <a:t>Increased tempdb usage </a:t>
-            </a:r>
-          </a:p>
-          <a:p>
-            <a:pPr lvl="1" fontAlgn="base"/>
-            <a:r>
-              <a:rPr lang="en-GB" dirty="0"/>
-              <a:t>Can affect Read performance </a:t>
-            </a:r>
-          </a:p>
-          <a:p>
-            <a:pPr lvl="1" fontAlgn="base"/>
-            <a:r>
-              <a:rPr lang="en-GB" dirty="0"/>
-              <a:t>Additional IO, Memory, CPU overhead, storage </a:t>
-            </a:r>
-          </a:p>
-          <a:p>
-            <a:pPr lvl="1" fontAlgn="base"/>
-            <a:r>
-              <a:rPr lang="en-GB" dirty="0"/>
-              <a:t>(additional 14bytes added to each row for versioning) </a:t>
-            </a:r>
-          </a:p>
-          <a:p>
-            <a:pPr lvl="1" fontAlgn="base"/>
-            <a:r>
-              <a:rPr lang="en-GB" dirty="0"/>
-              <a:t>Turning on can lead to page splits </a:t>
-            </a:r>
-          </a:p>
-          <a:p>
-            <a:pPr lvl="1" fontAlgn="base"/>
-            <a:r>
-              <a:rPr lang="en-GB" dirty="0"/>
-              <a:t>If tempdb runs out of space Read operations can fail</a:t>
-            </a:r>
-          </a:p>
-          <a:p>
-            <a:pPr marL="0" indent="0">
-              <a:buNone/>
-            </a:pPr>
-            <a:endParaRPr lang="en-GB" dirty="0"/>
-          </a:p>
-        </p:txBody>
-      </p:sp>
-      <p:sp>
-        <p:nvSpPr>
-          <p:cNvPr id="5" name="TextBox 4"/>
-          <p:cNvSpPr txBox="1"/>
-          <p:nvPr/>
-        </p:nvSpPr>
-        <p:spPr>
-          <a:xfrm>
-            <a:off x="685801" y="1778696"/>
-            <a:ext cx="9795353" cy="1107996"/>
-          </a:xfrm>
-          <a:prstGeom prst="rect">
-            <a:avLst/>
-          </a:prstGeom>
-          <a:noFill/>
-        </p:spPr>
-        <p:txBody>
-          <a:bodyPr wrap="square" rtlCol="0">
-            <a:spAutoFit/>
-          </a:bodyPr>
-          <a:lstStyle/>
-          <a:p>
-            <a:pPr algn="ctr" fontAlgn="base"/>
-            <a:r>
-              <a:rPr lang="en-GB" sz="2400" dirty="0" err="1" smtClean="0">
-                <a:latin typeface="Ubuntu Titling Rg" panose="02000000000000000000"/>
-              </a:rPr>
-              <a:t>Read_Commited_Snapshot</a:t>
-            </a:r>
-            <a:r>
-              <a:rPr lang="en-GB" sz="2400" dirty="0">
-                <a:latin typeface="Ubuntu Titling Rg" panose="02000000000000000000"/>
-              </a:rPr>
-              <a:t> </a:t>
-            </a:r>
-          </a:p>
-          <a:p>
-            <a:pPr algn="ctr" fontAlgn="base"/>
-            <a:r>
-              <a:rPr lang="en-GB" sz="2400" dirty="0" err="1">
-                <a:latin typeface="Ubuntu Titling Rg" panose="02000000000000000000"/>
-              </a:rPr>
-              <a:t>Allow_Snapshot_Isolation</a:t>
-            </a:r>
-            <a:endParaRPr lang="en-GB" sz="2400" dirty="0">
-              <a:latin typeface="Ubuntu Titling Rg" panose="02000000000000000000"/>
-            </a:endParaRPr>
-          </a:p>
-          <a:p>
-            <a:endParaRPr lang="en-GB" dirty="0"/>
-          </a:p>
-        </p:txBody>
-      </p:sp>
-    </p:spTree>
-    <p:extLst>
-      <p:ext uri="{BB962C8B-B14F-4D97-AF65-F5344CB8AC3E}">
-        <p14:creationId xmlns:p14="http://schemas.microsoft.com/office/powerpoint/2010/main" val="1857330348"/>
-      </p:ext>
-    </p:extLst>
-  </p:cSld>
-  <p:clrMapOvr>
-    <a:masterClrMapping/>
-  </p:clrMapOvr>
-  <p:timing>
-    <p:tnLst>
-      <p:par>
-        <p:cTn id="1" dur="indefinite" restart="never" nodeType="tmRoot"/>
-      </p:par>
-    </p:tnLst>
-  </p:timing>
-</p:sld>
-</file>
-
-<file path=ppt/slides/slide45.xml><?xml version="1.0" encoding="utf-8"?>
-<p:sld xmlns:a="http://schemas.openxmlformats.org/drawingml/2006/main" xmlns:r="http://schemas.openxmlformats.org/officeDocument/2006/relationships" xmlns:p="http://schemas.openxmlformats.org/presentationml/2006/main">
-  <p:cSld>
-    <p:spTree>
-      <p:nvGrpSpPr>
-        <p:cNvPr id="1" name=""/>
-        <p:cNvGrpSpPr/>
-        <p:nvPr/>
-      </p:nvGrpSpPr>
-      <p:grpSpPr>
-        <a:xfrm>
-          <a:off x="0" y="0"/>
-          <a:ext cx="0" cy="0"/>
-          <a:chOff x="0" y="0"/>
-          <a:chExt cx="0" cy="0"/>
-        </a:xfrm>
-      </p:grpSpPr>
-      <p:sp>
-        <p:nvSpPr>
-          <p:cNvPr id="2" name="Title 1"/>
-          <p:cNvSpPr>
-            <a:spLocks noGrp="1"/>
-          </p:cNvSpPr>
-          <p:nvPr>
-            <p:ph type="title"/>
-          </p:nvPr>
-        </p:nvSpPr>
-        <p:spPr/>
-        <p:txBody>
-          <a:bodyPr/>
-          <a:lstStyle/>
-          <a:p>
-            <a:r>
-              <a:rPr lang="en-GB" dirty="0" smtClean="0"/>
               <a:t>Repeatable Read</a:t>
             </a:r>
             <a:endParaRPr lang="en-GB" dirty="0"/>
@@ -24266,7 +24133,7 @@
 </p:sld>
 </file>
 
-<file path=ppt/slides/slide46.xml><?xml version="1.0" encoding="utf-8"?>
+<file path=ppt/slides/slide45.xml><?xml version="1.0" encoding="utf-8"?>
 <p:sld xmlns:a="http://schemas.openxmlformats.org/drawingml/2006/main" xmlns:r="http://schemas.openxmlformats.org/officeDocument/2006/relationships" xmlns:p="http://schemas.openxmlformats.org/presentationml/2006/main">
   <p:cSld>
     <p:spTree>
@@ -26700,7 +26567,7 @@
 </p:sld>
 </file>
 
-<file path=ppt/slides/slide47.xml><?xml version="1.0" encoding="utf-8"?>
+<file path=ppt/slides/slide46.xml><?xml version="1.0" encoding="utf-8"?>
 <p:sld xmlns:a="http://schemas.openxmlformats.org/drawingml/2006/main" xmlns:r="http://schemas.openxmlformats.org/officeDocument/2006/relationships" xmlns:p="http://schemas.openxmlformats.org/presentationml/2006/main">
   <p:cSld>
     <p:spTree>
@@ -28970,6 +28837,89 @@
 </p:sld>
 </file>
 
+<file path=ppt/slides/slide47.xml><?xml version="1.0" encoding="utf-8"?>
+<p:sld xmlns:a="http://schemas.openxmlformats.org/drawingml/2006/main" xmlns:r="http://schemas.openxmlformats.org/officeDocument/2006/relationships" xmlns:p="http://schemas.openxmlformats.org/presentationml/2006/main">
+  <p:cSld>
+    <p:spTree>
+      <p:nvGrpSpPr>
+        <p:cNvPr id="1" name=""/>
+        <p:cNvGrpSpPr/>
+        <p:nvPr/>
+      </p:nvGrpSpPr>
+      <p:grpSpPr>
+        <a:xfrm>
+          <a:off x="0" y="0"/>
+          <a:ext cx="0" cy="0"/>
+          <a:chOff x="0" y="0"/>
+          <a:chExt cx="0" cy="0"/>
+        </a:xfrm>
+      </p:grpSpPr>
+      <p:sp>
+        <p:nvSpPr>
+          <p:cNvPr id="2" name="Title 1"/>
+          <p:cNvSpPr>
+            <a:spLocks noGrp="1"/>
+          </p:cNvSpPr>
+          <p:nvPr>
+            <p:ph type="title"/>
+          </p:nvPr>
+        </p:nvSpPr>
+        <p:spPr/>
+        <p:txBody>
+          <a:bodyPr/>
+          <a:lstStyle/>
+          <a:p>
+            <a:r>
+              <a:rPr lang="en-GB" dirty="0" smtClean="0"/>
+              <a:t>Demo</a:t>
+            </a:r>
+            <a:endParaRPr lang="en-GB" dirty="0"/>
+          </a:p>
+        </p:txBody>
+      </p:sp>
+      <p:sp>
+        <p:nvSpPr>
+          <p:cNvPr id="3" name="Content Placeholder 2"/>
+          <p:cNvSpPr>
+            <a:spLocks noGrp="1"/>
+          </p:cNvSpPr>
+          <p:nvPr>
+            <p:ph idx="1"/>
+          </p:nvPr>
+        </p:nvSpPr>
+        <p:spPr/>
+        <p:txBody>
+          <a:bodyPr/>
+          <a:lstStyle/>
+          <a:p>
+            <a:r>
+              <a:rPr lang="en-GB" dirty="0" smtClean="0"/>
+              <a:t>Locking Isolation - Repeatable Read</a:t>
+            </a:r>
+            <a:endParaRPr lang="en-GB" dirty="0"/>
+          </a:p>
+        </p:txBody>
+      </p:sp>
+    </p:spTree>
+    <p:extLst>
+      <p:ext uri="{BB962C8B-B14F-4D97-AF65-F5344CB8AC3E}">
+        <p14:creationId xmlns:p14="http://schemas.microsoft.com/office/powerpoint/2010/main" val="2962852388"/>
+      </p:ext>
+    </p:extLst>
+  </p:cSld>
+  <p:clrMapOvr>
+    <a:masterClrMapping/>
+  </p:clrMapOvr>
+  <p:timing>
+    <p:tnLst>
+      <p:par>
+        <p:cTn id="1" dur="indefinite" restart="never" nodeType="tmRoot"/>
+      </p:par>
+    </p:tnLst>
+  </p:timing>
+</p:sld>
+</file>
+
 <file path=ppt/slides/slide48.xml><?xml version="1.0" encoding="utf-8"?>
 <p:sld xmlns:a="http://schemas.openxmlformats.org/drawingml/2006/main" xmlns:r="http://schemas.openxmlformats.org/officeDocument/2006/relationships" xmlns:p="http://schemas.openxmlformats.org/presentationml/2006/main">
   <p:cSld>
@@ -29004,7 +28954,7 @@
           <a:p>
             <a:r>
               <a:rPr lang="en-GB" dirty="0" smtClean="0"/>
-              <a:t>Demo</a:t>
+              <a:t>Serializable</a:t>
             </a:r>
             <a:endParaRPr lang="en-GB" dirty="0"/>
           </a:p>
@@ -29027,8 +28977,41 @@
           <a:p>
             <a:r>
               <a:rPr lang="en-GB" dirty="0" smtClean="0"/>
-              <a:t>Locking Isolation - Repeatable Read</a:t>
-            </a:r>
+              <a:t>Pessimistic</a:t>
+            </a:r>
+          </a:p>
+          <a:p>
+            <a:r>
+              <a:rPr lang="en-GB" dirty="0" smtClean="0"/>
+              <a:t>Blocked by non committed transactions</a:t>
+            </a:r>
+          </a:p>
+          <a:p>
+            <a:r>
+              <a:rPr lang="en-GB" dirty="0" smtClean="0"/>
+              <a:t>Takes shared locks on read data until committed</a:t>
+            </a:r>
+          </a:p>
+          <a:p>
+            <a:pPr lvl="1"/>
+            <a:r>
+              <a:rPr lang="en-GB" dirty="0" smtClean="0"/>
+              <a:t>Therefore other transactions cannot modify until the read is complete</a:t>
+            </a:r>
+          </a:p>
+          <a:p>
+            <a:r>
+              <a:rPr lang="en-GB" dirty="0" smtClean="0"/>
+              <a:t>Locks held between statements</a:t>
+            </a:r>
+          </a:p>
+          <a:p>
+            <a:r>
+              <a:rPr lang="en-GB" dirty="0" smtClean="0"/>
+              <a:t>Range locks held to prevent inserts into locked portion of table</a:t>
+            </a:r>
+          </a:p>
+          <a:p>
             <a:endParaRPr lang="en-GB" dirty="0"/>
           </a:p>
         </p:txBody>
@@ -29036,7 +29019,7 @@
     </p:spTree>
     <p:extLst>
       <p:ext uri="{BB962C8B-B14F-4D97-AF65-F5344CB8AC3E}">
-        <p14:creationId xmlns:p14="http://schemas.microsoft.com/office/powerpoint/2010/main" val="2962852388"/>
+        <p14:creationId xmlns:p14="http://schemas.microsoft.com/office/powerpoint/2010/main" val="1700766183"/>
       </p:ext>
     </p:extLst>
   </p:cSld>
@@ -29072,7 +29055,7 @@
       </p:grpSpPr>
       <p:sp>
         <p:nvSpPr>
-          <p:cNvPr id="2" name="Title 1"/>
+          <p:cNvPr id="5" name="Title 4"/>
           <p:cNvSpPr>
             <a:spLocks noGrp="1"/>
           </p:cNvSpPr>
@@ -29087,7 +29070,7 @@
           <a:p>
             <a:r>
               <a:rPr lang="en-GB" dirty="0" smtClean="0"/>
-              <a:t>Serializable</a:t>
+              <a:t>When an update/insert/delete locks</a:t>
             </a:r>
             <a:endParaRPr lang="en-GB" dirty="0"/>
           </a:p>
@@ -29095,7 +29078,7 @@
       </p:sp>
       <p:sp>
         <p:nvSpPr>
-          <p:cNvPr id="3" name="Content Placeholder 2"/>
+          <p:cNvPr id="6" name="Content Placeholder 5"/>
           <p:cNvSpPr>
             <a:spLocks noGrp="1"/>
           </p:cNvSpPr>
@@ -29110,55 +29093,61 @@
           <a:p>
             <a:r>
               <a:rPr lang="en-GB" dirty="0" smtClean="0"/>
-              <a:t>Pessimistic</a:t>
-            </a:r>
-          </a:p>
-          <a:p>
-            <a:r>
-              <a:rPr lang="en-GB" dirty="0" smtClean="0"/>
-              <a:t>Blocked by non committed transactions</a:t>
-            </a:r>
-          </a:p>
-          <a:p>
-            <a:r>
-              <a:rPr lang="en-GB" dirty="0" smtClean="0"/>
-              <a:t>Takes shared locks on read data until committed</a:t>
+              <a:t>Keys on indexes have locks acquired</a:t>
+            </a:r>
+          </a:p>
+          <a:p>
+            <a:r>
+              <a:rPr lang="en-GB" dirty="0" smtClean="0"/>
+              <a:t>That’s what gets checked</a:t>
+            </a:r>
+          </a:p>
+          <a:p>
+            <a:r>
+              <a:rPr lang="en-GB" dirty="0" smtClean="0"/>
+              <a:t>When a second change occurs</a:t>
             </a:r>
           </a:p>
           <a:p>
             <a:pPr lvl="1"/>
             <a:r>
               <a:rPr lang="en-GB" dirty="0" smtClean="0"/>
-              <a:t>Therefore other transactions cannot modify until the read is complete</a:t>
-            </a:r>
-          </a:p>
-          <a:p>
-            <a:r>
-              <a:rPr lang="en-GB" dirty="0" smtClean="0"/>
-              <a:t>Locks held between statements</a:t>
-            </a:r>
-          </a:p>
-          <a:p>
-            <a:r>
-              <a:rPr lang="en-GB" dirty="0" smtClean="0"/>
-              <a:t>Range locks held to prevent inserts into locked portion of table</a:t>
-            </a:r>
-          </a:p>
-          <a:p>
-            <a:endParaRPr lang="en-GB" dirty="0"/>
+              <a:t>Is has to acquire locks on key for each index</a:t>
+            </a:r>
+          </a:p>
+          <a:p>
+            <a:pPr lvl="1"/>
+            <a:r>
+              <a:rPr lang="en-GB" dirty="0" smtClean="0"/>
+              <a:t>Even if the key isn’t changing</a:t>
+            </a:r>
+          </a:p>
+          <a:p>
+            <a:r>
+              <a:rPr lang="en-GB" dirty="0" smtClean="0"/>
+              <a:t>This is how the locking can prevent changes</a:t>
+            </a:r>
           </a:p>
         </p:txBody>
       </p:sp>
     </p:spTree>
     <p:extLst>
       <p:ext uri="{BB962C8B-B14F-4D97-AF65-F5344CB8AC3E}">
-        <p14:creationId xmlns:p14="http://schemas.microsoft.com/office/powerpoint/2010/main" val="1700766183"/>
+        <p14:creationId xmlns:p14="http://schemas.microsoft.com/office/powerpoint/2010/main" val="4227124989"/>
       </p:ext>
     </p:extLst>
   </p:cSld>
   <p:clrMapOvr>
     <a:masterClrMapping/>
   </p:clrMapOvr>
+  <mc:AlternateContent xmlns:mc="http://schemas.openxmlformats.org/markup-compatibility/2006">
+    <mc:Choice xmlns:p14="http://schemas.microsoft.com/office/powerpoint/2010/main" Requires="p14">
+      <p:transition spd="slow" p14:dur="2000"/>
+    </mc:Choice>
+    <mc:Fallback>
+      <p:transition spd="slow"/>
+    </mc:Fallback>
+  </mc:AlternateContent>
   <p:timing>
     <p:tnLst>
       <p:par>
@@ -29188,7 +29177,7 @@
       </p:grpSpPr>
       <p:sp>
         <p:nvSpPr>
-          <p:cNvPr id="4" name="Title 3"/>
+          <p:cNvPr id="2" name="Title 1"/>
           <p:cNvSpPr>
             <a:spLocks noGrp="1"/>
           </p:cNvSpPr>
@@ -29203,7 +29192,7 @@
           <a:p>
             <a:r>
               <a:rPr lang="en-GB" dirty="0" smtClean="0"/>
-              <a:t>Why transactions and locking</a:t>
+              <a:t>Consistency of data</a:t>
             </a:r>
             <a:endParaRPr lang="en-GB" dirty="0"/>
           </a:p>
@@ -29211,7 +29200,7 @@
       </p:sp>
       <p:sp>
         <p:nvSpPr>
-          <p:cNvPr id="5" name="Content Placeholder 4"/>
+          <p:cNvPr id="3" name="Content Placeholder 2"/>
           <p:cNvSpPr>
             <a:spLocks noGrp="1"/>
           </p:cNvSpPr>
@@ -29221,42 +29210,31 @@
         </p:nvSpPr>
         <p:spPr/>
         <p:txBody>
-          <a:bodyPr>
-            <a:normAutofit/>
-          </a:bodyPr>
+          <a:bodyPr/>
           <a:lstStyle/>
           <a:p>
             <a:r>
               <a:rPr lang="en-GB" dirty="0" smtClean="0"/>
-              <a:t>To ensure consistency</a:t>
-            </a:r>
-          </a:p>
-          <a:p>
-            <a:pPr lvl="1"/>
-            <a:r>
-              <a:rPr lang="en-GB" dirty="0" smtClean="0"/>
-              <a:t>In the data</a:t>
-            </a:r>
-          </a:p>
-          <a:p>
-            <a:pPr lvl="1"/>
-            <a:r>
-              <a:rPr lang="en-GB" dirty="0"/>
-              <a:t>I</a:t>
-            </a:r>
-            <a:r>
-              <a:rPr lang="en-GB" dirty="0" smtClean="0"/>
-              <a:t>n the experience</a:t>
-            </a:r>
-          </a:p>
-          <a:p>
-            <a:pPr lvl="1"/>
-            <a:r>
-              <a:rPr lang="en-GB" dirty="0" smtClean="0"/>
-              <a:t>In a multi user system</a:t>
-            </a:r>
-          </a:p>
-          <a:p>
+              <a:t>Sum of transactions to equal the balance</a:t>
+            </a:r>
+          </a:p>
+          <a:p>
+            <a:r>
+              <a:rPr lang="en-GB" dirty="0" smtClean="0"/>
+              <a:t>The folder a file is saved into should exist</a:t>
+            </a:r>
+          </a:p>
+          <a:p>
+            <a:r>
+              <a:rPr lang="en-GB" dirty="0" smtClean="0"/>
+              <a:t>You can’t sell the same seat on a plane more than once</a:t>
+            </a:r>
+          </a:p>
+          <a:p>
+            <a:r>
+              <a:rPr lang="en-GB" dirty="0" smtClean="0"/>
+              <a:t>The price you buy something for shouldn’t change</a:t>
+            </a:r>
             <a:endParaRPr lang="en-GB" dirty="0"/>
           </a:p>
         </p:txBody>
@@ -29264,7 +29242,7 @@
     </p:spTree>
     <p:extLst>
       <p:ext uri="{BB962C8B-B14F-4D97-AF65-F5344CB8AC3E}">
-        <p14:creationId xmlns:p14="http://schemas.microsoft.com/office/powerpoint/2010/main" val="2152962509"/>
+        <p14:creationId xmlns:p14="http://schemas.microsoft.com/office/powerpoint/2010/main" val="1971564764"/>
       </p:ext>
     </p:extLst>
   </p:cSld>
@@ -29282,120 +29260,6 @@
 </file>
 
 <file path=ppt/slides/slide50.xml><?xml version="1.0" encoding="utf-8"?>
-<p:sld xmlns:a="http://schemas.openxmlformats.org/drawingml/2006/main" xmlns:r="http://schemas.openxmlformats.org/officeDocument/2006/relationships" xmlns:p="http://schemas.openxmlformats.org/presentationml/2006/main">
-  <p:cSld>
-    <p:spTree>
-      <p:nvGrpSpPr>
-        <p:cNvPr id="1" name=""/>
-        <p:cNvGrpSpPr/>
-        <p:nvPr/>
-      </p:nvGrpSpPr>
-      <p:grpSpPr>
-        <a:xfrm>
-          <a:off x="0" y="0"/>
-          <a:ext cx="0" cy="0"/>
-          <a:chOff x="0" y="0"/>
-          <a:chExt cx="0" cy="0"/>
-        </a:xfrm>
-      </p:grpSpPr>
-      <p:sp>
-        <p:nvSpPr>
-          <p:cNvPr id="5" name="Title 4"/>
-          <p:cNvSpPr>
-            <a:spLocks noGrp="1"/>
-          </p:cNvSpPr>
-          <p:nvPr>
-            <p:ph type="title"/>
-          </p:nvPr>
-        </p:nvSpPr>
-        <p:spPr/>
-        <p:txBody>
-          <a:bodyPr/>
-          <a:lstStyle/>
-          <a:p>
-            <a:r>
-              <a:rPr lang="en-GB" dirty="0" smtClean="0"/>
-              <a:t>When an update/insert/delete locks</a:t>
-            </a:r>
-            <a:endParaRPr lang="en-GB" dirty="0"/>
-          </a:p>
-        </p:txBody>
-      </p:sp>
-      <p:sp>
-        <p:nvSpPr>
-          <p:cNvPr id="6" name="Content Placeholder 5"/>
-          <p:cNvSpPr>
-            <a:spLocks noGrp="1"/>
-          </p:cNvSpPr>
-          <p:nvPr>
-            <p:ph idx="1"/>
-          </p:nvPr>
-        </p:nvSpPr>
-        <p:spPr/>
-        <p:txBody>
-          <a:bodyPr/>
-          <a:lstStyle/>
-          <a:p>
-            <a:r>
-              <a:rPr lang="en-GB" dirty="0" smtClean="0"/>
-              <a:t>Keys on indexes have locks acquired</a:t>
-            </a:r>
-          </a:p>
-          <a:p>
-            <a:r>
-              <a:rPr lang="en-GB" dirty="0" smtClean="0"/>
-              <a:t>That’s what gets checked</a:t>
-            </a:r>
-          </a:p>
-          <a:p>
-            <a:r>
-              <a:rPr lang="en-GB" dirty="0" smtClean="0"/>
-              <a:t>When a second change occurs</a:t>
-            </a:r>
-          </a:p>
-          <a:p>
-            <a:pPr lvl="1"/>
-            <a:r>
-              <a:rPr lang="en-GB" dirty="0" smtClean="0"/>
-              <a:t>Is has to acquire locks on key for each index</a:t>
-            </a:r>
-          </a:p>
-          <a:p>
-            <a:pPr lvl="1"/>
-            <a:r>
-              <a:rPr lang="en-GB" dirty="0" smtClean="0"/>
-              <a:t>Even if the key isn’t changing</a:t>
-            </a:r>
-          </a:p>
-          <a:p>
-            <a:r>
-              <a:rPr lang="en-GB" dirty="0" smtClean="0"/>
-              <a:t>This is how the locking can prevent changes</a:t>
-            </a:r>
-          </a:p>
-        </p:txBody>
-      </p:sp>
-    </p:spTree>
-    <p:extLst>
-      <p:ext uri="{BB962C8B-B14F-4D97-AF65-F5344CB8AC3E}">
-        <p14:creationId xmlns:p14="http://schemas.microsoft.com/office/powerpoint/2010/main" val="4227124989"/>
-      </p:ext>
-    </p:extLst>
-  </p:cSld>
-  <p:clrMapOvr>
-    <a:masterClrMapping/>
-  </p:clrMapOvr>
-  <p:timing>
-    <p:tnLst>
-      <p:par>
-        <p:cTn id="1" dur="indefinite" restart="never" nodeType="tmRoot"/>
-      </p:par>
-    </p:tnLst>
-  </p:timing>
-</p:sld>
-</file>
-
-<file path=ppt/slides/slide51.xml><?xml version="1.0" encoding="utf-8"?>
 <p:sld xmlns:a="http://schemas.openxmlformats.org/drawingml/2006/main" xmlns:r="http://schemas.openxmlformats.org/officeDocument/2006/relationships" xmlns:p="http://schemas.openxmlformats.org/presentationml/2006/main">
   <p:cSld>
     <p:spTree>
@@ -30694,7 +30558,7 @@
 </p:sld>
 </file>
 
-<file path=ppt/slides/slide52.xml><?xml version="1.0" encoding="utf-8"?>
+<file path=ppt/slides/slide51.xml><?xml version="1.0" encoding="utf-8"?>
 <p:sld xmlns:a="http://schemas.openxmlformats.org/drawingml/2006/main" xmlns:r="http://schemas.openxmlformats.org/officeDocument/2006/relationships" xmlns:p="http://schemas.openxmlformats.org/presentationml/2006/main">
   <p:cSld>
     <p:spTree>
@@ -30835,7 +30699,7 @@
 </p:sld>
 </file>
 
-<file path=ppt/slides/slide53.xml><?xml version="1.0" encoding="utf-8"?>
+<file path=ppt/slides/slide52.xml><?xml version="1.0" encoding="utf-8"?>
 <p:sld xmlns:a="http://schemas.openxmlformats.org/drawingml/2006/main" xmlns:r="http://schemas.openxmlformats.org/officeDocument/2006/relationships" xmlns:p="http://schemas.openxmlformats.org/presentationml/2006/main">
   <p:cSld>
     <p:spTree>
@@ -32677,7 +32541,7 @@
 </p:sld>
 </file>
 
-<file path=ppt/slides/slide54.xml><?xml version="1.0" encoding="utf-8"?>
+<file path=ppt/slides/slide53.xml><?xml version="1.0" encoding="utf-8"?>
 <p:sld xmlns:a="http://schemas.openxmlformats.org/drawingml/2006/main" xmlns:r="http://schemas.openxmlformats.org/officeDocument/2006/relationships" xmlns:p="http://schemas.openxmlformats.org/presentationml/2006/main">
   <p:cSld>
     <p:spTree>
@@ -34089,7 +33953,7 @@
 </p:sld>
 </file>
 
-<file path=ppt/slides/slide55.xml><?xml version="1.0" encoding="utf-8"?>
+<file path=ppt/slides/slide54.xml><?xml version="1.0" encoding="utf-8"?>
 <p:sld xmlns:a="http://schemas.openxmlformats.org/drawingml/2006/main" xmlns:r="http://schemas.openxmlformats.org/officeDocument/2006/relationships" xmlns:p="http://schemas.openxmlformats.org/presentationml/2006/main">
   <p:cSld>
     <p:spTree>
@@ -34172,7 +34036,7 @@
 </p:sld>
 </file>
 
-<file path=ppt/slides/slide56.xml><?xml version="1.0" encoding="utf-8"?>
+<file path=ppt/slides/slide55.xml><?xml version="1.0" encoding="utf-8"?>
 <p:sld xmlns:a="http://schemas.openxmlformats.org/drawingml/2006/main" xmlns:r="http://schemas.openxmlformats.org/officeDocument/2006/relationships" xmlns:p="http://schemas.openxmlformats.org/presentationml/2006/main">
   <p:cSld>
     <p:spTree>
@@ -34809,6 +34673,85 @@
 </p:sld>
 </file>
 
+<file path=ppt/slides/slide56.xml><?xml version="1.0" encoding="utf-8"?>
+<p:sld xmlns:a="http://schemas.openxmlformats.org/drawingml/2006/main" xmlns:r="http://schemas.openxmlformats.org/officeDocument/2006/relationships" xmlns:p="http://schemas.openxmlformats.org/presentationml/2006/main">
+  <p:cSld>
+    <p:spTree>
+      <p:nvGrpSpPr>
+        <p:cNvPr id="1" name=""/>
+        <p:cNvGrpSpPr/>
+        <p:nvPr/>
+      </p:nvGrpSpPr>
+      <p:grpSpPr>
+        <a:xfrm>
+          <a:off x="0" y="0"/>
+          <a:ext cx="0" cy="0"/>
+          <a:chOff x="0" y="0"/>
+          <a:chExt cx="0" cy="0"/>
+        </a:xfrm>
+      </p:grpSpPr>
+      <p:sp>
+        <p:nvSpPr>
+          <p:cNvPr id="2" name="Title 1"/>
+          <p:cNvSpPr>
+            <a:spLocks noGrp="1"/>
+          </p:cNvSpPr>
+          <p:nvPr>
+            <p:ph type="title"/>
+          </p:nvPr>
+        </p:nvSpPr>
+        <p:spPr/>
+        <p:txBody>
+          <a:bodyPr/>
+          <a:lstStyle/>
+          <a:p>
+            <a:r>
+              <a:rPr lang="en-GB" dirty="0" smtClean="0"/>
+              <a:t>Deadlocks</a:t>
+            </a:r>
+            <a:endParaRPr lang="en-GB" dirty="0"/>
+          </a:p>
+        </p:txBody>
+      </p:sp>
+      <p:sp>
+        <p:nvSpPr>
+          <p:cNvPr id="3" name="Text Placeholder 2"/>
+          <p:cNvSpPr>
+            <a:spLocks noGrp="1"/>
+          </p:cNvSpPr>
+          <p:nvPr>
+            <p:ph type="body" idx="1"/>
+          </p:nvPr>
+        </p:nvSpPr>
+        <p:spPr/>
+        <p:txBody>
+          <a:bodyPr/>
+          <a:lstStyle/>
+          <a:p>
+            <a:endParaRPr lang="en-GB" dirty="0"/>
+          </a:p>
+        </p:txBody>
+      </p:sp>
+    </p:spTree>
+    <p:extLst>
+      <p:ext uri="{BB962C8B-B14F-4D97-AF65-F5344CB8AC3E}">
+        <p14:creationId xmlns:p14="http://schemas.microsoft.com/office/powerpoint/2010/main" val="4230750055"/>
+      </p:ext>
+    </p:extLst>
+  </p:cSld>
+  <p:clrMapOvr>
+    <a:masterClrMapping/>
+  </p:clrMapOvr>
+  <p:timing>
+    <p:tnLst>
+      <p:par>
+        <p:cTn id="1" dur="indefinite" restart="never" nodeType="tmRoot"/>
+      </p:par>
+    </p:tnLst>
+  </p:timing>
+</p:sld>
+</file>
+
 <file path=ppt/slides/slide57.xml><?xml version="1.0" encoding="utf-8"?>
 <p:sld xmlns:a="http://schemas.openxmlformats.org/drawingml/2006/main" xmlns:r="http://schemas.openxmlformats.org/officeDocument/2006/relationships" xmlns:p="http://schemas.openxmlformats.org/presentationml/2006/main">
   <p:cSld>
@@ -34843,85 +34786,6 @@
           <a:p>
             <a:r>
               <a:rPr lang="en-GB" dirty="0" smtClean="0"/>
-              <a:t>Deadlocks</a:t>
-            </a:r>
-            <a:endParaRPr lang="en-GB" dirty="0"/>
-          </a:p>
-        </p:txBody>
-      </p:sp>
-      <p:sp>
-        <p:nvSpPr>
-          <p:cNvPr id="3" name="Text Placeholder 2"/>
-          <p:cNvSpPr>
-            <a:spLocks noGrp="1"/>
-          </p:cNvSpPr>
-          <p:nvPr>
-            <p:ph type="body" idx="1"/>
-          </p:nvPr>
-        </p:nvSpPr>
-        <p:spPr/>
-        <p:txBody>
-          <a:bodyPr/>
-          <a:lstStyle/>
-          <a:p>
-            <a:endParaRPr lang="en-GB" dirty="0"/>
-          </a:p>
-        </p:txBody>
-      </p:sp>
-    </p:spTree>
-    <p:extLst>
-      <p:ext uri="{BB962C8B-B14F-4D97-AF65-F5344CB8AC3E}">
-        <p14:creationId xmlns:p14="http://schemas.microsoft.com/office/powerpoint/2010/main" val="4230750055"/>
-      </p:ext>
-    </p:extLst>
-  </p:cSld>
-  <p:clrMapOvr>
-    <a:masterClrMapping/>
-  </p:clrMapOvr>
-  <p:timing>
-    <p:tnLst>
-      <p:par>
-        <p:cTn id="1" dur="indefinite" restart="never" nodeType="tmRoot"/>
-      </p:par>
-    </p:tnLst>
-  </p:timing>
-</p:sld>
-</file>
-
-<file path=ppt/slides/slide58.xml><?xml version="1.0" encoding="utf-8"?>
-<p:sld xmlns:a="http://schemas.openxmlformats.org/drawingml/2006/main" xmlns:r="http://schemas.openxmlformats.org/officeDocument/2006/relationships" xmlns:p="http://schemas.openxmlformats.org/presentationml/2006/main">
-  <p:cSld>
-    <p:spTree>
-      <p:nvGrpSpPr>
-        <p:cNvPr id="1" name=""/>
-        <p:cNvGrpSpPr/>
-        <p:nvPr/>
-      </p:nvGrpSpPr>
-      <p:grpSpPr>
-        <a:xfrm>
-          <a:off x="0" y="0"/>
-          <a:ext cx="0" cy="0"/>
-          <a:chOff x="0" y="0"/>
-          <a:chExt cx="0" cy="0"/>
-        </a:xfrm>
-      </p:grpSpPr>
-      <p:sp>
-        <p:nvSpPr>
-          <p:cNvPr id="2" name="Title 1"/>
-          <p:cNvSpPr>
-            <a:spLocks noGrp="1"/>
-          </p:cNvSpPr>
-          <p:nvPr>
-            <p:ph type="title"/>
-          </p:nvPr>
-        </p:nvSpPr>
-        <p:spPr/>
-        <p:txBody>
-          <a:bodyPr/>
-          <a:lstStyle/>
-          <a:p>
-            <a:r>
-              <a:rPr lang="en-GB" dirty="0" smtClean="0"/>
               <a:t>What are Deadlocks?</a:t>
             </a:r>
             <a:endParaRPr lang="en-GB" dirty="0"/>
@@ -34984,7 +34848,7 @@
 </p:sld>
 </file>
 
-<file path=ppt/slides/slide59.xml><?xml version="1.0" encoding="utf-8"?>
+<file path=ppt/slides/slide58.xml><?xml version="1.0" encoding="utf-8"?>
 <p:sld xmlns:a="http://schemas.openxmlformats.org/drawingml/2006/main" xmlns:r="http://schemas.openxmlformats.org/officeDocument/2006/relationships" xmlns:p="http://schemas.openxmlformats.org/presentationml/2006/main">
   <p:cSld>
     <p:spTree>
@@ -36817,6 +36681,125 @@
 </p:sld>
 </file>
 
+<file path=ppt/slides/slide59.xml><?xml version="1.0" encoding="utf-8"?>
+<p:sld xmlns:a="http://schemas.openxmlformats.org/drawingml/2006/main" xmlns:r="http://schemas.openxmlformats.org/officeDocument/2006/relationships" xmlns:p="http://schemas.openxmlformats.org/presentationml/2006/main">
+  <p:cSld>
+    <p:spTree>
+      <p:nvGrpSpPr>
+        <p:cNvPr id="1" name=""/>
+        <p:cNvGrpSpPr/>
+        <p:nvPr/>
+      </p:nvGrpSpPr>
+      <p:grpSpPr>
+        <a:xfrm>
+          <a:off x="0" y="0"/>
+          <a:ext cx="0" cy="0"/>
+          <a:chOff x="0" y="0"/>
+          <a:chExt cx="0" cy="0"/>
+        </a:xfrm>
+      </p:grpSpPr>
+      <p:sp>
+        <p:nvSpPr>
+          <p:cNvPr id="2" name="Title 1"/>
+          <p:cNvSpPr>
+            <a:spLocks noGrp="1"/>
+          </p:cNvSpPr>
+          <p:nvPr>
+            <p:ph type="title"/>
+          </p:nvPr>
+        </p:nvSpPr>
+        <p:spPr/>
+        <p:txBody>
+          <a:bodyPr/>
+          <a:lstStyle/>
+          <a:p>
+            <a:r>
+              <a:rPr lang="en-GB" dirty="0" smtClean="0"/>
+              <a:t>About Deadlock Detection</a:t>
+            </a:r>
+            <a:endParaRPr lang="en-GB" dirty="0"/>
+          </a:p>
+        </p:txBody>
+      </p:sp>
+      <p:sp>
+        <p:nvSpPr>
+          <p:cNvPr id="3" name="Content Placeholder 2"/>
+          <p:cNvSpPr>
+            <a:spLocks noGrp="1"/>
+          </p:cNvSpPr>
+          <p:nvPr>
+            <p:ph idx="1"/>
+          </p:nvPr>
+        </p:nvSpPr>
+        <p:spPr/>
+        <p:txBody>
+          <a:bodyPr/>
+          <a:lstStyle/>
+          <a:p>
+            <a:r>
+              <a:rPr lang="en-GB" dirty="0" smtClean="0"/>
+              <a:t>Slow</a:t>
+            </a:r>
+          </a:p>
+          <a:p>
+            <a:pPr lvl="1"/>
+            <a:r>
+              <a:rPr lang="en-GB" dirty="0" smtClean="0"/>
+              <a:t>Up to 5 seconds to detect</a:t>
+            </a:r>
+          </a:p>
+          <a:p>
+            <a:r>
+              <a:rPr lang="en-GB" dirty="0" smtClean="0"/>
+              <a:t>It’s better to avoid deadlocks with cost than just code retries</a:t>
+            </a:r>
+          </a:p>
+          <a:p>
+            <a:pPr lvl="1"/>
+            <a:r>
+              <a:rPr lang="en-GB" dirty="0" smtClean="0"/>
+              <a:t>Slow</a:t>
+            </a:r>
+          </a:p>
+          <a:p>
+            <a:pPr lvl="1"/>
+            <a:r>
+              <a:rPr lang="en-GB" dirty="0" smtClean="0"/>
+              <a:t>Wasted resources in repeating the same task</a:t>
+            </a:r>
+          </a:p>
+          <a:p>
+            <a:pPr lvl="1"/>
+            <a:r>
+              <a:rPr lang="en-GB" dirty="0" smtClean="0"/>
+              <a:t>Noisy alerts</a:t>
+            </a:r>
+          </a:p>
+          <a:p>
+            <a:endParaRPr lang="en-GB" dirty="0"/>
+          </a:p>
+        </p:txBody>
+      </p:sp>
+    </p:spTree>
+    <p:extLst>
+      <p:ext uri="{BB962C8B-B14F-4D97-AF65-F5344CB8AC3E}">
+        <p14:creationId xmlns:p14="http://schemas.microsoft.com/office/powerpoint/2010/main" val="1367347864"/>
+      </p:ext>
+    </p:extLst>
+  </p:cSld>
+  <p:clrMapOvr>
+    <a:masterClrMapping/>
+  </p:clrMapOvr>
+  <p:timing>
+    <p:tnLst>
+      <p:par>
+        <p:cTn id="1" dur="indefinite" restart="never" nodeType="tmRoot"/>
+      </p:par>
+    </p:tnLst>
+  </p:timing>
+</p:sld>
+</file>
+
 <file path=ppt/slides/slide6.xml><?xml version="1.0" encoding="utf-8"?>
 <p:sld xmlns:a="http://schemas.openxmlformats.org/drawingml/2006/main" xmlns:r="http://schemas.openxmlformats.org/officeDocument/2006/relationships" xmlns:p="http://schemas.openxmlformats.org/presentationml/2006/main">
   <p:cSld>
@@ -36851,7 +36834,7 @@
           <a:p>
             <a:r>
               <a:rPr lang="en-GB" dirty="0" smtClean="0"/>
-              <a:t>Consistency of data</a:t>
+              <a:t>Why do we need Concurrency Control?</a:t>
             </a:r>
             <a:endParaRPr lang="en-GB" dirty="0"/>
           </a:p>
@@ -36867,41 +36850,69 @@
             <p:ph idx="1"/>
           </p:nvPr>
         </p:nvSpPr>
-        <p:spPr/>
+        <p:spPr>
+          <a:xfrm>
+            <a:off x="685801" y="1576354"/>
+            <a:ext cx="10700358" cy="4310879"/>
+          </a:xfrm>
+        </p:spPr>
         <p:txBody>
           <a:bodyPr/>
           <a:lstStyle/>
           <a:p>
             <a:r>
               <a:rPr lang="en-GB" dirty="0" smtClean="0"/>
-              <a:t>Sum of transactions to equal the balance</a:t>
-            </a:r>
-          </a:p>
-          <a:p>
-            <a:r>
-              <a:rPr lang="en-GB" dirty="0" smtClean="0"/>
-              <a:t>The folder a file is saved into should exist</a:t>
-            </a:r>
-          </a:p>
-          <a:p>
-            <a:r>
-              <a:rPr lang="en-GB" dirty="0" smtClean="0"/>
-              <a:t>You can’t sell the same seat on a plane more than once</a:t>
-            </a:r>
-          </a:p>
-          <a:p>
-            <a:r>
-              <a:rPr lang="en-GB" dirty="0" smtClean="0"/>
-              <a:t>The price you buy something for shouldn’t change</a:t>
-            </a:r>
-            <a:endParaRPr lang="en-GB" dirty="0"/>
+              <a:t>No control leads to:</a:t>
+            </a:r>
+          </a:p>
+          <a:p>
+            <a:pPr lvl="1"/>
+            <a:r>
+              <a:rPr lang="en-GB" dirty="0" smtClean="0"/>
+              <a:t>Lost Updates </a:t>
+            </a:r>
+          </a:p>
+          <a:p>
+            <a:pPr lvl="4"/>
+            <a:r>
+              <a:rPr lang="en-GB" dirty="0" smtClean="0"/>
+              <a:t>Two update transactions on same row, based on original value, one overwrites the other</a:t>
+            </a:r>
+          </a:p>
+          <a:p>
+            <a:pPr lvl="1"/>
+            <a:r>
+              <a:rPr lang="en-GB" dirty="0" smtClean="0"/>
+              <a:t>Dirty Reads</a:t>
+            </a:r>
+          </a:p>
+          <a:p>
+            <a:pPr lvl="4"/>
+            <a:r>
+              <a:rPr lang="en-GB" dirty="0" smtClean="0"/>
+              <a:t>Read data from an uncommitted transaction (could be rolled back)</a:t>
+            </a:r>
+          </a:p>
+          <a:p>
+            <a:pPr lvl="1"/>
+            <a:r>
+              <a:rPr lang="en-GB" dirty="0" smtClean="0"/>
+              <a:t>Non-repeatable Reads</a:t>
+            </a:r>
+          </a:p>
+          <a:p>
+            <a:pPr lvl="4"/>
+            <a:r>
+              <a:rPr lang="en-GB" dirty="0" smtClean="0"/>
+              <a:t>When a transaction reads the same row more than once and gets difference values each time, caused by another transaction updating the row in between reads</a:t>
+            </a:r>
           </a:p>
         </p:txBody>
       </p:sp>
     </p:spTree>
     <p:extLst>
       <p:ext uri="{BB962C8B-B14F-4D97-AF65-F5344CB8AC3E}">
-        <p14:creationId xmlns:p14="http://schemas.microsoft.com/office/powerpoint/2010/main" val="1971564764"/>
+        <p14:creationId xmlns:p14="http://schemas.microsoft.com/office/powerpoint/2010/main" val="306491305"/>
       </p:ext>
     </p:extLst>
   </p:cSld>
@@ -36952,7 +36963,7 @@
           <a:p>
             <a:r>
               <a:rPr lang="en-GB" dirty="0" smtClean="0"/>
-              <a:t>About Deadlock Detection</a:t>
+              <a:t>Avoiding Deadlocks</a:t>
             </a:r>
             <a:endParaRPr lang="en-GB" dirty="0"/>
           </a:p>
@@ -36970,49 +36981,59 @@
         </p:nvSpPr>
         <p:spPr/>
         <p:txBody>
-          <a:bodyPr/>
+          <a:bodyPr>
+            <a:normAutofit lnSpcReduction="10000"/>
+          </a:bodyPr>
           <a:lstStyle/>
           <a:p>
             <a:r>
               <a:rPr lang="en-GB" dirty="0" smtClean="0"/>
-              <a:t>Slow</a:t>
+              <a:t>Processing Order</a:t>
             </a:r>
           </a:p>
           <a:p>
             <a:pPr lvl="1"/>
             <a:r>
               <a:rPr lang="en-GB" dirty="0" smtClean="0"/>
-              <a:t>Up to 5 seconds to detect</a:t>
-            </a:r>
-          </a:p>
-          <a:p>
-            <a:r>
-              <a:rPr lang="en-GB" dirty="0" smtClean="0"/>
-              <a:t>It’s better to avoid deadlocks with cost than just code retries</a:t>
+              <a:t>Classic deadlock prevented if the order is the same</a:t>
+            </a:r>
+          </a:p>
+          <a:p>
+            <a:r>
+              <a:rPr lang="en-GB" dirty="0" smtClean="0"/>
+              <a:t>Use Clustered index for Updates</a:t>
+            </a:r>
+          </a:p>
+          <a:p>
+            <a:r>
+              <a:rPr lang="en-GB" dirty="0" smtClean="0"/>
+              <a:t>Short Transactions</a:t>
+            </a:r>
+          </a:p>
+          <a:p>
+            <a:r>
+              <a:rPr lang="en-GB" dirty="0" smtClean="0"/>
+              <a:t>Use UPDLOCK</a:t>
             </a:r>
           </a:p>
           <a:p>
             <a:pPr lvl="1"/>
             <a:r>
               <a:rPr lang="en-GB" dirty="0" smtClean="0"/>
-              <a:t>Slow</a:t>
-            </a:r>
-          </a:p>
-          <a:p>
-            <a:pPr lvl="1"/>
-            <a:r>
-              <a:rPr lang="en-GB" dirty="0" smtClean="0"/>
-              <a:t>Wasted resources in repeating the same task</a:t>
-            </a:r>
-          </a:p>
-          <a:p>
-            <a:pPr lvl="1"/>
-            <a:r>
-              <a:rPr lang="en-GB" dirty="0" smtClean="0"/>
-              <a:t>Noisy alerts</a:t>
-            </a:r>
-          </a:p>
-          <a:p>
+              <a:t>Locking Hint when reading data that you know you will update later</a:t>
+            </a:r>
+          </a:p>
+          <a:p>
+            <a:r>
+              <a:rPr lang="en-GB" dirty="0" smtClean="0"/>
+              <a:t>TABLOCK when updating all or the majority of records on a large table</a:t>
+            </a:r>
+          </a:p>
+          <a:p>
+            <a:r>
+              <a:rPr lang="en-GB" dirty="0" smtClean="0"/>
+              <a:t>Lower Isolation Levels</a:t>
+            </a:r>
             <a:endParaRPr lang="en-GB" dirty="0"/>
           </a:p>
         </p:txBody>
@@ -37020,7 +37041,7 @@
     </p:spTree>
     <p:extLst>
       <p:ext uri="{BB962C8B-B14F-4D97-AF65-F5344CB8AC3E}">
-        <p14:creationId xmlns:p14="http://schemas.microsoft.com/office/powerpoint/2010/main" val="1367347864"/>
+        <p14:creationId xmlns:p14="http://schemas.microsoft.com/office/powerpoint/2010/main" val="4147240749"/>
       </p:ext>
     </p:extLst>
   </p:cSld>
@@ -37071,7 +37092,7 @@
           <a:p>
             <a:r>
               <a:rPr lang="en-GB" dirty="0" smtClean="0"/>
-              <a:t>Avoiding Deadlocks</a:t>
+              <a:t>Selecting the right isolation level</a:t>
             </a:r>
             <a:endParaRPr lang="en-GB" dirty="0"/>
           </a:p>
@@ -37079,77 +37100,27 @@
       </p:sp>
       <p:sp>
         <p:nvSpPr>
-          <p:cNvPr id="3" name="Content Placeholder 2"/>
+          <p:cNvPr id="3" name="Text Placeholder 2"/>
           <p:cNvSpPr>
             <a:spLocks noGrp="1"/>
           </p:cNvSpPr>
           <p:nvPr>
-            <p:ph idx="1"/>
+            <p:ph type="body" idx="1"/>
           </p:nvPr>
         </p:nvSpPr>
         <p:spPr/>
         <p:txBody>
-          <a:bodyPr>
-            <a:normAutofit lnSpcReduction="10000"/>
-          </a:bodyPr>
+          <a:bodyPr/>
           <a:lstStyle/>
           <a:p>
-            <a:r>
-              <a:rPr lang="en-GB" dirty="0" smtClean="0"/>
-              <a:t>Processing Order</a:t>
-            </a:r>
-          </a:p>
-          <a:p>
-            <a:pPr lvl="1"/>
-            <a:r>
-              <a:rPr lang="en-GB" dirty="0" smtClean="0"/>
-              <a:t>Classic deadlock prevented if the order is the same</a:t>
-            </a:r>
-          </a:p>
-          <a:p>
-            <a:r>
-              <a:rPr lang="en-GB" dirty="0" smtClean="0"/>
-              <a:t>Use Clustered index for Updates</a:t>
-            </a:r>
-          </a:p>
-          <a:p>
-            <a:r>
-              <a:rPr lang="en-GB" dirty="0" smtClean="0"/>
-              <a:t>Short Transactions</a:t>
-            </a:r>
-          </a:p>
-          <a:p>
-            <a:r>
-              <a:rPr lang="en-GB" dirty="0" smtClean="0"/>
-              <a:t>Use UPDLOCK</a:t>
-            </a:r>
-          </a:p>
-          <a:p>
-            <a:pPr lvl="1"/>
-            <a:r>
-              <a:rPr lang="en-GB" dirty="0" smtClean="0"/>
-              <a:t>Locking Hint when reading data that you know you will update later</a:t>
-            </a:r>
-          </a:p>
-          <a:p>
-            <a:r>
-              <a:rPr lang="en-GB" dirty="0" smtClean="0"/>
-              <a:t>TABLOCK when updating all or the majority of records on a large table</a:t>
-            </a:r>
-          </a:p>
-          <a:p>
-            <a:r>
-              <a:rPr lang="en-GB" dirty="0" smtClean="0"/>
-              <a:t>Lower Isolation Levels</a:t>
-            </a:r>
-            <a:endParaRPr lang="en-GB" dirty="0"/>
+            <a:endParaRPr lang="en-GB"/>
           </a:p>
         </p:txBody>
       </p:sp>
     </p:spTree>
     <p:extLst>
       <p:ext uri="{BB962C8B-B14F-4D97-AF65-F5344CB8AC3E}">
-        <p14:creationId xmlns:p14="http://schemas.microsoft.com/office/powerpoint/2010/main" val="4147240749"/>
+        <p14:creationId xmlns:p14="http://schemas.microsoft.com/office/powerpoint/2010/main" val="105837843"/>
       </p:ext>
     </p:extLst>
   </p:cSld>
@@ -37200,85 +37171,6 @@
           <a:p>
             <a:r>
               <a:rPr lang="en-GB" dirty="0" smtClean="0"/>
-              <a:t>Selecting the right isolation level</a:t>
-            </a:r>
-            <a:endParaRPr lang="en-GB" dirty="0"/>
-          </a:p>
-        </p:txBody>
-      </p:sp>
-      <p:sp>
-        <p:nvSpPr>
-          <p:cNvPr id="3" name="Text Placeholder 2"/>
-          <p:cNvSpPr>
-            <a:spLocks noGrp="1"/>
-          </p:cNvSpPr>
-          <p:nvPr>
-            <p:ph type="body" idx="1"/>
-          </p:nvPr>
-        </p:nvSpPr>
-        <p:spPr/>
-        <p:txBody>
-          <a:bodyPr/>
-          <a:lstStyle/>
-          <a:p>
-            <a:endParaRPr lang="en-GB"/>
-          </a:p>
-        </p:txBody>
-      </p:sp>
-    </p:spTree>
-    <p:extLst>
-      <p:ext uri="{BB962C8B-B14F-4D97-AF65-F5344CB8AC3E}">
-        <p14:creationId xmlns:p14="http://schemas.microsoft.com/office/powerpoint/2010/main" val="105837843"/>
-      </p:ext>
-    </p:extLst>
-  </p:cSld>
-  <p:clrMapOvr>
-    <a:masterClrMapping/>
-  </p:clrMapOvr>
-  <p:timing>
-    <p:tnLst>
-      <p:par>
-        <p:cTn id="1" dur="indefinite" restart="never" nodeType="tmRoot"/>
-      </p:par>
-    </p:tnLst>
-  </p:timing>
-</p:sld>
-</file>
-
-<file path=ppt/slides/slide63.xml><?xml version="1.0" encoding="utf-8"?>
-<p:sld xmlns:a="http://schemas.openxmlformats.org/drawingml/2006/main" xmlns:r="http://schemas.openxmlformats.org/officeDocument/2006/relationships" xmlns:p="http://schemas.openxmlformats.org/presentationml/2006/main">
-  <p:cSld>
-    <p:spTree>
-      <p:nvGrpSpPr>
-        <p:cNvPr id="1" name=""/>
-        <p:cNvGrpSpPr/>
-        <p:nvPr/>
-      </p:nvGrpSpPr>
-      <p:grpSpPr>
-        <a:xfrm>
-          <a:off x="0" y="0"/>
-          <a:ext cx="0" cy="0"/>
-          <a:chOff x="0" y="0"/>
-          <a:chExt cx="0" cy="0"/>
-        </a:xfrm>
-      </p:grpSpPr>
-      <p:sp>
-        <p:nvSpPr>
-          <p:cNvPr id="2" name="Title 1"/>
-          <p:cNvSpPr>
-            <a:spLocks noGrp="1"/>
-          </p:cNvSpPr>
-          <p:nvPr>
-            <p:ph type="title"/>
-          </p:nvPr>
-        </p:nvSpPr>
-        <p:spPr/>
-        <p:txBody>
-          <a:bodyPr/>
-          <a:lstStyle/>
-          <a:p>
-            <a:r>
-              <a:rPr lang="en-GB" dirty="0" smtClean="0"/>
               <a:t>Isolation Levels vs Good Code (1)</a:t>
             </a:r>
             <a:endParaRPr lang="en-GB" dirty="0"/>
@@ -38190,6 +38082,1330 @@
     <p:extLst>
       <p:ext uri="{BB962C8B-B14F-4D97-AF65-F5344CB8AC3E}">
         <p14:creationId xmlns:p14="http://schemas.microsoft.com/office/powerpoint/2010/main" val="3154094232"/>
+      </p:ext>
+    </p:extLst>
+  </p:cSld>
+  <p:clrMapOvr>
+    <a:masterClrMapping/>
+  </p:clrMapOvr>
+  <p:timing>
+    <p:tnLst>
+      <p:par>
+        <p:cTn id="1" dur="indefinite" restart="never" nodeType="tmRoot">
+          <p:childTnLst>
+            <p:seq concurrent="1" nextAc="seek">
+              <p:cTn id="2" dur="indefinite" nodeType="mainSeq">
+                <p:childTnLst>
+                  <p:par>
+                    <p:cTn id="3" fill="hold">
+                      <p:stCondLst>
+                        <p:cond delay="indefinite"/>
+                      </p:stCondLst>
+                      <p:childTnLst>
+                        <p:par>
+                          <p:cTn id="4" fill="hold">
+                            <p:stCondLst>
+                              <p:cond delay="0"/>
+                            </p:stCondLst>
+                            <p:childTnLst>
+                              <p:par>
+                                <p:cTn id="5" presetID="1" presetClass="entr" presetSubtype="0" fill="hold" grpId="0" nodeType="clickEffect">
+                                  <p:stCondLst>
+                                    <p:cond delay="0"/>
+                                  </p:stCondLst>
+                                  <p:childTnLst>
+                                    <p:set>
+                                      <p:cBhvr>
+                                        <p:cTn id="6" dur="1" fill="hold">
+                                          <p:stCondLst>
+                                            <p:cond delay="0"/>
+                                          </p:stCondLst>
+                                        </p:cTn>
+                                        <p:tgtEl>
+                                          <p:spTgt spid="8">
+                                            <p:txEl>
+                                              <p:pRg st="0" end="0"/>
+                                            </p:txEl>
+                                          </p:spTgt>
+                                        </p:tgtEl>
+                                        <p:attrNameLst>
+                                          <p:attrName>style.visibility</p:attrName>
+                                        </p:attrNameLst>
+                                      </p:cBhvr>
+                                      <p:to>
+                                        <p:strVal val="visible"/>
+                                      </p:to>
+                                    </p:set>
+                                  </p:childTnLst>
+                                </p:cTn>
+                              </p:par>
+                            </p:childTnLst>
+                          </p:cTn>
+                        </p:par>
+                      </p:childTnLst>
+                    </p:cTn>
+                  </p:par>
+                  <p:par>
+                    <p:cTn id="7" fill="hold">
+                      <p:stCondLst>
+                        <p:cond delay="indefinite"/>
+                      </p:stCondLst>
+                      <p:childTnLst>
+                        <p:par>
+                          <p:cTn id="8" fill="hold">
+                            <p:stCondLst>
+                              <p:cond delay="0"/>
+                            </p:stCondLst>
+                            <p:childTnLst>
+                              <p:par>
+                                <p:cTn id="9" presetID="1" presetClass="entr" presetSubtype="0" fill="hold" grpId="0" nodeType="clickEffect">
+                                  <p:stCondLst>
+                                    <p:cond delay="0"/>
+                                  </p:stCondLst>
+                                  <p:childTnLst>
+                                    <p:set>
+                                      <p:cBhvr>
+                                        <p:cTn id="10" dur="1" fill="hold">
+                                          <p:stCondLst>
+                                            <p:cond delay="0"/>
+                                          </p:stCondLst>
+                                        </p:cTn>
+                                        <p:tgtEl>
+                                          <p:spTgt spid="8">
+                                            <p:txEl>
+                                              <p:pRg st="1" end="1"/>
+                                            </p:txEl>
+                                          </p:spTgt>
+                                        </p:tgtEl>
+                                        <p:attrNameLst>
+                                          <p:attrName>style.visibility</p:attrName>
+                                        </p:attrNameLst>
+                                      </p:cBhvr>
+                                      <p:to>
+                                        <p:strVal val="visible"/>
+                                      </p:to>
+                                    </p:set>
+                                  </p:childTnLst>
+                                </p:cTn>
+                              </p:par>
+                            </p:childTnLst>
+                          </p:cTn>
+                        </p:par>
+                      </p:childTnLst>
+                    </p:cTn>
+                  </p:par>
+                  <p:par>
+                    <p:cTn id="11" fill="hold">
+                      <p:stCondLst>
+                        <p:cond delay="indefinite"/>
+                      </p:stCondLst>
+                      <p:childTnLst>
+                        <p:par>
+                          <p:cTn id="12" fill="hold">
+                            <p:stCondLst>
+                              <p:cond delay="0"/>
+                            </p:stCondLst>
+                            <p:childTnLst>
+                              <p:par>
+                                <p:cTn id="13" presetID="1" presetClass="entr" presetSubtype="0" fill="hold" grpId="0" nodeType="clickEffect">
+                                  <p:stCondLst>
+                                    <p:cond delay="0"/>
+                                  </p:stCondLst>
+                                  <p:childTnLst>
+                                    <p:set>
+                                      <p:cBhvr>
+                                        <p:cTn id="14" dur="1" fill="hold">
+                                          <p:stCondLst>
+                                            <p:cond delay="0"/>
+                                          </p:stCondLst>
+                                        </p:cTn>
+                                        <p:tgtEl>
+                                          <p:spTgt spid="8">
+                                            <p:txEl>
+                                              <p:pRg st="2" end="2"/>
+                                            </p:txEl>
+                                          </p:spTgt>
+                                        </p:tgtEl>
+                                        <p:attrNameLst>
+                                          <p:attrName>style.visibility</p:attrName>
+                                        </p:attrNameLst>
+                                      </p:cBhvr>
+                                      <p:to>
+                                        <p:strVal val="visible"/>
+                                      </p:to>
+                                    </p:set>
+                                  </p:childTnLst>
+                                </p:cTn>
+                              </p:par>
+                            </p:childTnLst>
+                          </p:cTn>
+                        </p:par>
+                      </p:childTnLst>
+                    </p:cTn>
+                  </p:par>
+                </p:childTnLst>
+              </p:cTn>
+              <p:prevCondLst>
+                <p:cond evt="onPrev" delay="0">
+                  <p:tgtEl>
+                    <p:sldTgt/>
+                  </p:tgtEl>
+                </p:cond>
+              </p:prevCondLst>
+              <p:nextCondLst>
+                <p:cond evt="onNext" delay="0">
+                  <p:tgtEl>
+                    <p:sldTgt/>
+                  </p:tgtEl>
+                </p:cond>
+              </p:nextCondLst>
+            </p:seq>
+          </p:childTnLst>
+        </p:cTn>
+      </p:par>
+    </p:tnLst>
+    <p:bldLst>
+      <p:bldP spid="8" grpId="0" build="p"/>
+    </p:bldLst>
+  </p:timing>
+</p:sld>
+</file>
+
+<file path=ppt/slides/slide63.xml><?xml version="1.0" encoding="utf-8"?>
+<p:sld xmlns:a="http://schemas.openxmlformats.org/drawingml/2006/main" xmlns:r="http://schemas.openxmlformats.org/officeDocument/2006/relationships" xmlns:p="http://schemas.openxmlformats.org/presentationml/2006/main">
+  <p:cSld>
+    <p:spTree>
+      <p:nvGrpSpPr>
+        <p:cNvPr id="1" name=""/>
+        <p:cNvGrpSpPr/>
+        <p:nvPr/>
+      </p:nvGrpSpPr>
+      <p:grpSpPr>
+        <a:xfrm>
+          <a:off x="0" y="0"/>
+          <a:ext cx="0" cy="0"/>
+          <a:chOff x="0" y="0"/>
+          <a:chExt cx="0" cy="0"/>
+        </a:xfrm>
+      </p:grpSpPr>
+      <p:sp>
+        <p:nvSpPr>
+          <p:cNvPr id="2" name="Title 1"/>
+          <p:cNvSpPr>
+            <a:spLocks noGrp="1"/>
+          </p:cNvSpPr>
+          <p:nvPr>
+            <p:ph type="title"/>
+          </p:nvPr>
+        </p:nvSpPr>
+        <p:spPr/>
+        <p:txBody>
+          <a:bodyPr/>
+          <a:lstStyle/>
+          <a:p>
+            <a:r>
+              <a:rPr lang="en-GB" dirty="0" smtClean="0"/>
+              <a:t>Isolation Levels vs Good Code (2)</a:t>
+            </a:r>
+            <a:endParaRPr lang="en-GB" dirty="0"/>
+          </a:p>
+        </p:txBody>
+      </p:sp>
+      <p:sp>
+        <p:nvSpPr>
+          <p:cNvPr id="6" name="TextBox 5"/>
+          <p:cNvSpPr txBox="1"/>
+          <p:nvPr/>
+        </p:nvSpPr>
+        <p:spPr>
+          <a:xfrm>
+            <a:off x="614218" y="1852756"/>
+            <a:ext cx="4550450" cy="4308872"/>
+          </a:xfrm>
+          <a:prstGeom prst="rect">
+            <a:avLst/>
+          </a:prstGeom>
+        </p:spPr>
+        <p:style>
+          <a:lnRef idx="2">
+            <a:schemeClr val="accent2"/>
+          </a:lnRef>
+          <a:fillRef idx="1">
+            <a:schemeClr val="lt1"/>
+          </a:fillRef>
+          <a:effectRef idx="0">
+            <a:schemeClr val="accent2"/>
+          </a:effectRef>
+          <a:fontRef idx="minor">
+            <a:schemeClr val="dk1"/>
+          </a:fontRef>
+        </p:style>
+        <p:txBody>
+          <a:bodyPr wrap="square" rtlCol="0">
+            <a:spAutoFit/>
+          </a:bodyPr>
+          <a:lstStyle/>
+          <a:p>
+            <a:r>
+              <a:rPr lang="en-GB" sz="1200" dirty="0" smtClean="0">
+                <a:solidFill>
+                  <a:srgbClr val="0000FF"/>
+                </a:solidFill>
+                <a:latin typeface="Consolas" panose="020B0609020204030204" pitchFamily="49" charset="0"/>
+              </a:rPr>
+              <a:t>CREATE</a:t>
+            </a:r>
+            <a:r>
+              <a:rPr lang="en-GB" sz="1200" dirty="0">
+                <a:solidFill>
+                  <a:prstClr val="black"/>
+                </a:solidFill>
+                <a:latin typeface="Consolas" panose="020B0609020204030204" pitchFamily="49" charset="0"/>
+              </a:rPr>
+              <a:t> </a:t>
+            </a:r>
+            <a:r>
+              <a:rPr lang="en-GB" sz="1200" dirty="0" smtClean="0">
+                <a:solidFill>
+                  <a:srgbClr val="0000FF"/>
+                </a:solidFill>
+                <a:latin typeface="Consolas" panose="020B0609020204030204" pitchFamily="49" charset="0"/>
+              </a:rPr>
+              <a:t>PROC</a:t>
+            </a:r>
+            <a:r>
+              <a:rPr lang="en-GB" sz="1200" dirty="0">
+                <a:solidFill>
+                  <a:prstClr val="black"/>
+                </a:solidFill>
+                <a:latin typeface="Consolas" panose="020B0609020204030204" pitchFamily="49" charset="0"/>
+              </a:rPr>
+              <a:t> updateBalance2</a:t>
+            </a:r>
+          </a:p>
+          <a:p>
+            <a:r>
+              <a:rPr lang="en-GB" sz="1200" dirty="0" smtClean="0">
+                <a:solidFill>
+                  <a:prstClr val="black"/>
+                </a:solidFill>
+                <a:latin typeface="Consolas" panose="020B0609020204030204" pitchFamily="49" charset="0"/>
+              </a:rPr>
+              <a:t>	@</a:t>
+            </a:r>
+            <a:r>
+              <a:rPr lang="en-GB" sz="1200" dirty="0" err="1" smtClean="0">
+                <a:solidFill>
+                  <a:prstClr val="black"/>
+                </a:solidFill>
+                <a:latin typeface="Consolas" panose="020B0609020204030204" pitchFamily="49" charset="0"/>
+              </a:rPr>
+              <a:t>CustomerID</a:t>
+            </a:r>
+            <a:r>
+              <a:rPr lang="en-GB" sz="1200" dirty="0" smtClean="0">
+                <a:solidFill>
+                  <a:prstClr val="black"/>
+                </a:solidFill>
+                <a:latin typeface="Consolas" panose="020B0609020204030204" pitchFamily="49" charset="0"/>
+              </a:rPr>
+              <a:t> </a:t>
+            </a:r>
+            <a:r>
+              <a:rPr lang="en-GB" sz="1200" dirty="0" smtClean="0">
+                <a:solidFill>
+                  <a:srgbClr val="0000FF"/>
+                </a:solidFill>
+                <a:latin typeface="Consolas" panose="020B0609020204030204" pitchFamily="49" charset="0"/>
+              </a:rPr>
+              <a:t>INT</a:t>
+            </a:r>
+            <a:r>
+              <a:rPr lang="en-GB" sz="1200" dirty="0" smtClean="0">
+                <a:solidFill>
+                  <a:srgbClr val="808080"/>
+                </a:solidFill>
+                <a:latin typeface="Consolas" panose="020B0609020204030204" pitchFamily="49" charset="0"/>
+              </a:rPr>
+              <a:t>,</a:t>
+            </a:r>
+            <a:r>
+              <a:rPr lang="en-GB" sz="1200" dirty="0">
+                <a:solidFill>
+                  <a:prstClr val="black"/>
+                </a:solidFill>
+                <a:latin typeface="Consolas" panose="020B0609020204030204" pitchFamily="49" charset="0"/>
+              </a:rPr>
+              <a:t> @Debit </a:t>
+            </a:r>
+            <a:r>
+              <a:rPr lang="en-GB" sz="1200" dirty="0" smtClean="0">
+                <a:solidFill>
+                  <a:srgbClr val="0000FF"/>
+                </a:solidFill>
+                <a:latin typeface="Consolas" panose="020B0609020204030204" pitchFamily="49" charset="0"/>
+              </a:rPr>
+              <a:t>MONEY</a:t>
+            </a:r>
+            <a:r>
+              <a:rPr lang="en-GB" sz="1200" dirty="0" smtClean="0">
+                <a:solidFill>
+                  <a:srgbClr val="808080"/>
+                </a:solidFill>
+                <a:latin typeface="Consolas" panose="020B0609020204030204" pitchFamily="49" charset="0"/>
+              </a:rPr>
+              <a:t>,</a:t>
+            </a:r>
+            <a:r>
+              <a:rPr lang="en-GB" sz="1200" dirty="0">
+                <a:solidFill>
+                  <a:prstClr val="black"/>
+                </a:solidFill>
+                <a:latin typeface="Consolas" panose="020B0609020204030204" pitchFamily="49" charset="0"/>
+              </a:rPr>
+              <a:t> </a:t>
+            </a:r>
+            <a:endParaRPr lang="en-GB" sz="1200" dirty="0" smtClean="0">
+              <a:solidFill>
+                <a:prstClr val="black"/>
+              </a:solidFill>
+              <a:latin typeface="Consolas" panose="020B0609020204030204" pitchFamily="49" charset="0"/>
+            </a:endParaRPr>
+          </a:p>
+          <a:p>
+            <a:r>
+              <a:rPr lang="en-GB" sz="1200" dirty="0">
+                <a:solidFill>
+                  <a:prstClr val="black"/>
+                </a:solidFill>
+                <a:latin typeface="Consolas" panose="020B0609020204030204" pitchFamily="49" charset="0"/>
+              </a:rPr>
+              <a:t>	</a:t>
+            </a:r>
+            <a:r>
+              <a:rPr lang="en-GB" sz="1200" dirty="0" smtClean="0">
+                <a:solidFill>
+                  <a:prstClr val="black"/>
+                </a:solidFill>
+                <a:latin typeface="Consolas" panose="020B0609020204030204" pitchFamily="49" charset="0"/>
+              </a:rPr>
+              <a:t>@</a:t>
+            </a:r>
+            <a:r>
+              <a:rPr lang="en-GB" sz="1200" dirty="0" err="1">
+                <a:solidFill>
+                  <a:prstClr val="black"/>
+                </a:solidFill>
+                <a:latin typeface="Consolas" panose="020B0609020204030204" pitchFamily="49" charset="0"/>
+              </a:rPr>
+              <a:t>NewBalance</a:t>
+            </a:r>
+            <a:r>
+              <a:rPr lang="en-GB" sz="1200" dirty="0">
+                <a:solidFill>
+                  <a:prstClr val="black"/>
+                </a:solidFill>
+                <a:latin typeface="Consolas" panose="020B0609020204030204" pitchFamily="49" charset="0"/>
+              </a:rPr>
+              <a:t> </a:t>
+            </a:r>
+            <a:r>
+              <a:rPr lang="en-GB" sz="1200" dirty="0" smtClean="0">
+                <a:solidFill>
+                  <a:srgbClr val="0000FF"/>
+                </a:solidFill>
+                <a:latin typeface="Consolas" panose="020B0609020204030204" pitchFamily="49" charset="0"/>
+              </a:rPr>
+              <a:t>MONEY</a:t>
+            </a:r>
+            <a:r>
+              <a:rPr lang="en-GB" sz="1200" dirty="0">
+                <a:solidFill>
+                  <a:prstClr val="black"/>
+                </a:solidFill>
+                <a:latin typeface="Consolas" panose="020B0609020204030204" pitchFamily="49" charset="0"/>
+              </a:rPr>
+              <a:t> </a:t>
+            </a:r>
+            <a:r>
+              <a:rPr lang="en-GB" sz="1200" dirty="0" smtClean="0">
+                <a:solidFill>
+                  <a:srgbClr val="0000FF"/>
+                </a:solidFill>
+                <a:latin typeface="Consolas" panose="020B0609020204030204" pitchFamily="49" charset="0"/>
+              </a:rPr>
+              <a:t>OUTPUT</a:t>
+            </a:r>
+            <a:endParaRPr lang="en-GB" sz="1200" dirty="0">
+              <a:solidFill>
+                <a:prstClr val="black"/>
+              </a:solidFill>
+              <a:latin typeface="Consolas" panose="020B0609020204030204" pitchFamily="49" charset="0"/>
+            </a:endParaRPr>
+          </a:p>
+          <a:p>
+            <a:r>
+              <a:rPr lang="en-GB" sz="1200" dirty="0" smtClean="0">
+                <a:solidFill>
+                  <a:srgbClr val="0000FF"/>
+                </a:solidFill>
+                <a:latin typeface="Consolas" panose="020B0609020204030204" pitchFamily="49" charset="0"/>
+              </a:rPr>
+              <a:t>AS</a:t>
+            </a:r>
+            <a:endParaRPr lang="en-GB" sz="1200" dirty="0">
+              <a:solidFill>
+                <a:prstClr val="black"/>
+              </a:solidFill>
+              <a:latin typeface="Consolas" panose="020B0609020204030204" pitchFamily="49" charset="0"/>
+            </a:endParaRPr>
+          </a:p>
+          <a:p>
+            <a:endParaRPr lang="en-GB" sz="1200" dirty="0">
+              <a:solidFill>
+                <a:prstClr val="black"/>
+              </a:solidFill>
+              <a:latin typeface="Consolas" panose="020B0609020204030204" pitchFamily="49" charset="0"/>
+            </a:endParaRPr>
+          </a:p>
+          <a:p>
+            <a:r>
+              <a:rPr lang="en-GB" sz="1200" dirty="0" smtClean="0">
+                <a:solidFill>
+                  <a:srgbClr val="0000FF"/>
+                </a:solidFill>
+                <a:latin typeface="Consolas" panose="020B0609020204030204" pitchFamily="49" charset="0"/>
+              </a:rPr>
+              <a:t>SET</a:t>
+            </a:r>
+            <a:r>
+              <a:rPr lang="en-GB" sz="1200" dirty="0">
+                <a:solidFill>
+                  <a:prstClr val="black"/>
+                </a:solidFill>
+                <a:latin typeface="Consolas" panose="020B0609020204030204" pitchFamily="49" charset="0"/>
+              </a:rPr>
+              <a:t> </a:t>
+            </a:r>
+            <a:r>
+              <a:rPr lang="en-GB" sz="1200" dirty="0" smtClean="0">
+                <a:solidFill>
+                  <a:srgbClr val="0000FF"/>
+                </a:solidFill>
+                <a:latin typeface="Consolas" panose="020B0609020204030204" pitchFamily="49" charset="0"/>
+              </a:rPr>
+              <a:t>TRANSACTION</a:t>
+            </a:r>
+            <a:r>
+              <a:rPr lang="en-GB" sz="1200" dirty="0">
+                <a:solidFill>
+                  <a:prstClr val="black"/>
+                </a:solidFill>
+                <a:latin typeface="Consolas" panose="020B0609020204030204" pitchFamily="49" charset="0"/>
+              </a:rPr>
+              <a:t> </a:t>
+            </a:r>
+            <a:r>
+              <a:rPr lang="en-GB" sz="1200" dirty="0" smtClean="0">
+                <a:solidFill>
+                  <a:srgbClr val="0000FF"/>
+                </a:solidFill>
+                <a:latin typeface="Consolas" panose="020B0609020204030204" pitchFamily="49" charset="0"/>
+              </a:rPr>
+              <a:t>ISOLATION</a:t>
+            </a:r>
+            <a:r>
+              <a:rPr lang="en-GB" sz="1200" dirty="0">
+                <a:solidFill>
+                  <a:prstClr val="black"/>
+                </a:solidFill>
+                <a:latin typeface="Consolas" panose="020B0609020204030204" pitchFamily="49" charset="0"/>
+              </a:rPr>
+              <a:t> </a:t>
+            </a:r>
+            <a:r>
+              <a:rPr lang="en-GB" sz="1200" dirty="0" smtClean="0">
+                <a:solidFill>
+                  <a:srgbClr val="0000FF"/>
+                </a:solidFill>
+                <a:latin typeface="Consolas" panose="020B0609020204030204" pitchFamily="49" charset="0"/>
+              </a:rPr>
+              <a:t>LEVEL</a:t>
+            </a:r>
+            <a:r>
+              <a:rPr lang="en-GB" sz="1200" dirty="0">
+                <a:solidFill>
+                  <a:prstClr val="black"/>
+                </a:solidFill>
+                <a:latin typeface="Consolas" panose="020B0609020204030204" pitchFamily="49" charset="0"/>
+              </a:rPr>
+              <a:t> </a:t>
+            </a:r>
+            <a:r>
+              <a:rPr lang="en-GB" sz="1200" dirty="0" smtClean="0">
+                <a:solidFill>
+                  <a:srgbClr val="0000FF"/>
+                </a:solidFill>
+                <a:latin typeface="Consolas" panose="020B0609020204030204" pitchFamily="49" charset="0"/>
+              </a:rPr>
+              <a:t>REPEATABLE</a:t>
+            </a:r>
+            <a:r>
+              <a:rPr lang="en-GB" sz="1200" dirty="0">
+                <a:solidFill>
+                  <a:prstClr val="black"/>
+                </a:solidFill>
+                <a:latin typeface="Consolas" panose="020B0609020204030204" pitchFamily="49" charset="0"/>
+              </a:rPr>
+              <a:t> </a:t>
+            </a:r>
+            <a:r>
+              <a:rPr lang="en-GB" sz="1200" dirty="0" smtClean="0">
+                <a:solidFill>
+                  <a:srgbClr val="0000FF"/>
+                </a:solidFill>
+                <a:latin typeface="Consolas" panose="020B0609020204030204" pitchFamily="49" charset="0"/>
+              </a:rPr>
+              <a:t>READ</a:t>
+            </a:r>
+            <a:endParaRPr lang="en-GB" sz="1200" dirty="0">
+              <a:solidFill>
+                <a:prstClr val="black"/>
+              </a:solidFill>
+              <a:latin typeface="Consolas" panose="020B0609020204030204" pitchFamily="49" charset="0"/>
+            </a:endParaRPr>
+          </a:p>
+          <a:p>
+            <a:endParaRPr lang="en-GB" sz="1200" dirty="0">
+              <a:solidFill>
+                <a:prstClr val="black"/>
+              </a:solidFill>
+              <a:latin typeface="Consolas" panose="020B0609020204030204" pitchFamily="49" charset="0"/>
+            </a:endParaRPr>
+          </a:p>
+          <a:p>
+            <a:r>
+              <a:rPr lang="en-GB" sz="1200" dirty="0" smtClean="0">
+                <a:solidFill>
+                  <a:srgbClr val="0000FF"/>
+                </a:solidFill>
+                <a:latin typeface="Consolas" panose="020B0609020204030204" pitchFamily="49" charset="0"/>
+              </a:rPr>
+              <a:t>BEGIN</a:t>
+            </a:r>
+            <a:r>
+              <a:rPr lang="en-GB" sz="1200" dirty="0">
+                <a:solidFill>
+                  <a:prstClr val="black"/>
+                </a:solidFill>
+                <a:latin typeface="Consolas" panose="020B0609020204030204" pitchFamily="49" charset="0"/>
+              </a:rPr>
+              <a:t> </a:t>
+            </a:r>
+            <a:r>
+              <a:rPr lang="en-GB" sz="1200" dirty="0" smtClean="0">
+                <a:solidFill>
+                  <a:srgbClr val="0000FF"/>
+                </a:solidFill>
+                <a:latin typeface="Consolas" panose="020B0609020204030204" pitchFamily="49" charset="0"/>
+              </a:rPr>
+              <a:t>TRANSACTION</a:t>
+            </a:r>
+            <a:endParaRPr lang="en-GB" sz="1200" dirty="0">
+              <a:solidFill>
+                <a:prstClr val="black"/>
+              </a:solidFill>
+              <a:latin typeface="Consolas" panose="020B0609020204030204" pitchFamily="49" charset="0"/>
+            </a:endParaRPr>
+          </a:p>
+          <a:p>
+            <a:r>
+              <a:rPr lang="en-GB" sz="1200" dirty="0" smtClean="0">
+                <a:solidFill>
+                  <a:srgbClr val="0000FF"/>
+                </a:solidFill>
+                <a:latin typeface="Consolas" panose="020B0609020204030204" pitchFamily="49" charset="0"/>
+              </a:rPr>
+              <a:t>	SELECT</a:t>
+            </a:r>
+            <a:r>
+              <a:rPr lang="en-GB" sz="1200" dirty="0" smtClean="0">
+                <a:solidFill>
+                  <a:prstClr val="black"/>
+                </a:solidFill>
+                <a:latin typeface="Consolas" panose="020B0609020204030204" pitchFamily="49" charset="0"/>
+              </a:rPr>
+              <a:t> </a:t>
+            </a:r>
+            <a:r>
+              <a:rPr lang="en-GB" sz="1200" dirty="0">
+                <a:solidFill>
+                  <a:prstClr val="black"/>
+                </a:solidFill>
+                <a:latin typeface="Consolas" panose="020B0609020204030204" pitchFamily="49" charset="0"/>
+              </a:rPr>
+              <a:t>@</a:t>
+            </a:r>
+            <a:r>
+              <a:rPr lang="en-GB" sz="1200" dirty="0" err="1">
+                <a:solidFill>
+                  <a:prstClr val="black"/>
+                </a:solidFill>
+                <a:latin typeface="Consolas" panose="020B0609020204030204" pitchFamily="49" charset="0"/>
+              </a:rPr>
+              <a:t>NewBalance</a:t>
+            </a:r>
+            <a:r>
+              <a:rPr lang="en-GB" sz="1200" dirty="0">
+                <a:solidFill>
+                  <a:prstClr val="black"/>
+                </a:solidFill>
+                <a:latin typeface="Consolas" panose="020B0609020204030204" pitchFamily="49" charset="0"/>
+              </a:rPr>
+              <a:t> </a:t>
+            </a:r>
+            <a:r>
+              <a:rPr lang="en-GB" sz="1200" dirty="0" smtClean="0">
+                <a:solidFill>
+                  <a:srgbClr val="808080"/>
+                </a:solidFill>
+                <a:latin typeface="Consolas" panose="020B0609020204030204" pitchFamily="49" charset="0"/>
+              </a:rPr>
+              <a:t>=</a:t>
+            </a:r>
+            <a:r>
+              <a:rPr lang="en-GB" sz="1200" dirty="0">
+                <a:solidFill>
+                  <a:prstClr val="black"/>
+                </a:solidFill>
+                <a:latin typeface="Consolas" panose="020B0609020204030204" pitchFamily="49" charset="0"/>
+              </a:rPr>
+              <a:t> Balance </a:t>
+            </a:r>
+            <a:r>
+              <a:rPr lang="en-GB" sz="1200" dirty="0" smtClean="0">
+                <a:solidFill>
+                  <a:srgbClr val="808080"/>
+                </a:solidFill>
+                <a:latin typeface="Consolas" panose="020B0609020204030204" pitchFamily="49" charset="0"/>
+              </a:rPr>
+              <a:t>-</a:t>
+            </a:r>
+            <a:r>
+              <a:rPr lang="en-GB" sz="1200" dirty="0">
+                <a:solidFill>
+                  <a:prstClr val="black"/>
+                </a:solidFill>
+                <a:latin typeface="Consolas" panose="020B0609020204030204" pitchFamily="49" charset="0"/>
+              </a:rPr>
+              <a:t> @Debit</a:t>
+            </a:r>
+          </a:p>
+          <a:p>
+            <a:r>
+              <a:rPr lang="en-GB" sz="1200" dirty="0" smtClean="0">
+                <a:solidFill>
+                  <a:srgbClr val="0000FF"/>
+                </a:solidFill>
+                <a:latin typeface="Consolas" panose="020B0609020204030204" pitchFamily="49" charset="0"/>
+              </a:rPr>
+              <a:t>	FROM</a:t>
+            </a:r>
+            <a:r>
+              <a:rPr lang="en-GB" sz="1200" dirty="0" smtClean="0">
+                <a:solidFill>
+                  <a:prstClr val="black"/>
+                </a:solidFill>
+                <a:latin typeface="Consolas" panose="020B0609020204030204" pitchFamily="49" charset="0"/>
+              </a:rPr>
+              <a:t> </a:t>
+            </a:r>
+            <a:r>
+              <a:rPr lang="en-GB" sz="1200" dirty="0" err="1">
+                <a:solidFill>
+                  <a:prstClr val="black"/>
+                </a:solidFill>
+                <a:latin typeface="Consolas" panose="020B0609020204030204" pitchFamily="49" charset="0"/>
+              </a:rPr>
+              <a:t>CustomerBalance</a:t>
+            </a:r>
+            <a:endParaRPr lang="en-GB" sz="1200" dirty="0">
+              <a:solidFill>
+                <a:prstClr val="black"/>
+              </a:solidFill>
+              <a:latin typeface="Consolas" panose="020B0609020204030204" pitchFamily="49" charset="0"/>
+            </a:endParaRPr>
+          </a:p>
+          <a:p>
+            <a:r>
+              <a:rPr lang="en-GB" sz="1200" dirty="0" smtClean="0">
+                <a:solidFill>
+                  <a:srgbClr val="0000FF"/>
+                </a:solidFill>
+                <a:latin typeface="Consolas" panose="020B0609020204030204" pitchFamily="49" charset="0"/>
+              </a:rPr>
+              <a:t>	WHERE</a:t>
+            </a:r>
+            <a:r>
+              <a:rPr lang="en-GB" sz="1200" dirty="0" smtClean="0">
+                <a:solidFill>
+                  <a:prstClr val="black"/>
+                </a:solidFill>
+                <a:latin typeface="Consolas" panose="020B0609020204030204" pitchFamily="49" charset="0"/>
+              </a:rPr>
+              <a:t> </a:t>
+            </a:r>
+            <a:r>
+              <a:rPr lang="en-GB" sz="1200" dirty="0" err="1">
+                <a:solidFill>
+                  <a:prstClr val="black"/>
+                </a:solidFill>
+                <a:latin typeface="Consolas" panose="020B0609020204030204" pitchFamily="49" charset="0"/>
+              </a:rPr>
+              <a:t>CustomerID</a:t>
+            </a:r>
+            <a:r>
+              <a:rPr lang="en-GB" sz="1200" dirty="0">
+                <a:solidFill>
+                  <a:prstClr val="black"/>
+                </a:solidFill>
+                <a:latin typeface="Consolas" panose="020B0609020204030204" pitchFamily="49" charset="0"/>
+              </a:rPr>
+              <a:t> </a:t>
+            </a:r>
+            <a:r>
+              <a:rPr lang="en-GB" sz="1200" dirty="0" smtClean="0">
+                <a:solidFill>
+                  <a:srgbClr val="808080"/>
+                </a:solidFill>
+                <a:latin typeface="Consolas" panose="020B0609020204030204" pitchFamily="49" charset="0"/>
+              </a:rPr>
+              <a:t>=</a:t>
+            </a:r>
+            <a:r>
+              <a:rPr lang="en-GB" sz="1200" dirty="0">
+                <a:solidFill>
+                  <a:prstClr val="black"/>
+                </a:solidFill>
+                <a:latin typeface="Consolas" panose="020B0609020204030204" pitchFamily="49" charset="0"/>
+              </a:rPr>
+              <a:t> @</a:t>
+            </a:r>
+            <a:r>
+              <a:rPr lang="en-GB" sz="1200" dirty="0" err="1">
+                <a:solidFill>
+                  <a:prstClr val="black"/>
+                </a:solidFill>
+                <a:latin typeface="Consolas" panose="020B0609020204030204" pitchFamily="49" charset="0"/>
+              </a:rPr>
+              <a:t>CustomerID</a:t>
+            </a:r>
+            <a:r>
+              <a:rPr lang="en-GB" sz="1200" dirty="0" smtClean="0">
+                <a:solidFill>
+                  <a:srgbClr val="808080"/>
+                </a:solidFill>
+                <a:latin typeface="Consolas" panose="020B0609020204030204" pitchFamily="49" charset="0"/>
+              </a:rPr>
+              <a:t>;</a:t>
+            </a:r>
+            <a:endParaRPr lang="en-GB" sz="1200" dirty="0">
+              <a:solidFill>
+                <a:prstClr val="black"/>
+              </a:solidFill>
+              <a:latin typeface="Consolas" panose="020B0609020204030204" pitchFamily="49" charset="0"/>
+            </a:endParaRPr>
+          </a:p>
+          <a:p>
+            <a:endParaRPr lang="en-GB" sz="1200" dirty="0">
+              <a:solidFill>
+                <a:prstClr val="black"/>
+              </a:solidFill>
+              <a:latin typeface="Consolas" panose="020B0609020204030204" pitchFamily="49" charset="0"/>
+            </a:endParaRPr>
+          </a:p>
+          <a:p>
+            <a:r>
+              <a:rPr lang="en-GB" sz="1200" dirty="0" smtClean="0">
+                <a:solidFill>
+                  <a:srgbClr val="0000FF"/>
+                </a:solidFill>
+                <a:latin typeface="Consolas" panose="020B0609020204030204" pitchFamily="49" charset="0"/>
+              </a:rPr>
+              <a:t>	IF</a:t>
+            </a:r>
+            <a:r>
+              <a:rPr lang="en-GB" sz="1200" dirty="0" smtClean="0">
+                <a:solidFill>
+                  <a:prstClr val="black"/>
+                </a:solidFill>
+                <a:latin typeface="Consolas" panose="020B0609020204030204" pitchFamily="49" charset="0"/>
+              </a:rPr>
+              <a:t> </a:t>
+            </a:r>
+            <a:r>
+              <a:rPr lang="en-GB" sz="1200" dirty="0">
+                <a:solidFill>
+                  <a:prstClr val="black"/>
+                </a:solidFill>
+                <a:latin typeface="Consolas" panose="020B0609020204030204" pitchFamily="49" charset="0"/>
+              </a:rPr>
+              <a:t>@</a:t>
+            </a:r>
+            <a:r>
+              <a:rPr lang="en-GB" sz="1200" err="1">
+                <a:solidFill>
+                  <a:prstClr val="black"/>
+                </a:solidFill>
+                <a:latin typeface="Consolas" panose="020B0609020204030204" pitchFamily="49" charset="0"/>
+              </a:rPr>
+              <a:t>NewBalance</a:t>
+            </a:r>
+            <a:r>
+              <a:rPr lang="en-GB" sz="1200">
+                <a:solidFill>
+                  <a:prstClr val="black"/>
+                </a:solidFill>
+                <a:latin typeface="Consolas" panose="020B0609020204030204" pitchFamily="49" charset="0"/>
+              </a:rPr>
+              <a:t> </a:t>
+            </a:r>
+            <a:r>
+              <a:rPr lang="en-GB" sz="1200" smtClean="0">
+                <a:solidFill>
+                  <a:srgbClr val="808080"/>
+                </a:solidFill>
+                <a:latin typeface="Consolas" panose="020B0609020204030204" pitchFamily="49" charset="0"/>
+              </a:rPr>
+              <a:t>&gt;=</a:t>
+            </a:r>
+            <a:r>
+              <a:rPr lang="en-GB" sz="1200" smtClean="0">
+                <a:solidFill>
+                  <a:prstClr val="black"/>
+                </a:solidFill>
+                <a:latin typeface="Consolas" panose="020B0609020204030204" pitchFamily="49" charset="0"/>
+              </a:rPr>
+              <a:t> </a:t>
+            </a:r>
+            <a:r>
+              <a:rPr lang="en-GB" sz="1200" dirty="0">
+                <a:solidFill>
+                  <a:prstClr val="black"/>
+                </a:solidFill>
+                <a:latin typeface="Consolas" panose="020B0609020204030204" pitchFamily="49" charset="0"/>
+              </a:rPr>
+              <a:t>0</a:t>
+            </a:r>
+          </a:p>
+          <a:p>
+            <a:r>
+              <a:rPr lang="en-GB" sz="1200" dirty="0" smtClean="0">
+                <a:solidFill>
+                  <a:srgbClr val="0000FF"/>
+                </a:solidFill>
+                <a:latin typeface="Consolas" panose="020B0609020204030204" pitchFamily="49" charset="0"/>
+              </a:rPr>
+              <a:t>	BEGIN</a:t>
+            </a:r>
+            <a:endParaRPr lang="en-GB" sz="1200" dirty="0">
+              <a:solidFill>
+                <a:prstClr val="black"/>
+              </a:solidFill>
+              <a:latin typeface="Consolas" panose="020B0609020204030204" pitchFamily="49" charset="0"/>
+            </a:endParaRPr>
+          </a:p>
+          <a:p>
+            <a:r>
+              <a:rPr lang="en-GB" sz="1200" dirty="0" smtClean="0">
+                <a:solidFill>
+                  <a:srgbClr val="FF00FF"/>
+                </a:solidFill>
+                <a:latin typeface="Consolas" panose="020B0609020204030204" pitchFamily="49" charset="0"/>
+              </a:rPr>
+              <a:t>		UPDATE</a:t>
+            </a:r>
+            <a:r>
+              <a:rPr lang="en-GB" sz="1200" dirty="0" smtClean="0">
+                <a:solidFill>
+                  <a:prstClr val="black"/>
+                </a:solidFill>
+                <a:latin typeface="Consolas" panose="020B0609020204030204" pitchFamily="49" charset="0"/>
+              </a:rPr>
+              <a:t> </a:t>
+            </a:r>
+            <a:r>
+              <a:rPr lang="en-GB" sz="1200" dirty="0" err="1">
+                <a:solidFill>
+                  <a:prstClr val="black"/>
+                </a:solidFill>
+                <a:latin typeface="Consolas" panose="020B0609020204030204" pitchFamily="49" charset="0"/>
+              </a:rPr>
+              <a:t>CustomerBalance</a:t>
+            </a:r>
+            <a:endParaRPr lang="en-GB" sz="1200" dirty="0">
+              <a:solidFill>
+                <a:prstClr val="black"/>
+              </a:solidFill>
+              <a:latin typeface="Consolas" panose="020B0609020204030204" pitchFamily="49" charset="0"/>
+            </a:endParaRPr>
+          </a:p>
+          <a:p>
+            <a:r>
+              <a:rPr lang="en-GB" sz="1200" dirty="0" smtClean="0">
+                <a:solidFill>
+                  <a:srgbClr val="0000FF"/>
+                </a:solidFill>
+                <a:latin typeface="Consolas" panose="020B0609020204030204" pitchFamily="49" charset="0"/>
+              </a:rPr>
+              <a:t>		SET</a:t>
+            </a:r>
+            <a:r>
+              <a:rPr lang="en-GB" sz="1200" dirty="0" smtClean="0">
+                <a:solidFill>
+                  <a:prstClr val="black"/>
+                </a:solidFill>
+                <a:latin typeface="Consolas" panose="020B0609020204030204" pitchFamily="49" charset="0"/>
+              </a:rPr>
+              <a:t> </a:t>
+            </a:r>
+            <a:r>
+              <a:rPr lang="en-GB" sz="1200" dirty="0">
+                <a:solidFill>
+                  <a:prstClr val="black"/>
+                </a:solidFill>
+                <a:latin typeface="Consolas" panose="020B0609020204030204" pitchFamily="49" charset="0"/>
+              </a:rPr>
+              <a:t>Balance </a:t>
+            </a:r>
+            <a:r>
+              <a:rPr lang="en-GB" sz="1200" dirty="0" smtClean="0">
+                <a:solidFill>
+                  <a:srgbClr val="808080"/>
+                </a:solidFill>
+                <a:latin typeface="Consolas" panose="020B0609020204030204" pitchFamily="49" charset="0"/>
+              </a:rPr>
+              <a:t>=</a:t>
+            </a:r>
+            <a:r>
+              <a:rPr lang="en-GB" sz="1200" dirty="0">
+                <a:solidFill>
+                  <a:prstClr val="black"/>
+                </a:solidFill>
+                <a:latin typeface="Consolas" panose="020B0609020204030204" pitchFamily="49" charset="0"/>
+              </a:rPr>
+              <a:t> @</a:t>
+            </a:r>
+            <a:r>
+              <a:rPr lang="en-GB" sz="1200" dirty="0" err="1">
+                <a:solidFill>
+                  <a:prstClr val="black"/>
+                </a:solidFill>
+                <a:latin typeface="Consolas" panose="020B0609020204030204" pitchFamily="49" charset="0"/>
+              </a:rPr>
+              <a:t>NewBalance</a:t>
+            </a:r>
+            <a:endParaRPr lang="en-GB" sz="1200" dirty="0">
+              <a:solidFill>
+                <a:prstClr val="black"/>
+              </a:solidFill>
+              <a:latin typeface="Consolas" panose="020B0609020204030204" pitchFamily="49" charset="0"/>
+            </a:endParaRPr>
+          </a:p>
+          <a:p>
+            <a:r>
+              <a:rPr lang="en-GB" sz="1200" dirty="0" smtClean="0">
+                <a:solidFill>
+                  <a:srgbClr val="0000FF"/>
+                </a:solidFill>
+                <a:latin typeface="Consolas" panose="020B0609020204030204" pitchFamily="49" charset="0"/>
+              </a:rPr>
+              <a:t>		WHERE</a:t>
+            </a:r>
+            <a:r>
+              <a:rPr lang="en-GB" sz="1200" dirty="0" smtClean="0">
+                <a:solidFill>
+                  <a:prstClr val="black"/>
+                </a:solidFill>
+                <a:latin typeface="Consolas" panose="020B0609020204030204" pitchFamily="49" charset="0"/>
+              </a:rPr>
+              <a:t> </a:t>
+            </a:r>
+            <a:r>
+              <a:rPr lang="en-GB" sz="1200" dirty="0" err="1">
+                <a:solidFill>
+                  <a:prstClr val="black"/>
+                </a:solidFill>
+                <a:latin typeface="Consolas" panose="020B0609020204030204" pitchFamily="49" charset="0"/>
+              </a:rPr>
+              <a:t>CustomerID</a:t>
+            </a:r>
+            <a:r>
+              <a:rPr lang="en-GB" sz="1200" dirty="0">
+                <a:solidFill>
+                  <a:prstClr val="black"/>
+                </a:solidFill>
+                <a:latin typeface="Consolas" panose="020B0609020204030204" pitchFamily="49" charset="0"/>
+              </a:rPr>
+              <a:t> </a:t>
+            </a:r>
+            <a:r>
+              <a:rPr lang="en-GB" sz="1200" dirty="0" smtClean="0">
+                <a:solidFill>
+                  <a:srgbClr val="808080"/>
+                </a:solidFill>
+                <a:latin typeface="Consolas" panose="020B0609020204030204" pitchFamily="49" charset="0"/>
+              </a:rPr>
+              <a:t>=</a:t>
+            </a:r>
+            <a:r>
+              <a:rPr lang="en-GB" sz="1200" dirty="0">
+                <a:solidFill>
+                  <a:prstClr val="black"/>
+                </a:solidFill>
+                <a:latin typeface="Consolas" panose="020B0609020204030204" pitchFamily="49" charset="0"/>
+              </a:rPr>
+              <a:t> @</a:t>
+            </a:r>
+            <a:r>
+              <a:rPr lang="en-GB" sz="1200" dirty="0" err="1">
+                <a:solidFill>
+                  <a:prstClr val="black"/>
+                </a:solidFill>
+                <a:latin typeface="Consolas" panose="020B0609020204030204" pitchFamily="49" charset="0"/>
+              </a:rPr>
+              <a:t>CustomerID</a:t>
+            </a:r>
+            <a:r>
+              <a:rPr lang="en-GB" sz="1200" dirty="0" smtClean="0">
+                <a:solidFill>
+                  <a:srgbClr val="808080"/>
+                </a:solidFill>
+                <a:latin typeface="Consolas" panose="020B0609020204030204" pitchFamily="49" charset="0"/>
+              </a:rPr>
+              <a:t>;</a:t>
+            </a:r>
+            <a:endParaRPr lang="en-GB" sz="1200" dirty="0">
+              <a:solidFill>
+                <a:prstClr val="black"/>
+              </a:solidFill>
+              <a:latin typeface="Consolas" panose="020B0609020204030204" pitchFamily="49" charset="0"/>
+            </a:endParaRPr>
+          </a:p>
+          <a:p>
+            <a:r>
+              <a:rPr lang="en-GB" sz="1200" dirty="0" smtClean="0">
+                <a:solidFill>
+                  <a:srgbClr val="0000FF"/>
+                </a:solidFill>
+                <a:latin typeface="Consolas" panose="020B0609020204030204" pitchFamily="49" charset="0"/>
+              </a:rPr>
+              <a:t>	END</a:t>
+            </a:r>
+            <a:endParaRPr lang="en-GB" sz="1200" dirty="0">
+              <a:solidFill>
+                <a:prstClr val="black"/>
+              </a:solidFill>
+              <a:latin typeface="Consolas" panose="020B0609020204030204" pitchFamily="49" charset="0"/>
+            </a:endParaRPr>
+          </a:p>
+          <a:p>
+            <a:r>
+              <a:rPr lang="en-GB" sz="1200" dirty="0" smtClean="0">
+                <a:solidFill>
+                  <a:srgbClr val="0000FF"/>
+                </a:solidFill>
+                <a:latin typeface="Consolas" panose="020B0609020204030204" pitchFamily="49" charset="0"/>
+              </a:rPr>
+              <a:t>	ELSE</a:t>
+            </a:r>
+            <a:endParaRPr lang="en-GB" sz="1200" dirty="0">
+              <a:solidFill>
+                <a:prstClr val="black"/>
+              </a:solidFill>
+              <a:latin typeface="Consolas" panose="020B0609020204030204" pitchFamily="49" charset="0"/>
+            </a:endParaRPr>
+          </a:p>
+          <a:p>
+            <a:r>
+              <a:rPr lang="en-GB" sz="1200" dirty="0" smtClean="0">
+                <a:solidFill>
+                  <a:srgbClr val="0000FF"/>
+                </a:solidFill>
+                <a:latin typeface="Consolas" panose="020B0609020204030204" pitchFamily="49" charset="0"/>
+              </a:rPr>
+              <a:t>		RAISERROR</a:t>
+            </a:r>
+            <a:r>
+              <a:rPr lang="en-GB" sz="1200" dirty="0" smtClean="0">
+                <a:solidFill>
+                  <a:srgbClr val="808080"/>
+                </a:solidFill>
+                <a:latin typeface="Consolas" panose="020B0609020204030204" pitchFamily="49" charset="0"/>
+              </a:rPr>
+              <a:t>(</a:t>
+            </a:r>
+            <a:r>
+              <a:rPr lang="en-GB" sz="1200" dirty="0" smtClean="0">
+                <a:solidFill>
+                  <a:srgbClr val="FF0000"/>
+                </a:solidFill>
+                <a:latin typeface="Consolas" panose="020B0609020204030204" pitchFamily="49" charset="0"/>
+              </a:rPr>
+              <a:t>'Not enough funds'</a:t>
+            </a:r>
+            <a:r>
+              <a:rPr lang="en-GB" sz="1200" dirty="0" smtClean="0">
+                <a:solidFill>
+                  <a:srgbClr val="808080"/>
+                </a:solidFill>
+                <a:latin typeface="Consolas" panose="020B0609020204030204" pitchFamily="49" charset="0"/>
+              </a:rPr>
+              <a:t>,</a:t>
+            </a:r>
+            <a:r>
+              <a:rPr lang="en-GB" sz="1200" dirty="0">
+                <a:solidFill>
+                  <a:prstClr val="black"/>
+                </a:solidFill>
+                <a:latin typeface="Consolas" panose="020B0609020204030204" pitchFamily="49" charset="0"/>
+              </a:rPr>
+              <a:t>16</a:t>
+            </a:r>
+            <a:r>
+              <a:rPr lang="en-GB" sz="1200" dirty="0" smtClean="0">
+                <a:solidFill>
+                  <a:srgbClr val="808080"/>
+                </a:solidFill>
+                <a:latin typeface="Consolas" panose="020B0609020204030204" pitchFamily="49" charset="0"/>
+              </a:rPr>
+              <a:t>,</a:t>
+            </a:r>
+            <a:r>
+              <a:rPr lang="en-GB" sz="1200" dirty="0">
+                <a:solidFill>
+                  <a:prstClr val="black"/>
+                </a:solidFill>
+                <a:latin typeface="Consolas" panose="020B0609020204030204" pitchFamily="49" charset="0"/>
+              </a:rPr>
+              <a:t>1</a:t>
+            </a:r>
+            <a:r>
+              <a:rPr lang="en-GB" sz="1200" dirty="0" smtClean="0">
+                <a:solidFill>
+                  <a:srgbClr val="808080"/>
+                </a:solidFill>
+                <a:latin typeface="Consolas" panose="020B0609020204030204" pitchFamily="49" charset="0"/>
+              </a:rPr>
+              <a:t>)</a:t>
+            </a:r>
+            <a:endParaRPr lang="en-GB" sz="1200" dirty="0">
+              <a:solidFill>
+                <a:prstClr val="black"/>
+              </a:solidFill>
+              <a:latin typeface="Consolas" panose="020B0609020204030204" pitchFamily="49" charset="0"/>
+            </a:endParaRPr>
+          </a:p>
+          <a:p>
+            <a:r>
+              <a:rPr lang="en-GB" sz="1200" dirty="0" smtClean="0">
+                <a:solidFill>
+                  <a:srgbClr val="0000FF"/>
+                </a:solidFill>
+                <a:latin typeface="Consolas" panose="020B0609020204030204" pitchFamily="49" charset="0"/>
+              </a:rPr>
+              <a:t>COMMIT</a:t>
+            </a:r>
+            <a:r>
+              <a:rPr lang="en-GB" sz="1200" dirty="0">
+                <a:solidFill>
+                  <a:prstClr val="black"/>
+                </a:solidFill>
+                <a:latin typeface="Consolas" panose="020B0609020204030204" pitchFamily="49" charset="0"/>
+              </a:rPr>
+              <a:t> </a:t>
+            </a:r>
+            <a:r>
+              <a:rPr lang="en-GB" sz="1200" dirty="0" smtClean="0">
+                <a:solidFill>
+                  <a:srgbClr val="0000FF"/>
+                </a:solidFill>
+                <a:latin typeface="Consolas" panose="020B0609020204030204" pitchFamily="49" charset="0"/>
+              </a:rPr>
+              <a:t>TRANSACTION</a:t>
+            </a:r>
+            <a:endParaRPr lang="en-GB" sz="1200" dirty="0">
+              <a:solidFill>
+                <a:prstClr val="black"/>
+              </a:solidFill>
+              <a:latin typeface="Consolas" panose="020B0609020204030204" pitchFamily="49" charset="0"/>
+            </a:endParaRPr>
+          </a:p>
+          <a:p>
+            <a:r>
+              <a:rPr lang="en-GB" sz="1200" dirty="0" smtClean="0">
+                <a:solidFill>
+                  <a:srgbClr val="0000FF"/>
+                </a:solidFill>
+                <a:latin typeface="Consolas" panose="020B0609020204030204" pitchFamily="49" charset="0"/>
+              </a:rPr>
+              <a:t>GO</a:t>
+            </a:r>
+          </a:p>
+          <a:p>
+            <a:endParaRPr lang="en-GB" sz="1000" dirty="0"/>
+          </a:p>
+        </p:txBody>
+      </p:sp>
+      <p:sp>
+        <p:nvSpPr>
+          <p:cNvPr id="8" name="Content Placeholder 8"/>
+          <p:cNvSpPr>
+            <a:spLocks noGrp="1"/>
+          </p:cNvSpPr>
+          <p:nvPr>
+            <p:ph sz="quarter" idx="4294967295"/>
+          </p:nvPr>
+        </p:nvSpPr>
+        <p:spPr>
+          <a:xfrm>
+            <a:off x="5765800" y="1909762"/>
+            <a:ext cx="5183188" cy="3684588"/>
+          </a:xfrm>
+          <a:prstGeom prst="rect">
+            <a:avLst/>
+          </a:prstGeom>
+        </p:spPr>
+        <p:txBody>
+          <a:bodyPr/>
+          <a:lstStyle/>
+          <a:p>
+            <a:r>
+              <a:rPr lang="en-GB" dirty="0" smtClean="0"/>
+              <a:t>Better – thread safe</a:t>
+            </a:r>
+          </a:p>
+          <a:p>
+            <a:r>
+              <a:rPr lang="en-GB" dirty="0" smtClean="0"/>
+              <a:t>Still has double read</a:t>
+            </a:r>
+          </a:p>
+          <a:p>
+            <a:r>
+              <a:rPr lang="en-GB" dirty="0" smtClean="0"/>
+              <a:t>Locks for longer</a:t>
+            </a:r>
+          </a:p>
+          <a:p>
+            <a:endParaRPr lang="en-GB" dirty="0"/>
+          </a:p>
+        </p:txBody>
+      </p:sp>
+    </p:spTree>
+    <p:extLst>
+      <p:ext uri="{BB962C8B-B14F-4D97-AF65-F5344CB8AC3E}">
+        <p14:creationId xmlns:p14="http://schemas.microsoft.com/office/powerpoint/2010/main" val="2997515416"/>
       </p:ext>
     </p:extLst>
   </p:cSld>
@@ -38413,1330 +39629,6 @@
           <a:p>
             <a:r>
               <a:rPr lang="en-GB" dirty="0" smtClean="0"/>
-              <a:t>Isolation Levels vs Good Code (2)</a:t>
-            </a:r>
-            <a:endParaRPr lang="en-GB" dirty="0"/>
-          </a:p>
-        </p:txBody>
-      </p:sp>
-      <p:sp>
-        <p:nvSpPr>
-          <p:cNvPr id="6" name="TextBox 5"/>
-          <p:cNvSpPr txBox="1"/>
-          <p:nvPr/>
-        </p:nvSpPr>
-        <p:spPr>
-          <a:xfrm>
-            <a:off x="614218" y="1852756"/>
-            <a:ext cx="4550450" cy="4308872"/>
-          </a:xfrm>
-          <a:prstGeom prst="rect">
-            <a:avLst/>
-          </a:prstGeom>
-        </p:spPr>
-        <p:style>
-          <a:lnRef idx="2">
-            <a:schemeClr val="accent2"/>
-          </a:lnRef>
-          <a:fillRef idx="1">
-            <a:schemeClr val="lt1"/>
-          </a:fillRef>
-          <a:effectRef idx="0">
-            <a:schemeClr val="accent2"/>
-          </a:effectRef>
-          <a:fontRef idx="minor">
-            <a:schemeClr val="dk1"/>
-          </a:fontRef>
-        </p:style>
-        <p:txBody>
-          <a:bodyPr wrap="square" rtlCol="0">
-            <a:spAutoFit/>
-          </a:bodyPr>
-          <a:lstStyle/>
-          <a:p>
-            <a:r>
-              <a:rPr lang="en-GB" sz="1200" dirty="0" smtClean="0">
-                <a:solidFill>
-                  <a:srgbClr val="0000FF"/>
-                </a:solidFill>
-                <a:latin typeface="Consolas" panose="020B0609020204030204" pitchFamily="49" charset="0"/>
-              </a:rPr>
-              <a:t>CREATE</a:t>
-            </a:r>
-            <a:r>
-              <a:rPr lang="en-GB" sz="1200" dirty="0">
-                <a:solidFill>
-                  <a:prstClr val="black"/>
-                </a:solidFill>
-                <a:latin typeface="Consolas" panose="020B0609020204030204" pitchFamily="49" charset="0"/>
-              </a:rPr>
-              <a:t> </a:t>
-            </a:r>
-            <a:r>
-              <a:rPr lang="en-GB" sz="1200" dirty="0" smtClean="0">
-                <a:solidFill>
-                  <a:srgbClr val="0000FF"/>
-                </a:solidFill>
-                <a:latin typeface="Consolas" panose="020B0609020204030204" pitchFamily="49" charset="0"/>
-              </a:rPr>
-              <a:t>PROC</a:t>
-            </a:r>
-            <a:r>
-              <a:rPr lang="en-GB" sz="1200" dirty="0">
-                <a:solidFill>
-                  <a:prstClr val="black"/>
-                </a:solidFill>
-                <a:latin typeface="Consolas" panose="020B0609020204030204" pitchFamily="49" charset="0"/>
-              </a:rPr>
-              <a:t> updateBalance2</a:t>
-            </a:r>
-          </a:p>
-          <a:p>
-            <a:r>
-              <a:rPr lang="en-GB" sz="1200" dirty="0" smtClean="0">
-                <a:solidFill>
-                  <a:prstClr val="black"/>
-                </a:solidFill>
-                <a:latin typeface="Consolas" panose="020B0609020204030204" pitchFamily="49" charset="0"/>
-              </a:rPr>
-              <a:t>	@</a:t>
-            </a:r>
-            <a:r>
-              <a:rPr lang="en-GB" sz="1200" dirty="0" err="1" smtClean="0">
-                <a:solidFill>
-                  <a:prstClr val="black"/>
-                </a:solidFill>
-                <a:latin typeface="Consolas" panose="020B0609020204030204" pitchFamily="49" charset="0"/>
-              </a:rPr>
-              <a:t>CustomerID</a:t>
-            </a:r>
-            <a:r>
-              <a:rPr lang="en-GB" sz="1200" dirty="0" smtClean="0">
-                <a:solidFill>
-                  <a:prstClr val="black"/>
-                </a:solidFill>
-                <a:latin typeface="Consolas" panose="020B0609020204030204" pitchFamily="49" charset="0"/>
-              </a:rPr>
-              <a:t> </a:t>
-            </a:r>
-            <a:r>
-              <a:rPr lang="en-GB" sz="1200" dirty="0" smtClean="0">
-                <a:solidFill>
-                  <a:srgbClr val="0000FF"/>
-                </a:solidFill>
-                <a:latin typeface="Consolas" panose="020B0609020204030204" pitchFamily="49" charset="0"/>
-              </a:rPr>
-              <a:t>INT</a:t>
-            </a:r>
-            <a:r>
-              <a:rPr lang="en-GB" sz="1200" dirty="0" smtClean="0">
-                <a:solidFill>
-                  <a:srgbClr val="808080"/>
-                </a:solidFill>
-                <a:latin typeface="Consolas" panose="020B0609020204030204" pitchFamily="49" charset="0"/>
-              </a:rPr>
-              <a:t>,</a:t>
-            </a:r>
-            <a:r>
-              <a:rPr lang="en-GB" sz="1200" dirty="0">
-                <a:solidFill>
-                  <a:prstClr val="black"/>
-                </a:solidFill>
-                <a:latin typeface="Consolas" panose="020B0609020204030204" pitchFamily="49" charset="0"/>
-              </a:rPr>
-              <a:t> @Debit </a:t>
-            </a:r>
-            <a:r>
-              <a:rPr lang="en-GB" sz="1200" dirty="0" smtClean="0">
-                <a:solidFill>
-                  <a:srgbClr val="0000FF"/>
-                </a:solidFill>
-                <a:latin typeface="Consolas" panose="020B0609020204030204" pitchFamily="49" charset="0"/>
-              </a:rPr>
-              <a:t>MONEY</a:t>
-            </a:r>
-            <a:r>
-              <a:rPr lang="en-GB" sz="1200" dirty="0" smtClean="0">
-                <a:solidFill>
-                  <a:srgbClr val="808080"/>
-                </a:solidFill>
-                <a:latin typeface="Consolas" panose="020B0609020204030204" pitchFamily="49" charset="0"/>
-              </a:rPr>
-              <a:t>,</a:t>
-            </a:r>
-            <a:r>
-              <a:rPr lang="en-GB" sz="1200" dirty="0">
-                <a:solidFill>
-                  <a:prstClr val="black"/>
-                </a:solidFill>
-                <a:latin typeface="Consolas" panose="020B0609020204030204" pitchFamily="49" charset="0"/>
-              </a:rPr>
-              <a:t> </a:t>
-            </a:r>
-            <a:endParaRPr lang="en-GB" sz="1200" dirty="0" smtClean="0">
-              <a:solidFill>
-                <a:prstClr val="black"/>
-              </a:solidFill>
-              <a:latin typeface="Consolas" panose="020B0609020204030204" pitchFamily="49" charset="0"/>
-            </a:endParaRPr>
-          </a:p>
-          <a:p>
-            <a:r>
-              <a:rPr lang="en-GB" sz="1200" dirty="0">
-                <a:solidFill>
-                  <a:prstClr val="black"/>
-                </a:solidFill>
-                <a:latin typeface="Consolas" panose="020B0609020204030204" pitchFamily="49" charset="0"/>
-              </a:rPr>
-              <a:t>	</a:t>
-            </a:r>
-            <a:r>
-              <a:rPr lang="en-GB" sz="1200" dirty="0" smtClean="0">
-                <a:solidFill>
-                  <a:prstClr val="black"/>
-                </a:solidFill>
-                <a:latin typeface="Consolas" panose="020B0609020204030204" pitchFamily="49" charset="0"/>
-              </a:rPr>
-              <a:t>@</a:t>
-            </a:r>
-            <a:r>
-              <a:rPr lang="en-GB" sz="1200" dirty="0" err="1">
-                <a:solidFill>
-                  <a:prstClr val="black"/>
-                </a:solidFill>
-                <a:latin typeface="Consolas" panose="020B0609020204030204" pitchFamily="49" charset="0"/>
-              </a:rPr>
-              <a:t>NewBalance</a:t>
-            </a:r>
-            <a:r>
-              <a:rPr lang="en-GB" sz="1200" dirty="0">
-                <a:solidFill>
-                  <a:prstClr val="black"/>
-                </a:solidFill>
-                <a:latin typeface="Consolas" panose="020B0609020204030204" pitchFamily="49" charset="0"/>
-              </a:rPr>
-              <a:t> </a:t>
-            </a:r>
-            <a:r>
-              <a:rPr lang="en-GB" sz="1200" dirty="0" smtClean="0">
-                <a:solidFill>
-                  <a:srgbClr val="0000FF"/>
-                </a:solidFill>
-                <a:latin typeface="Consolas" panose="020B0609020204030204" pitchFamily="49" charset="0"/>
-              </a:rPr>
-              <a:t>MONEY</a:t>
-            </a:r>
-            <a:r>
-              <a:rPr lang="en-GB" sz="1200" dirty="0">
-                <a:solidFill>
-                  <a:prstClr val="black"/>
-                </a:solidFill>
-                <a:latin typeface="Consolas" panose="020B0609020204030204" pitchFamily="49" charset="0"/>
-              </a:rPr>
-              <a:t> </a:t>
-            </a:r>
-            <a:r>
-              <a:rPr lang="en-GB" sz="1200" dirty="0" smtClean="0">
-                <a:solidFill>
-                  <a:srgbClr val="0000FF"/>
-                </a:solidFill>
-                <a:latin typeface="Consolas" panose="020B0609020204030204" pitchFamily="49" charset="0"/>
-              </a:rPr>
-              <a:t>OUTPUT</a:t>
-            </a:r>
-            <a:endParaRPr lang="en-GB" sz="1200" dirty="0">
-              <a:solidFill>
-                <a:prstClr val="black"/>
-              </a:solidFill>
-              <a:latin typeface="Consolas" panose="020B0609020204030204" pitchFamily="49" charset="0"/>
-            </a:endParaRPr>
-          </a:p>
-          <a:p>
-            <a:r>
-              <a:rPr lang="en-GB" sz="1200" dirty="0" smtClean="0">
-                <a:solidFill>
-                  <a:srgbClr val="0000FF"/>
-                </a:solidFill>
-                <a:latin typeface="Consolas" panose="020B0609020204030204" pitchFamily="49" charset="0"/>
-              </a:rPr>
-              <a:t>AS</a:t>
-            </a:r>
-            <a:endParaRPr lang="en-GB" sz="1200" dirty="0">
-              <a:solidFill>
-                <a:prstClr val="black"/>
-              </a:solidFill>
-              <a:latin typeface="Consolas" panose="020B0609020204030204" pitchFamily="49" charset="0"/>
-            </a:endParaRPr>
-          </a:p>
-          <a:p>
-            <a:endParaRPr lang="en-GB" sz="1200" dirty="0">
-              <a:solidFill>
-                <a:prstClr val="black"/>
-              </a:solidFill>
-              <a:latin typeface="Consolas" panose="020B0609020204030204" pitchFamily="49" charset="0"/>
-            </a:endParaRPr>
-          </a:p>
-          <a:p>
-            <a:r>
-              <a:rPr lang="en-GB" sz="1200" dirty="0" smtClean="0">
-                <a:solidFill>
-                  <a:srgbClr val="0000FF"/>
-                </a:solidFill>
-                <a:latin typeface="Consolas" panose="020B0609020204030204" pitchFamily="49" charset="0"/>
-              </a:rPr>
-              <a:t>SET</a:t>
-            </a:r>
-            <a:r>
-              <a:rPr lang="en-GB" sz="1200" dirty="0">
-                <a:solidFill>
-                  <a:prstClr val="black"/>
-                </a:solidFill>
-                <a:latin typeface="Consolas" panose="020B0609020204030204" pitchFamily="49" charset="0"/>
-              </a:rPr>
-              <a:t> </a:t>
-            </a:r>
-            <a:r>
-              <a:rPr lang="en-GB" sz="1200" dirty="0" smtClean="0">
-                <a:solidFill>
-                  <a:srgbClr val="0000FF"/>
-                </a:solidFill>
-                <a:latin typeface="Consolas" panose="020B0609020204030204" pitchFamily="49" charset="0"/>
-              </a:rPr>
-              <a:t>TRANSACTION</a:t>
-            </a:r>
-            <a:r>
-              <a:rPr lang="en-GB" sz="1200" dirty="0">
-                <a:solidFill>
-                  <a:prstClr val="black"/>
-                </a:solidFill>
-                <a:latin typeface="Consolas" panose="020B0609020204030204" pitchFamily="49" charset="0"/>
-              </a:rPr>
-              <a:t> </a:t>
-            </a:r>
-            <a:r>
-              <a:rPr lang="en-GB" sz="1200" dirty="0" smtClean="0">
-                <a:solidFill>
-                  <a:srgbClr val="0000FF"/>
-                </a:solidFill>
-                <a:latin typeface="Consolas" panose="020B0609020204030204" pitchFamily="49" charset="0"/>
-              </a:rPr>
-              <a:t>ISOLATION</a:t>
-            </a:r>
-            <a:r>
-              <a:rPr lang="en-GB" sz="1200" dirty="0">
-                <a:solidFill>
-                  <a:prstClr val="black"/>
-                </a:solidFill>
-                <a:latin typeface="Consolas" panose="020B0609020204030204" pitchFamily="49" charset="0"/>
-              </a:rPr>
-              <a:t> </a:t>
-            </a:r>
-            <a:r>
-              <a:rPr lang="en-GB" sz="1200" dirty="0" smtClean="0">
-                <a:solidFill>
-                  <a:srgbClr val="0000FF"/>
-                </a:solidFill>
-                <a:latin typeface="Consolas" panose="020B0609020204030204" pitchFamily="49" charset="0"/>
-              </a:rPr>
-              <a:t>LEVEL</a:t>
-            </a:r>
-            <a:r>
-              <a:rPr lang="en-GB" sz="1200" dirty="0">
-                <a:solidFill>
-                  <a:prstClr val="black"/>
-                </a:solidFill>
-                <a:latin typeface="Consolas" panose="020B0609020204030204" pitchFamily="49" charset="0"/>
-              </a:rPr>
-              <a:t> </a:t>
-            </a:r>
-            <a:r>
-              <a:rPr lang="en-GB" sz="1200" dirty="0" smtClean="0">
-                <a:solidFill>
-                  <a:srgbClr val="0000FF"/>
-                </a:solidFill>
-                <a:latin typeface="Consolas" panose="020B0609020204030204" pitchFamily="49" charset="0"/>
-              </a:rPr>
-              <a:t>REPEATABLE</a:t>
-            </a:r>
-            <a:r>
-              <a:rPr lang="en-GB" sz="1200" dirty="0">
-                <a:solidFill>
-                  <a:prstClr val="black"/>
-                </a:solidFill>
-                <a:latin typeface="Consolas" panose="020B0609020204030204" pitchFamily="49" charset="0"/>
-              </a:rPr>
-              <a:t> </a:t>
-            </a:r>
-            <a:r>
-              <a:rPr lang="en-GB" sz="1200" dirty="0" smtClean="0">
-                <a:solidFill>
-                  <a:srgbClr val="0000FF"/>
-                </a:solidFill>
-                <a:latin typeface="Consolas" panose="020B0609020204030204" pitchFamily="49" charset="0"/>
-              </a:rPr>
-              <a:t>READ</a:t>
-            </a:r>
-            <a:endParaRPr lang="en-GB" sz="1200" dirty="0">
-              <a:solidFill>
-                <a:prstClr val="black"/>
-              </a:solidFill>
-              <a:latin typeface="Consolas" panose="020B0609020204030204" pitchFamily="49" charset="0"/>
-            </a:endParaRPr>
-          </a:p>
-          <a:p>
-            <a:endParaRPr lang="en-GB" sz="1200" dirty="0">
-              <a:solidFill>
-                <a:prstClr val="black"/>
-              </a:solidFill>
-              <a:latin typeface="Consolas" panose="020B0609020204030204" pitchFamily="49" charset="0"/>
-            </a:endParaRPr>
-          </a:p>
-          <a:p>
-            <a:r>
-              <a:rPr lang="en-GB" sz="1200" dirty="0" smtClean="0">
-                <a:solidFill>
-                  <a:srgbClr val="0000FF"/>
-                </a:solidFill>
-                <a:latin typeface="Consolas" panose="020B0609020204030204" pitchFamily="49" charset="0"/>
-              </a:rPr>
-              <a:t>BEGIN</a:t>
-            </a:r>
-            <a:r>
-              <a:rPr lang="en-GB" sz="1200" dirty="0">
-                <a:solidFill>
-                  <a:prstClr val="black"/>
-                </a:solidFill>
-                <a:latin typeface="Consolas" panose="020B0609020204030204" pitchFamily="49" charset="0"/>
-              </a:rPr>
-              <a:t> </a:t>
-            </a:r>
-            <a:r>
-              <a:rPr lang="en-GB" sz="1200" dirty="0" smtClean="0">
-                <a:solidFill>
-                  <a:srgbClr val="0000FF"/>
-                </a:solidFill>
-                <a:latin typeface="Consolas" panose="020B0609020204030204" pitchFamily="49" charset="0"/>
-              </a:rPr>
-              <a:t>TRANSACTION</a:t>
-            </a:r>
-            <a:endParaRPr lang="en-GB" sz="1200" dirty="0">
-              <a:solidFill>
-                <a:prstClr val="black"/>
-              </a:solidFill>
-              <a:latin typeface="Consolas" panose="020B0609020204030204" pitchFamily="49" charset="0"/>
-            </a:endParaRPr>
-          </a:p>
-          <a:p>
-            <a:r>
-              <a:rPr lang="en-GB" sz="1200" dirty="0" smtClean="0">
-                <a:solidFill>
-                  <a:srgbClr val="0000FF"/>
-                </a:solidFill>
-                <a:latin typeface="Consolas" panose="020B0609020204030204" pitchFamily="49" charset="0"/>
-              </a:rPr>
-              <a:t>	SELECT</a:t>
-            </a:r>
-            <a:r>
-              <a:rPr lang="en-GB" sz="1200" dirty="0" smtClean="0">
-                <a:solidFill>
-                  <a:prstClr val="black"/>
-                </a:solidFill>
-                <a:latin typeface="Consolas" panose="020B0609020204030204" pitchFamily="49" charset="0"/>
-              </a:rPr>
-              <a:t> </a:t>
-            </a:r>
-            <a:r>
-              <a:rPr lang="en-GB" sz="1200" dirty="0">
-                <a:solidFill>
-                  <a:prstClr val="black"/>
-                </a:solidFill>
-                <a:latin typeface="Consolas" panose="020B0609020204030204" pitchFamily="49" charset="0"/>
-              </a:rPr>
-              <a:t>@</a:t>
-            </a:r>
-            <a:r>
-              <a:rPr lang="en-GB" sz="1200" dirty="0" err="1">
-                <a:solidFill>
-                  <a:prstClr val="black"/>
-                </a:solidFill>
-                <a:latin typeface="Consolas" panose="020B0609020204030204" pitchFamily="49" charset="0"/>
-              </a:rPr>
-              <a:t>NewBalance</a:t>
-            </a:r>
-            <a:r>
-              <a:rPr lang="en-GB" sz="1200" dirty="0">
-                <a:solidFill>
-                  <a:prstClr val="black"/>
-                </a:solidFill>
-                <a:latin typeface="Consolas" panose="020B0609020204030204" pitchFamily="49" charset="0"/>
-              </a:rPr>
-              <a:t> </a:t>
-            </a:r>
-            <a:r>
-              <a:rPr lang="en-GB" sz="1200" dirty="0" smtClean="0">
-                <a:solidFill>
-                  <a:srgbClr val="808080"/>
-                </a:solidFill>
-                <a:latin typeface="Consolas" panose="020B0609020204030204" pitchFamily="49" charset="0"/>
-              </a:rPr>
-              <a:t>=</a:t>
-            </a:r>
-            <a:r>
-              <a:rPr lang="en-GB" sz="1200" dirty="0">
-                <a:solidFill>
-                  <a:prstClr val="black"/>
-                </a:solidFill>
-                <a:latin typeface="Consolas" panose="020B0609020204030204" pitchFamily="49" charset="0"/>
-              </a:rPr>
-              <a:t> Balance </a:t>
-            </a:r>
-            <a:r>
-              <a:rPr lang="en-GB" sz="1200" dirty="0" smtClean="0">
-                <a:solidFill>
-                  <a:srgbClr val="808080"/>
-                </a:solidFill>
-                <a:latin typeface="Consolas" panose="020B0609020204030204" pitchFamily="49" charset="0"/>
-              </a:rPr>
-              <a:t>-</a:t>
-            </a:r>
-            <a:r>
-              <a:rPr lang="en-GB" sz="1200" dirty="0">
-                <a:solidFill>
-                  <a:prstClr val="black"/>
-                </a:solidFill>
-                <a:latin typeface="Consolas" panose="020B0609020204030204" pitchFamily="49" charset="0"/>
-              </a:rPr>
-              <a:t> @Debit</a:t>
-            </a:r>
-          </a:p>
-          <a:p>
-            <a:r>
-              <a:rPr lang="en-GB" sz="1200" dirty="0" smtClean="0">
-                <a:solidFill>
-                  <a:srgbClr val="0000FF"/>
-                </a:solidFill>
-                <a:latin typeface="Consolas" panose="020B0609020204030204" pitchFamily="49" charset="0"/>
-              </a:rPr>
-              <a:t>	FROM</a:t>
-            </a:r>
-            <a:r>
-              <a:rPr lang="en-GB" sz="1200" dirty="0" smtClean="0">
-                <a:solidFill>
-                  <a:prstClr val="black"/>
-                </a:solidFill>
-                <a:latin typeface="Consolas" panose="020B0609020204030204" pitchFamily="49" charset="0"/>
-              </a:rPr>
-              <a:t> </a:t>
-            </a:r>
-            <a:r>
-              <a:rPr lang="en-GB" sz="1200" dirty="0" err="1">
-                <a:solidFill>
-                  <a:prstClr val="black"/>
-                </a:solidFill>
-                <a:latin typeface="Consolas" panose="020B0609020204030204" pitchFamily="49" charset="0"/>
-              </a:rPr>
-              <a:t>CustomerBalance</a:t>
-            </a:r>
-            <a:endParaRPr lang="en-GB" sz="1200" dirty="0">
-              <a:solidFill>
-                <a:prstClr val="black"/>
-              </a:solidFill>
-              <a:latin typeface="Consolas" panose="020B0609020204030204" pitchFamily="49" charset="0"/>
-            </a:endParaRPr>
-          </a:p>
-          <a:p>
-            <a:r>
-              <a:rPr lang="en-GB" sz="1200" dirty="0" smtClean="0">
-                <a:solidFill>
-                  <a:srgbClr val="0000FF"/>
-                </a:solidFill>
-                <a:latin typeface="Consolas" panose="020B0609020204030204" pitchFamily="49" charset="0"/>
-              </a:rPr>
-              <a:t>	WHERE</a:t>
-            </a:r>
-            <a:r>
-              <a:rPr lang="en-GB" sz="1200" dirty="0" smtClean="0">
-                <a:solidFill>
-                  <a:prstClr val="black"/>
-                </a:solidFill>
-                <a:latin typeface="Consolas" panose="020B0609020204030204" pitchFamily="49" charset="0"/>
-              </a:rPr>
-              <a:t> </a:t>
-            </a:r>
-            <a:r>
-              <a:rPr lang="en-GB" sz="1200" dirty="0" err="1">
-                <a:solidFill>
-                  <a:prstClr val="black"/>
-                </a:solidFill>
-                <a:latin typeface="Consolas" panose="020B0609020204030204" pitchFamily="49" charset="0"/>
-              </a:rPr>
-              <a:t>CustomerID</a:t>
-            </a:r>
-            <a:r>
-              <a:rPr lang="en-GB" sz="1200" dirty="0">
-                <a:solidFill>
-                  <a:prstClr val="black"/>
-                </a:solidFill>
-                <a:latin typeface="Consolas" panose="020B0609020204030204" pitchFamily="49" charset="0"/>
-              </a:rPr>
-              <a:t> </a:t>
-            </a:r>
-            <a:r>
-              <a:rPr lang="en-GB" sz="1200" dirty="0" smtClean="0">
-                <a:solidFill>
-                  <a:srgbClr val="808080"/>
-                </a:solidFill>
-                <a:latin typeface="Consolas" panose="020B0609020204030204" pitchFamily="49" charset="0"/>
-              </a:rPr>
-              <a:t>=</a:t>
-            </a:r>
-            <a:r>
-              <a:rPr lang="en-GB" sz="1200" dirty="0">
-                <a:solidFill>
-                  <a:prstClr val="black"/>
-                </a:solidFill>
-                <a:latin typeface="Consolas" panose="020B0609020204030204" pitchFamily="49" charset="0"/>
-              </a:rPr>
-              <a:t> @</a:t>
-            </a:r>
-            <a:r>
-              <a:rPr lang="en-GB" sz="1200" dirty="0" err="1">
-                <a:solidFill>
-                  <a:prstClr val="black"/>
-                </a:solidFill>
-                <a:latin typeface="Consolas" panose="020B0609020204030204" pitchFamily="49" charset="0"/>
-              </a:rPr>
-              <a:t>CustomerID</a:t>
-            </a:r>
-            <a:r>
-              <a:rPr lang="en-GB" sz="1200" dirty="0" smtClean="0">
-                <a:solidFill>
-                  <a:srgbClr val="808080"/>
-                </a:solidFill>
-                <a:latin typeface="Consolas" panose="020B0609020204030204" pitchFamily="49" charset="0"/>
-              </a:rPr>
-              <a:t>;</a:t>
-            </a:r>
-            <a:endParaRPr lang="en-GB" sz="1200" dirty="0">
-              <a:solidFill>
-                <a:prstClr val="black"/>
-              </a:solidFill>
-              <a:latin typeface="Consolas" panose="020B0609020204030204" pitchFamily="49" charset="0"/>
-            </a:endParaRPr>
-          </a:p>
-          <a:p>
-            <a:endParaRPr lang="en-GB" sz="1200" dirty="0">
-              <a:solidFill>
-                <a:prstClr val="black"/>
-              </a:solidFill>
-              <a:latin typeface="Consolas" panose="020B0609020204030204" pitchFamily="49" charset="0"/>
-            </a:endParaRPr>
-          </a:p>
-          <a:p>
-            <a:r>
-              <a:rPr lang="en-GB" sz="1200" dirty="0" smtClean="0">
-                <a:solidFill>
-                  <a:srgbClr val="0000FF"/>
-                </a:solidFill>
-                <a:latin typeface="Consolas" panose="020B0609020204030204" pitchFamily="49" charset="0"/>
-              </a:rPr>
-              <a:t>	IF</a:t>
-            </a:r>
-            <a:r>
-              <a:rPr lang="en-GB" sz="1200" dirty="0" smtClean="0">
-                <a:solidFill>
-                  <a:prstClr val="black"/>
-                </a:solidFill>
-                <a:latin typeface="Consolas" panose="020B0609020204030204" pitchFamily="49" charset="0"/>
-              </a:rPr>
-              <a:t> </a:t>
-            </a:r>
-            <a:r>
-              <a:rPr lang="en-GB" sz="1200" dirty="0">
-                <a:solidFill>
-                  <a:prstClr val="black"/>
-                </a:solidFill>
-                <a:latin typeface="Consolas" panose="020B0609020204030204" pitchFamily="49" charset="0"/>
-              </a:rPr>
-              <a:t>@</a:t>
-            </a:r>
-            <a:r>
-              <a:rPr lang="en-GB" sz="1200" err="1">
-                <a:solidFill>
-                  <a:prstClr val="black"/>
-                </a:solidFill>
-                <a:latin typeface="Consolas" panose="020B0609020204030204" pitchFamily="49" charset="0"/>
-              </a:rPr>
-              <a:t>NewBalance</a:t>
-            </a:r>
-            <a:r>
-              <a:rPr lang="en-GB" sz="1200">
-                <a:solidFill>
-                  <a:prstClr val="black"/>
-                </a:solidFill>
-                <a:latin typeface="Consolas" panose="020B0609020204030204" pitchFamily="49" charset="0"/>
-              </a:rPr>
-              <a:t> </a:t>
-            </a:r>
-            <a:r>
-              <a:rPr lang="en-GB" sz="1200" smtClean="0">
-                <a:solidFill>
-                  <a:srgbClr val="808080"/>
-                </a:solidFill>
-                <a:latin typeface="Consolas" panose="020B0609020204030204" pitchFamily="49" charset="0"/>
-              </a:rPr>
-              <a:t>&gt;=</a:t>
-            </a:r>
-            <a:r>
-              <a:rPr lang="en-GB" sz="1200" smtClean="0">
-                <a:solidFill>
-                  <a:prstClr val="black"/>
-                </a:solidFill>
-                <a:latin typeface="Consolas" panose="020B0609020204030204" pitchFamily="49" charset="0"/>
-              </a:rPr>
-              <a:t> </a:t>
-            </a:r>
-            <a:r>
-              <a:rPr lang="en-GB" sz="1200" dirty="0">
-                <a:solidFill>
-                  <a:prstClr val="black"/>
-                </a:solidFill>
-                <a:latin typeface="Consolas" panose="020B0609020204030204" pitchFamily="49" charset="0"/>
-              </a:rPr>
-              <a:t>0</a:t>
-            </a:r>
-          </a:p>
-          <a:p>
-            <a:r>
-              <a:rPr lang="en-GB" sz="1200" dirty="0" smtClean="0">
-                <a:solidFill>
-                  <a:srgbClr val="0000FF"/>
-                </a:solidFill>
-                <a:latin typeface="Consolas" panose="020B0609020204030204" pitchFamily="49" charset="0"/>
-              </a:rPr>
-              <a:t>	BEGIN</a:t>
-            </a:r>
-            <a:endParaRPr lang="en-GB" sz="1200" dirty="0">
-              <a:solidFill>
-                <a:prstClr val="black"/>
-              </a:solidFill>
-              <a:latin typeface="Consolas" panose="020B0609020204030204" pitchFamily="49" charset="0"/>
-            </a:endParaRPr>
-          </a:p>
-          <a:p>
-            <a:r>
-              <a:rPr lang="en-GB" sz="1200" dirty="0" smtClean="0">
-                <a:solidFill>
-                  <a:srgbClr val="FF00FF"/>
-                </a:solidFill>
-                <a:latin typeface="Consolas" panose="020B0609020204030204" pitchFamily="49" charset="0"/>
-              </a:rPr>
-              <a:t>		UPDATE</a:t>
-            </a:r>
-            <a:r>
-              <a:rPr lang="en-GB" sz="1200" dirty="0" smtClean="0">
-                <a:solidFill>
-                  <a:prstClr val="black"/>
-                </a:solidFill>
-                <a:latin typeface="Consolas" panose="020B0609020204030204" pitchFamily="49" charset="0"/>
-              </a:rPr>
-              <a:t> </a:t>
-            </a:r>
-            <a:r>
-              <a:rPr lang="en-GB" sz="1200" dirty="0" err="1">
-                <a:solidFill>
-                  <a:prstClr val="black"/>
-                </a:solidFill>
-                <a:latin typeface="Consolas" panose="020B0609020204030204" pitchFamily="49" charset="0"/>
-              </a:rPr>
-              <a:t>CustomerBalance</a:t>
-            </a:r>
-            <a:endParaRPr lang="en-GB" sz="1200" dirty="0">
-              <a:solidFill>
-                <a:prstClr val="black"/>
-              </a:solidFill>
-              <a:latin typeface="Consolas" panose="020B0609020204030204" pitchFamily="49" charset="0"/>
-            </a:endParaRPr>
-          </a:p>
-          <a:p>
-            <a:r>
-              <a:rPr lang="en-GB" sz="1200" dirty="0" smtClean="0">
-                <a:solidFill>
-                  <a:srgbClr val="0000FF"/>
-                </a:solidFill>
-                <a:latin typeface="Consolas" panose="020B0609020204030204" pitchFamily="49" charset="0"/>
-              </a:rPr>
-              <a:t>		SET</a:t>
-            </a:r>
-            <a:r>
-              <a:rPr lang="en-GB" sz="1200" dirty="0" smtClean="0">
-                <a:solidFill>
-                  <a:prstClr val="black"/>
-                </a:solidFill>
-                <a:latin typeface="Consolas" panose="020B0609020204030204" pitchFamily="49" charset="0"/>
-              </a:rPr>
-              <a:t> </a:t>
-            </a:r>
-            <a:r>
-              <a:rPr lang="en-GB" sz="1200" dirty="0">
-                <a:solidFill>
-                  <a:prstClr val="black"/>
-                </a:solidFill>
-                <a:latin typeface="Consolas" panose="020B0609020204030204" pitchFamily="49" charset="0"/>
-              </a:rPr>
-              <a:t>Balance </a:t>
-            </a:r>
-            <a:r>
-              <a:rPr lang="en-GB" sz="1200" dirty="0" smtClean="0">
-                <a:solidFill>
-                  <a:srgbClr val="808080"/>
-                </a:solidFill>
-                <a:latin typeface="Consolas" panose="020B0609020204030204" pitchFamily="49" charset="0"/>
-              </a:rPr>
-              <a:t>=</a:t>
-            </a:r>
-            <a:r>
-              <a:rPr lang="en-GB" sz="1200" dirty="0">
-                <a:solidFill>
-                  <a:prstClr val="black"/>
-                </a:solidFill>
-                <a:latin typeface="Consolas" panose="020B0609020204030204" pitchFamily="49" charset="0"/>
-              </a:rPr>
-              <a:t> @</a:t>
-            </a:r>
-            <a:r>
-              <a:rPr lang="en-GB" sz="1200" dirty="0" err="1">
-                <a:solidFill>
-                  <a:prstClr val="black"/>
-                </a:solidFill>
-                <a:latin typeface="Consolas" panose="020B0609020204030204" pitchFamily="49" charset="0"/>
-              </a:rPr>
-              <a:t>NewBalance</a:t>
-            </a:r>
-            <a:endParaRPr lang="en-GB" sz="1200" dirty="0">
-              <a:solidFill>
-                <a:prstClr val="black"/>
-              </a:solidFill>
-              <a:latin typeface="Consolas" panose="020B0609020204030204" pitchFamily="49" charset="0"/>
-            </a:endParaRPr>
-          </a:p>
-          <a:p>
-            <a:r>
-              <a:rPr lang="en-GB" sz="1200" dirty="0" smtClean="0">
-                <a:solidFill>
-                  <a:srgbClr val="0000FF"/>
-                </a:solidFill>
-                <a:latin typeface="Consolas" panose="020B0609020204030204" pitchFamily="49" charset="0"/>
-              </a:rPr>
-              <a:t>		WHERE</a:t>
-            </a:r>
-            <a:r>
-              <a:rPr lang="en-GB" sz="1200" dirty="0" smtClean="0">
-                <a:solidFill>
-                  <a:prstClr val="black"/>
-                </a:solidFill>
-                <a:latin typeface="Consolas" panose="020B0609020204030204" pitchFamily="49" charset="0"/>
-              </a:rPr>
-              <a:t> </a:t>
-            </a:r>
-            <a:r>
-              <a:rPr lang="en-GB" sz="1200" dirty="0" err="1">
-                <a:solidFill>
-                  <a:prstClr val="black"/>
-                </a:solidFill>
-                <a:latin typeface="Consolas" panose="020B0609020204030204" pitchFamily="49" charset="0"/>
-              </a:rPr>
-              <a:t>CustomerID</a:t>
-            </a:r>
-            <a:r>
-              <a:rPr lang="en-GB" sz="1200" dirty="0">
-                <a:solidFill>
-                  <a:prstClr val="black"/>
-                </a:solidFill>
-                <a:latin typeface="Consolas" panose="020B0609020204030204" pitchFamily="49" charset="0"/>
-              </a:rPr>
-              <a:t> </a:t>
-            </a:r>
-            <a:r>
-              <a:rPr lang="en-GB" sz="1200" dirty="0" smtClean="0">
-                <a:solidFill>
-                  <a:srgbClr val="808080"/>
-                </a:solidFill>
-                <a:latin typeface="Consolas" panose="020B0609020204030204" pitchFamily="49" charset="0"/>
-              </a:rPr>
-              <a:t>=</a:t>
-            </a:r>
-            <a:r>
-              <a:rPr lang="en-GB" sz="1200" dirty="0">
-                <a:solidFill>
-                  <a:prstClr val="black"/>
-                </a:solidFill>
-                <a:latin typeface="Consolas" panose="020B0609020204030204" pitchFamily="49" charset="0"/>
-              </a:rPr>
-              <a:t> @</a:t>
-            </a:r>
-            <a:r>
-              <a:rPr lang="en-GB" sz="1200" dirty="0" err="1">
-                <a:solidFill>
-                  <a:prstClr val="black"/>
-                </a:solidFill>
-                <a:latin typeface="Consolas" panose="020B0609020204030204" pitchFamily="49" charset="0"/>
-              </a:rPr>
-              <a:t>CustomerID</a:t>
-            </a:r>
-            <a:r>
-              <a:rPr lang="en-GB" sz="1200" dirty="0" smtClean="0">
-                <a:solidFill>
-                  <a:srgbClr val="808080"/>
-                </a:solidFill>
-                <a:latin typeface="Consolas" panose="020B0609020204030204" pitchFamily="49" charset="0"/>
-              </a:rPr>
-              <a:t>;</a:t>
-            </a:r>
-            <a:endParaRPr lang="en-GB" sz="1200" dirty="0">
-              <a:solidFill>
-                <a:prstClr val="black"/>
-              </a:solidFill>
-              <a:latin typeface="Consolas" panose="020B0609020204030204" pitchFamily="49" charset="0"/>
-            </a:endParaRPr>
-          </a:p>
-          <a:p>
-            <a:r>
-              <a:rPr lang="en-GB" sz="1200" dirty="0" smtClean="0">
-                <a:solidFill>
-                  <a:srgbClr val="0000FF"/>
-                </a:solidFill>
-                <a:latin typeface="Consolas" panose="020B0609020204030204" pitchFamily="49" charset="0"/>
-              </a:rPr>
-              <a:t>	END</a:t>
-            </a:r>
-            <a:endParaRPr lang="en-GB" sz="1200" dirty="0">
-              <a:solidFill>
-                <a:prstClr val="black"/>
-              </a:solidFill>
-              <a:latin typeface="Consolas" panose="020B0609020204030204" pitchFamily="49" charset="0"/>
-            </a:endParaRPr>
-          </a:p>
-          <a:p>
-            <a:r>
-              <a:rPr lang="en-GB" sz="1200" dirty="0" smtClean="0">
-                <a:solidFill>
-                  <a:srgbClr val="0000FF"/>
-                </a:solidFill>
-                <a:latin typeface="Consolas" panose="020B0609020204030204" pitchFamily="49" charset="0"/>
-              </a:rPr>
-              <a:t>	ELSE</a:t>
-            </a:r>
-            <a:endParaRPr lang="en-GB" sz="1200" dirty="0">
-              <a:solidFill>
-                <a:prstClr val="black"/>
-              </a:solidFill>
-              <a:latin typeface="Consolas" panose="020B0609020204030204" pitchFamily="49" charset="0"/>
-            </a:endParaRPr>
-          </a:p>
-          <a:p>
-            <a:r>
-              <a:rPr lang="en-GB" sz="1200" dirty="0" smtClean="0">
-                <a:solidFill>
-                  <a:srgbClr val="0000FF"/>
-                </a:solidFill>
-                <a:latin typeface="Consolas" panose="020B0609020204030204" pitchFamily="49" charset="0"/>
-              </a:rPr>
-              <a:t>		RAISERROR</a:t>
-            </a:r>
-            <a:r>
-              <a:rPr lang="en-GB" sz="1200" dirty="0" smtClean="0">
-                <a:solidFill>
-                  <a:srgbClr val="808080"/>
-                </a:solidFill>
-                <a:latin typeface="Consolas" panose="020B0609020204030204" pitchFamily="49" charset="0"/>
-              </a:rPr>
-              <a:t>(</a:t>
-            </a:r>
-            <a:r>
-              <a:rPr lang="en-GB" sz="1200" dirty="0" smtClean="0">
-                <a:solidFill>
-                  <a:srgbClr val="FF0000"/>
-                </a:solidFill>
-                <a:latin typeface="Consolas" panose="020B0609020204030204" pitchFamily="49" charset="0"/>
-              </a:rPr>
-              <a:t>'Not enough funds'</a:t>
-            </a:r>
-            <a:r>
-              <a:rPr lang="en-GB" sz="1200" dirty="0" smtClean="0">
-                <a:solidFill>
-                  <a:srgbClr val="808080"/>
-                </a:solidFill>
-                <a:latin typeface="Consolas" panose="020B0609020204030204" pitchFamily="49" charset="0"/>
-              </a:rPr>
-              <a:t>,</a:t>
-            </a:r>
-            <a:r>
-              <a:rPr lang="en-GB" sz="1200" dirty="0">
-                <a:solidFill>
-                  <a:prstClr val="black"/>
-                </a:solidFill>
-                <a:latin typeface="Consolas" panose="020B0609020204030204" pitchFamily="49" charset="0"/>
-              </a:rPr>
-              <a:t>16</a:t>
-            </a:r>
-            <a:r>
-              <a:rPr lang="en-GB" sz="1200" dirty="0" smtClean="0">
-                <a:solidFill>
-                  <a:srgbClr val="808080"/>
-                </a:solidFill>
-                <a:latin typeface="Consolas" panose="020B0609020204030204" pitchFamily="49" charset="0"/>
-              </a:rPr>
-              <a:t>,</a:t>
-            </a:r>
-            <a:r>
-              <a:rPr lang="en-GB" sz="1200" dirty="0">
-                <a:solidFill>
-                  <a:prstClr val="black"/>
-                </a:solidFill>
-                <a:latin typeface="Consolas" panose="020B0609020204030204" pitchFamily="49" charset="0"/>
-              </a:rPr>
-              <a:t>1</a:t>
-            </a:r>
-            <a:r>
-              <a:rPr lang="en-GB" sz="1200" dirty="0" smtClean="0">
-                <a:solidFill>
-                  <a:srgbClr val="808080"/>
-                </a:solidFill>
-                <a:latin typeface="Consolas" panose="020B0609020204030204" pitchFamily="49" charset="0"/>
-              </a:rPr>
-              <a:t>)</a:t>
-            </a:r>
-            <a:endParaRPr lang="en-GB" sz="1200" dirty="0">
-              <a:solidFill>
-                <a:prstClr val="black"/>
-              </a:solidFill>
-              <a:latin typeface="Consolas" panose="020B0609020204030204" pitchFamily="49" charset="0"/>
-            </a:endParaRPr>
-          </a:p>
-          <a:p>
-            <a:r>
-              <a:rPr lang="en-GB" sz="1200" dirty="0" smtClean="0">
-                <a:solidFill>
-                  <a:srgbClr val="0000FF"/>
-                </a:solidFill>
-                <a:latin typeface="Consolas" panose="020B0609020204030204" pitchFamily="49" charset="0"/>
-              </a:rPr>
-              <a:t>COMMIT</a:t>
-            </a:r>
-            <a:r>
-              <a:rPr lang="en-GB" sz="1200" dirty="0">
-                <a:solidFill>
-                  <a:prstClr val="black"/>
-                </a:solidFill>
-                <a:latin typeface="Consolas" panose="020B0609020204030204" pitchFamily="49" charset="0"/>
-              </a:rPr>
-              <a:t> </a:t>
-            </a:r>
-            <a:r>
-              <a:rPr lang="en-GB" sz="1200" dirty="0" smtClean="0">
-                <a:solidFill>
-                  <a:srgbClr val="0000FF"/>
-                </a:solidFill>
-                <a:latin typeface="Consolas" panose="020B0609020204030204" pitchFamily="49" charset="0"/>
-              </a:rPr>
-              <a:t>TRANSACTION</a:t>
-            </a:r>
-            <a:endParaRPr lang="en-GB" sz="1200" dirty="0">
-              <a:solidFill>
-                <a:prstClr val="black"/>
-              </a:solidFill>
-              <a:latin typeface="Consolas" panose="020B0609020204030204" pitchFamily="49" charset="0"/>
-            </a:endParaRPr>
-          </a:p>
-          <a:p>
-            <a:r>
-              <a:rPr lang="en-GB" sz="1200" dirty="0" smtClean="0">
-                <a:solidFill>
-                  <a:srgbClr val="0000FF"/>
-                </a:solidFill>
-                <a:latin typeface="Consolas" panose="020B0609020204030204" pitchFamily="49" charset="0"/>
-              </a:rPr>
-              <a:t>GO</a:t>
-            </a:r>
-          </a:p>
-          <a:p>
-            <a:endParaRPr lang="en-GB" sz="1000" dirty="0"/>
-          </a:p>
-        </p:txBody>
-      </p:sp>
-      <p:sp>
-        <p:nvSpPr>
-          <p:cNvPr id="8" name="Content Placeholder 8"/>
-          <p:cNvSpPr>
-            <a:spLocks noGrp="1"/>
-          </p:cNvSpPr>
-          <p:nvPr>
-            <p:ph sz="quarter" idx="4294967295"/>
-          </p:nvPr>
-        </p:nvSpPr>
-        <p:spPr>
-          <a:xfrm>
-            <a:off x="5765800" y="1909762"/>
-            <a:ext cx="5183188" cy="3684588"/>
-          </a:xfrm>
-          <a:prstGeom prst="rect">
-            <a:avLst/>
-          </a:prstGeom>
-        </p:spPr>
-        <p:txBody>
-          <a:bodyPr/>
-          <a:lstStyle/>
-          <a:p>
-            <a:r>
-              <a:rPr lang="en-GB" dirty="0" smtClean="0"/>
-              <a:t>Better – thread safe</a:t>
-            </a:r>
-          </a:p>
-          <a:p>
-            <a:r>
-              <a:rPr lang="en-GB" dirty="0" smtClean="0"/>
-              <a:t>Still has double read</a:t>
-            </a:r>
-          </a:p>
-          <a:p>
-            <a:r>
-              <a:rPr lang="en-GB" dirty="0" smtClean="0"/>
-              <a:t>Locks for longer</a:t>
-            </a:r>
-          </a:p>
-          <a:p>
-            <a:endParaRPr lang="en-GB" dirty="0"/>
-          </a:p>
-        </p:txBody>
-      </p:sp>
-    </p:spTree>
-    <p:extLst>
-      <p:ext uri="{BB962C8B-B14F-4D97-AF65-F5344CB8AC3E}">
-        <p14:creationId xmlns:p14="http://schemas.microsoft.com/office/powerpoint/2010/main" val="2997515416"/>
-      </p:ext>
-    </p:extLst>
-  </p:cSld>
-  <p:clrMapOvr>
-    <a:masterClrMapping/>
-  </p:clrMapOvr>
-  <p:timing>
-    <p:tnLst>
-      <p:par>
-        <p:cTn id="1" dur="indefinite" restart="never" nodeType="tmRoot">
-          <p:childTnLst>
-            <p:seq concurrent="1" nextAc="seek">
-              <p:cTn id="2" dur="indefinite" nodeType="mainSeq">
-                <p:childTnLst>
-                  <p:par>
-                    <p:cTn id="3" fill="hold">
-                      <p:stCondLst>
-                        <p:cond delay="indefinite"/>
-                      </p:stCondLst>
-                      <p:childTnLst>
-                        <p:par>
-                          <p:cTn id="4" fill="hold">
-                            <p:stCondLst>
-                              <p:cond delay="0"/>
-                            </p:stCondLst>
-                            <p:childTnLst>
-                              <p:par>
-                                <p:cTn id="5" presetID="1" presetClass="entr" presetSubtype="0" fill="hold" grpId="0" nodeType="clickEffect">
-                                  <p:stCondLst>
-                                    <p:cond delay="0"/>
-                                  </p:stCondLst>
-                                  <p:childTnLst>
-                                    <p:set>
-                                      <p:cBhvr>
-                                        <p:cTn id="6" dur="1" fill="hold">
-                                          <p:stCondLst>
-                                            <p:cond delay="0"/>
-                                          </p:stCondLst>
-                                        </p:cTn>
-                                        <p:tgtEl>
-                                          <p:spTgt spid="8">
-                                            <p:txEl>
-                                              <p:pRg st="0" end="0"/>
-                                            </p:txEl>
-                                          </p:spTgt>
-                                        </p:tgtEl>
-                                        <p:attrNameLst>
-                                          <p:attrName>style.visibility</p:attrName>
-                                        </p:attrNameLst>
-                                      </p:cBhvr>
-                                      <p:to>
-                                        <p:strVal val="visible"/>
-                                      </p:to>
-                                    </p:set>
-                                  </p:childTnLst>
-                                </p:cTn>
-                              </p:par>
-                            </p:childTnLst>
-                          </p:cTn>
-                        </p:par>
-                      </p:childTnLst>
-                    </p:cTn>
-                  </p:par>
-                  <p:par>
-                    <p:cTn id="7" fill="hold">
-                      <p:stCondLst>
-                        <p:cond delay="indefinite"/>
-                      </p:stCondLst>
-                      <p:childTnLst>
-                        <p:par>
-                          <p:cTn id="8" fill="hold">
-                            <p:stCondLst>
-                              <p:cond delay="0"/>
-                            </p:stCondLst>
-                            <p:childTnLst>
-                              <p:par>
-                                <p:cTn id="9" presetID="1" presetClass="entr" presetSubtype="0" fill="hold" grpId="0" nodeType="clickEffect">
-                                  <p:stCondLst>
-                                    <p:cond delay="0"/>
-                                  </p:stCondLst>
-                                  <p:childTnLst>
-                                    <p:set>
-                                      <p:cBhvr>
-                                        <p:cTn id="10" dur="1" fill="hold">
-                                          <p:stCondLst>
-                                            <p:cond delay="0"/>
-                                          </p:stCondLst>
-                                        </p:cTn>
-                                        <p:tgtEl>
-                                          <p:spTgt spid="8">
-                                            <p:txEl>
-                                              <p:pRg st="1" end="1"/>
-                                            </p:txEl>
-                                          </p:spTgt>
-                                        </p:tgtEl>
-                                        <p:attrNameLst>
-                                          <p:attrName>style.visibility</p:attrName>
-                                        </p:attrNameLst>
-                                      </p:cBhvr>
-                                      <p:to>
-                                        <p:strVal val="visible"/>
-                                      </p:to>
-                                    </p:set>
-                                  </p:childTnLst>
-                                </p:cTn>
-                              </p:par>
-                            </p:childTnLst>
-                          </p:cTn>
-                        </p:par>
-                      </p:childTnLst>
-                    </p:cTn>
-                  </p:par>
-                  <p:par>
-                    <p:cTn id="11" fill="hold">
-                      <p:stCondLst>
-                        <p:cond delay="indefinite"/>
-                      </p:stCondLst>
-                      <p:childTnLst>
-                        <p:par>
-                          <p:cTn id="12" fill="hold">
-                            <p:stCondLst>
-                              <p:cond delay="0"/>
-                            </p:stCondLst>
-                            <p:childTnLst>
-                              <p:par>
-                                <p:cTn id="13" presetID="1" presetClass="entr" presetSubtype="0" fill="hold" grpId="0" nodeType="clickEffect">
-                                  <p:stCondLst>
-                                    <p:cond delay="0"/>
-                                  </p:stCondLst>
-                                  <p:childTnLst>
-                                    <p:set>
-                                      <p:cBhvr>
-                                        <p:cTn id="14" dur="1" fill="hold">
-                                          <p:stCondLst>
-                                            <p:cond delay="0"/>
-                                          </p:stCondLst>
-                                        </p:cTn>
-                                        <p:tgtEl>
-                                          <p:spTgt spid="8">
-                                            <p:txEl>
-                                              <p:pRg st="2" end="2"/>
-                                            </p:txEl>
-                                          </p:spTgt>
-                                        </p:tgtEl>
-                                        <p:attrNameLst>
-                                          <p:attrName>style.visibility</p:attrName>
-                                        </p:attrNameLst>
-                                      </p:cBhvr>
-                                      <p:to>
-                                        <p:strVal val="visible"/>
-                                      </p:to>
-                                    </p:set>
-                                  </p:childTnLst>
-                                </p:cTn>
-                              </p:par>
-                            </p:childTnLst>
-                          </p:cTn>
-                        </p:par>
-                      </p:childTnLst>
-                    </p:cTn>
-                  </p:par>
-                </p:childTnLst>
-              </p:cTn>
-              <p:prevCondLst>
-                <p:cond evt="onPrev" delay="0">
-                  <p:tgtEl>
-                    <p:sldTgt/>
-                  </p:tgtEl>
-                </p:cond>
-              </p:prevCondLst>
-              <p:nextCondLst>
-                <p:cond evt="onNext" delay="0">
-                  <p:tgtEl>
-                    <p:sldTgt/>
-                  </p:tgtEl>
-                </p:cond>
-              </p:nextCondLst>
-            </p:seq>
-          </p:childTnLst>
-        </p:cTn>
-      </p:par>
-    </p:tnLst>
-    <p:bldLst>
-      <p:bldP spid="8" grpId="0" build="p"/>
-    </p:bldLst>
-  </p:timing>
-</p:sld>
-</file>
-
-<file path=ppt/slides/slide65.xml><?xml version="1.0" encoding="utf-8"?>
-<p:sld xmlns:a="http://schemas.openxmlformats.org/drawingml/2006/main" xmlns:r="http://schemas.openxmlformats.org/officeDocument/2006/relationships" xmlns:p="http://schemas.openxmlformats.org/presentationml/2006/main">
-  <p:cSld>
-    <p:spTree>
-      <p:nvGrpSpPr>
-        <p:cNvPr id="1" name=""/>
-        <p:cNvGrpSpPr/>
-        <p:nvPr/>
-      </p:nvGrpSpPr>
-      <p:grpSpPr>
-        <a:xfrm>
-          <a:off x="0" y="0"/>
-          <a:ext cx="0" cy="0"/>
-          <a:chOff x="0" y="0"/>
-          <a:chExt cx="0" cy="0"/>
-        </a:xfrm>
-      </p:grpSpPr>
-      <p:sp>
-        <p:nvSpPr>
-          <p:cNvPr id="2" name="Title 1"/>
-          <p:cNvSpPr>
-            <a:spLocks noGrp="1"/>
-          </p:cNvSpPr>
-          <p:nvPr>
-            <p:ph type="title"/>
-          </p:nvPr>
-        </p:nvSpPr>
-        <p:spPr/>
-        <p:txBody>
-          <a:bodyPr/>
-          <a:lstStyle/>
-          <a:p>
-            <a:r>
-              <a:rPr lang="en-GB" dirty="0" smtClean="0"/>
               <a:t>Isolation Levels vs Good Code (3)</a:t>
             </a:r>
             <a:endParaRPr lang="en-GB" dirty="0"/>
@@ -41081,7 +40973,7 @@
 </p:sld>
 </file>
 
-<file path=ppt/slides/slide66.xml><?xml version="1.0" encoding="utf-8"?>
+<file path=ppt/slides/slide65.xml><?xml version="1.0" encoding="utf-8"?>
 <p:sld xmlns:a="http://schemas.openxmlformats.org/drawingml/2006/main" xmlns:r="http://schemas.openxmlformats.org/officeDocument/2006/relationships" xmlns:p="http://schemas.openxmlformats.org/presentationml/2006/main">
   <p:cSld>
     <p:spTree>
@@ -41209,6 +41101,147 @@
   <p:clrMapOvr>
     <a:masterClrMapping/>
   </p:clrMapOvr>
+  <p:timing>
+    <p:tnLst>
+      <p:par>
+        <p:cTn id="1" dur="indefinite" restart="never" nodeType="tmRoot"/>
+      </p:par>
+    </p:tnLst>
+  </p:timing>
+</p:sld>
+</file>
+
+<file path=ppt/slides/slide66.xml><?xml version="1.0" encoding="utf-8"?>
+<p:sld xmlns:a="http://schemas.openxmlformats.org/drawingml/2006/main" xmlns:r="http://schemas.openxmlformats.org/officeDocument/2006/relationships" xmlns:p="http://schemas.openxmlformats.org/presentationml/2006/main" show="0">
+  <p:cSld>
+    <p:spTree>
+      <p:nvGrpSpPr>
+        <p:cNvPr id="1" name=""/>
+        <p:cNvGrpSpPr/>
+        <p:nvPr/>
+      </p:nvGrpSpPr>
+      <p:grpSpPr>
+        <a:xfrm>
+          <a:off x="0" y="0"/>
+          <a:ext cx="0" cy="0"/>
+          <a:chOff x="0" y="0"/>
+          <a:chExt cx="0" cy="0"/>
+        </a:xfrm>
+      </p:grpSpPr>
+      <p:sp>
+        <p:nvSpPr>
+          <p:cNvPr id="2" name="Title 1"/>
+          <p:cNvSpPr>
+            <a:spLocks noGrp="1"/>
+          </p:cNvSpPr>
+          <p:nvPr>
+            <p:ph type="title"/>
+          </p:nvPr>
+        </p:nvSpPr>
+        <p:spPr/>
+        <p:txBody>
+          <a:bodyPr/>
+          <a:lstStyle/>
+          <a:p>
+            <a:r>
+              <a:rPr lang="en-GB" dirty="0" smtClean="0"/>
+              <a:t>Viewing a folder</a:t>
+            </a:r>
+            <a:endParaRPr lang="en-GB" dirty="0"/>
+          </a:p>
+        </p:txBody>
+      </p:sp>
+      <p:sp>
+        <p:nvSpPr>
+          <p:cNvPr id="3" name="Content Placeholder 2"/>
+          <p:cNvSpPr>
+            <a:spLocks noGrp="1"/>
+          </p:cNvSpPr>
+          <p:nvPr>
+            <p:ph idx="1"/>
+          </p:nvPr>
+        </p:nvSpPr>
+        <p:spPr/>
+        <p:txBody>
+          <a:bodyPr>
+            <a:normAutofit/>
+          </a:bodyPr>
+          <a:lstStyle/>
+          <a:p>
+            <a:pPr marL="285750" lvl="1"/>
+            <a:r>
+              <a:rPr lang="en-GB" dirty="0"/>
+              <a:t>Do you want to prevent others adding/deleting files whilst you read the list of files?</a:t>
+            </a:r>
+          </a:p>
+          <a:p>
+            <a:pPr lvl="1"/>
+            <a:r>
+              <a:rPr lang="en-GB" dirty="0" smtClean="0"/>
+              <a:t>No</a:t>
+            </a:r>
+          </a:p>
+          <a:p>
+            <a:pPr lvl="2"/>
+            <a:r>
+              <a:rPr lang="en-GB" dirty="0"/>
+              <a:t>Optimistic – </a:t>
+            </a:r>
+            <a:r>
+              <a:rPr lang="en-GB" dirty="0" smtClean="0"/>
+              <a:t>Snapshot</a:t>
+            </a:r>
+          </a:p>
+          <a:p>
+            <a:pPr lvl="2"/>
+            <a:r>
+              <a:rPr lang="en-GB" dirty="0" smtClean="0"/>
+              <a:t>If you change the folder what do you want to do</a:t>
+            </a:r>
+          </a:p>
+          <a:p>
+            <a:pPr lvl="3"/>
+            <a:r>
+              <a:rPr lang="en-GB" dirty="0" smtClean="0"/>
+              <a:t>Check it hasn’t already been changed</a:t>
+            </a:r>
+          </a:p>
+          <a:p>
+            <a:pPr lvl="3"/>
+            <a:endParaRPr lang="en-GB" dirty="0" smtClean="0"/>
+          </a:p>
+          <a:p>
+            <a:pPr lvl="1"/>
+            <a:r>
+              <a:rPr lang="en-GB" dirty="0" smtClean="0"/>
+              <a:t>Yes – Pessimistic</a:t>
+            </a:r>
+            <a:endParaRPr lang="en-GB" dirty="0"/>
+          </a:p>
+          <a:p>
+            <a:pPr lvl="1"/>
+            <a:endParaRPr lang="en-GB" dirty="0"/>
+          </a:p>
+        </p:txBody>
+      </p:sp>
+    </p:spTree>
+    <p:extLst>
+      <p:ext uri="{BB962C8B-B14F-4D97-AF65-F5344CB8AC3E}">
+        <p14:creationId xmlns:p14="http://schemas.microsoft.com/office/powerpoint/2010/main" val="2439017834"/>
+      </p:ext>
+    </p:extLst>
+  </p:cSld>
+  <p:clrMapOvr>
+    <a:masterClrMapping/>
+  </p:clrMapOvr>
+  <mc:AlternateContent xmlns:mc="http://schemas.openxmlformats.org/markup-compatibility/2006" xmlns:p14="http://schemas.microsoft.com/office/powerpoint/2010/main">
+    <mc:Choice Requires="p14">
+      <p:transition spd="slow" p14:dur="2000"/>
+    </mc:Choice>
+    <mc:Fallback xmlns="">
+      <p:transition spd="slow"/>
+    </mc:Fallback>
+  </mc:AlternateContent>
   <p:timing>
     <p:tnLst>
       <p:par>
@@ -41251,11 +41284,7 @@
           <a:bodyPr/>
           <a:lstStyle/>
           <a:p>
-            <a:r>
-              <a:rPr lang="en-GB" dirty="0" smtClean="0"/>
-              <a:t>Viewing a folder</a:t>
-            </a:r>
-            <a:endParaRPr lang="en-GB" dirty="0"/>
+            <a:endParaRPr lang="en-GB"/>
           </a:p>
         </p:txBody>
       </p:sp>
@@ -41272,62 +41301,70 @@
         <p:spPr/>
         <p:txBody>
           <a:bodyPr>
-            <a:normAutofit/>
+            <a:normAutofit fontScale="92500" lnSpcReduction="10000"/>
           </a:bodyPr>
           <a:lstStyle/>
           <a:p>
-            <a:pPr marL="285750" lvl="1"/>
+            <a:r>
+              <a:rPr lang="en-GB" dirty="0"/>
+              <a:t>Do you want to read files if someone is changing the folder</a:t>
+            </a:r>
+          </a:p>
+          <a:p>
+            <a:pPr lvl="1"/>
+            <a:r>
+              <a:rPr lang="en-GB" dirty="0"/>
+              <a:t>Snapshot isolation</a:t>
+            </a:r>
+          </a:p>
+          <a:p>
+            <a:r>
+              <a:rPr lang="en-GB" dirty="0"/>
+              <a:t>Optimistic – Snapshot</a:t>
+            </a:r>
+          </a:p>
+          <a:p>
+            <a:pPr lvl="1"/>
+            <a:r>
+              <a:rPr lang="en-GB" dirty="0"/>
+              <a:t>View of the folder at the point of opening (no waiting)</a:t>
+            </a:r>
+          </a:p>
+          <a:p>
+            <a:r>
+              <a:rPr lang="en-GB" dirty="0"/>
+              <a:t>Pessimistic – Read Committed/Repeatable Read/Serializable</a:t>
+            </a:r>
+          </a:p>
+          <a:p>
+            <a:pPr lvl="1"/>
+            <a:r>
+              <a:rPr lang="en-GB" dirty="0"/>
+              <a:t>Wait for any other operations to complete before displaying</a:t>
+            </a:r>
+          </a:p>
+          <a:p>
+            <a:pPr lvl="1"/>
             <a:r>
               <a:rPr lang="en-GB" dirty="0"/>
               <a:t>Do you want to prevent others adding/deleting files whilst you read the list of files?</a:t>
             </a:r>
           </a:p>
           <a:p>
-            <a:pPr lvl="1"/>
-            <a:r>
-              <a:rPr lang="en-GB" dirty="0" smtClean="0"/>
-              <a:t>No</a:t>
-            </a:r>
-          </a:p>
-          <a:p>
             <a:pPr lvl="2"/>
             <a:r>
               <a:rPr lang="en-GB" dirty="0"/>
-              <a:t>Optimistic – </a:t>
-            </a:r>
-            <a:r>
-              <a:rPr lang="en-GB" dirty="0" smtClean="0"/>
-              <a:t>Snapshot</a:t>
-            </a:r>
-          </a:p>
-          <a:p>
-            <a:pPr lvl="2"/>
-            <a:r>
-              <a:rPr lang="en-GB" dirty="0" smtClean="0"/>
-              <a:t>If you change the folder what do you want to do</a:t>
+              <a:t>If yes, then Repeatable Read or Serializable is required</a:t>
             </a:r>
           </a:p>
           <a:p>
             <a:pPr lvl="3"/>
             <a:r>
-              <a:rPr lang="en-GB" dirty="0" smtClean="0"/>
-              <a:t>Check it hasn’t already been changed</a:t>
-            </a:r>
-          </a:p>
-          <a:p>
-            <a:pPr lvl="3"/>
-            <a:endParaRPr lang="en-GB" dirty="0" smtClean="0"/>
-          </a:p>
-          <a:p>
-            <a:pPr lvl="1"/>
-            <a:r>
-              <a:rPr lang="en-GB" dirty="0" smtClean="0"/>
-              <a:t>Yes – Pessimistic</a:t>
-            </a:r>
-            <a:endParaRPr lang="en-GB" dirty="0"/>
-          </a:p>
-          <a:p>
-            <a:pPr lvl="1"/>
+              <a:rPr lang="en-GB" dirty="0"/>
+              <a:t>Optionally you could hold that transaction open until you close the folder to prevent changes</a:t>
+            </a:r>
+          </a:p>
+          <a:p>
             <a:endParaRPr lang="en-GB" dirty="0"/>
           </a:p>
         </p:txBody>
@@ -41335,7 +41372,7 @@
     </p:spTree>
     <p:extLst>
       <p:ext uri="{BB962C8B-B14F-4D97-AF65-F5344CB8AC3E}">
-        <p14:creationId xmlns:p14="http://schemas.microsoft.com/office/powerpoint/2010/main" val="2439017834"/>
+        <p14:creationId xmlns:p14="http://schemas.microsoft.com/office/powerpoint/2010/main" val="397975758"/>
       </p:ext>
     </p:extLst>
   </p:cSld>
@@ -41350,13 +41387,6 @@
       <p:transition spd="slow"/>
     </mc:Fallback>
   </mc:AlternateContent>
-  <p:timing>
-    <p:tnLst>
-      <p:par>
-        <p:cTn id="1" dur="indefinite" restart="never" nodeType="tmRoot"/>
-      </p:par>
-    </p:tnLst>
-  </p:timing>
 </p:sld>
 </file>
 
@@ -41392,7 +41422,11 @@
           <a:bodyPr/>
           <a:lstStyle/>
           <a:p>
-            <a:endParaRPr lang="en-GB"/>
+            <a:r>
+              <a:rPr lang="en-GB" dirty="0" smtClean="0"/>
+              <a:t>Update a file</a:t>
+            </a:r>
+            <a:endParaRPr lang="en-GB" dirty="0"/>
           </a:p>
         </p:txBody>
       </p:sp>
@@ -41409,78 +41443,51 @@
         <p:spPr/>
         <p:txBody>
           <a:bodyPr>
-            <a:normAutofit fontScale="92500" lnSpcReduction="10000"/>
+            <a:normAutofit/>
           </a:bodyPr>
           <a:lstStyle/>
           <a:p>
             <a:r>
-              <a:rPr lang="en-GB" dirty="0"/>
-              <a:t>Do you want to read files if someone is changing the folder</a:t>
+              <a:rPr lang="en-GB" dirty="0" smtClean="0"/>
+              <a:t>You probably want to prevent overwriting each others changes?</a:t>
+            </a:r>
+          </a:p>
+          <a:p>
+            <a:r>
+              <a:rPr lang="en-GB" dirty="0" smtClean="0"/>
+              <a:t>Options:</a:t>
             </a:r>
           </a:p>
           <a:p>
             <a:pPr lvl="1"/>
             <a:r>
-              <a:rPr lang="en-GB" dirty="0"/>
-              <a:t>Snapshot isolation</a:t>
-            </a:r>
-          </a:p>
-          <a:p>
-            <a:r>
-              <a:rPr lang="en-GB" dirty="0"/>
-              <a:t>Optimistic – Snapshot</a:t>
+              <a:rPr lang="en-GB" dirty="0" smtClean="0"/>
+              <a:t>Read record and hold lock (possibly for a long time)</a:t>
             </a:r>
           </a:p>
           <a:p>
             <a:pPr lvl="1"/>
             <a:r>
-              <a:rPr lang="en-GB" dirty="0"/>
-              <a:t>View of the folder at the point of opening (no waiting)</a:t>
-            </a:r>
-          </a:p>
-          <a:p>
-            <a:r>
-              <a:rPr lang="en-GB" dirty="0"/>
-              <a:t>Pessimistic – Read Committed/Repeatable Read/Serializable</a:t>
+              <a:rPr lang="en-GB" dirty="0" smtClean="0"/>
+              <a:t>Check a timestamp on save, fail if changed</a:t>
+            </a:r>
+          </a:p>
+          <a:p>
+            <a:r>
+              <a:rPr lang="en-GB" dirty="0" smtClean="0"/>
+              <a:t>Lock the folder tree?</a:t>
             </a:r>
           </a:p>
           <a:p>
             <a:pPr lvl="1"/>
-            <a:r>
-              <a:rPr lang="en-GB" dirty="0"/>
-              <a:t>Wait for any other operations to complete before displaying</a:t>
-            </a:r>
-          </a:p>
-          <a:p>
-            <a:pPr lvl="1"/>
-            <a:r>
-              <a:rPr lang="en-GB" dirty="0"/>
-              <a:t>Do you want to prevent others adding/deleting files whilst you read the list of files?</a:t>
-            </a:r>
-          </a:p>
-          <a:p>
-            <a:pPr lvl="2"/>
-            <a:r>
-              <a:rPr lang="en-GB" dirty="0"/>
-              <a:t>If yes, then Repeatable Read or Serializable is required</a:t>
-            </a:r>
-          </a:p>
-          <a:p>
-            <a:pPr lvl="3"/>
-            <a:r>
-              <a:rPr lang="en-GB" dirty="0"/>
-              <a:t>Optionally you could hold that transaction open until you close the folder to prevent changes</a:t>
-            </a:r>
-          </a:p>
-          <a:p>
-            <a:endParaRPr lang="en-GB" dirty="0"/>
+            <a:endParaRPr lang="en-GB" dirty="0" smtClean="0"/>
           </a:p>
         </p:txBody>
       </p:sp>
     </p:spTree>
     <p:extLst>
       <p:ext uri="{BB962C8B-B14F-4D97-AF65-F5344CB8AC3E}">
-        <p14:creationId xmlns:p14="http://schemas.microsoft.com/office/powerpoint/2010/main" val="397975758"/>
+        <p14:creationId xmlns:p14="http://schemas.microsoft.com/office/powerpoint/2010/main" val="1601632141"/>
       </p:ext>
     </p:extLst>
   </p:cSld>
@@ -41532,7 +41539,7 @@
           <a:p>
             <a:r>
               <a:rPr lang="en-GB" dirty="0" smtClean="0"/>
-              <a:t>Update a file</a:t>
+              <a:t>Add a Folder</a:t>
             </a:r>
             <a:endParaRPr lang="en-GB" dirty="0"/>
           </a:p>
@@ -41550,52 +41557,42 @@
         </p:nvSpPr>
         <p:spPr/>
         <p:txBody>
-          <a:bodyPr>
-            <a:normAutofit/>
-          </a:bodyPr>
+          <a:bodyPr/>
           <a:lstStyle/>
           <a:p>
             <a:r>
               <a:rPr lang="en-GB" dirty="0" smtClean="0"/>
-              <a:t>You probably want to prevent overwriting each others changes?</a:t>
-            </a:r>
-          </a:p>
-          <a:p>
-            <a:r>
-              <a:rPr lang="en-GB" dirty="0" smtClean="0"/>
-              <a:t>Options:</a:t>
+              <a:t>What happens if a folder above is deleted?</a:t>
             </a:r>
           </a:p>
           <a:p>
             <a:pPr lvl="1"/>
             <a:r>
               <a:rPr lang="en-GB" dirty="0" smtClean="0"/>
-              <a:t>Read record and hold lock (possibly for a long time)</a:t>
-            </a:r>
-          </a:p>
-          <a:p>
-            <a:pPr lvl="1"/>
-            <a:r>
-              <a:rPr lang="en-GB" dirty="0" smtClean="0"/>
-              <a:t>Check a timestamp on save, fail if changed</a:t>
-            </a:r>
-          </a:p>
-          <a:p>
-            <a:r>
-              <a:rPr lang="en-GB" dirty="0" smtClean="0"/>
-              <a:t>Lock the folder tree?</a:t>
-            </a:r>
-          </a:p>
-          <a:p>
-            <a:pPr lvl="1"/>
+              <a:t>Prevent by locking the tree with Repeatable Read</a:t>
+            </a:r>
+          </a:p>
+          <a:p>
+            <a:r>
+              <a:rPr lang="en-GB" dirty="0" smtClean="0"/>
+              <a:t>If not you may create an orphaned record</a:t>
+            </a:r>
+          </a:p>
+          <a:p>
             <a:endParaRPr lang="en-GB" dirty="0" smtClean="0"/>
+          </a:p>
+          <a:p>
+            <a:endParaRPr lang="en-GB" dirty="0" smtClean="0"/>
+          </a:p>
+          <a:p>
+            <a:endParaRPr lang="en-GB" dirty="0"/>
           </a:p>
         </p:txBody>
       </p:sp>
     </p:spTree>
     <p:extLst>
       <p:ext uri="{BB962C8B-B14F-4D97-AF65-F5344CB8AC3E}">
-        <p14:creationId xmlns:p14="http://schemas.microsoft.com/office/powerpoint/2010/main" val="1601632141"/>
+        <p14:creationId xmlns:p14="http://schemas.microsoft.com/office/powerpoint/2010/main" val="4286386707"/>
       </p:ext>
     </p:extLst>
   </p:cSld>
@@ -41647,7 +41644,7 @@
           <a:p>
             <a:r>
               <a:rPr lang="en-GB" dirty="0" smtClean="0"/>
-              <a:t>Why do we need Concurrency Control?</a:t>
+              <a:t>Consistency of experience</a:t>
             </a:r>
             <a:endParaRPr lang="en-GB" dirty="0"/>
           </a:p>
@@ -41663,69 +41660,35 @@
             <p:ph idx="1"/>
           </p:nvPr>
         </p:nvSpPr>
-        <p:spPr>
-          <a:xfrm>
-            <a:off x="685801" y="1576354"/>
-            <a:ext cx="10700358" cy="4310879"/>
-          </a:xfrm>
-        </p:spPr>
+        <p:spPr/>
         <p:txBody>
           <a:bodyPr/>
           <a:lstStyle/>
           <a:p>
             <a:r>
               <a:rPr lang="en-GB" dirty="0" smtClean="0"/>
-              <a:t>No control leads to:</a:t>
-            </a:r>
-          </a:p>
-          <a:p>
-            <a:pPr lvl="1"/>
-            <a:r>
-              <a:rPr lang="en-GB" dirty="0" smtClean="0"/>
-              <a:t>Lost Updates </a:t>
-            </a:r>
-          </a:p>
-          <a:p>
-            <a:pPr lvl="4"/>
-            <a:r>
-              <a:rPr lang="en-GB" dirty="0" smtClean="0"/>
-              <a:t>Two update transactions on same row, based on original value, one overwrites the other</a:t>
-            </a:r>
-          </a:p>
-          <a:p>
-            <a:pPr lvl="1"/>
-            <a:r>
-              <a:rPr lang="en-GB" dirty="0" smtClean="0"/>
-              <a:t>Dirty Reads</a:t>
-            </a:r>
-          </a:p>
-          <a:p>
-            <a:pPr lvl="4"/>
-            <a:r>
-              <a:rPr lang="en-GB" dirty="0" smtClean="0"/>
-              <a:t>Read data from an uncommitted transaction (could be rolled back)</a:t>
-            </a:r>
-          </a:p>
-          <a:p>
-            <a:pPr lvl="1"/>
-            <a:r>
-              <a:rPr lang="en-GB" dirty="0" smtClean="0"/>
-              <a:t>Non-repeatable Reads</a:t>
-            </a:r>
-          </a:p>
-          <a:p>
-            <a:pPr lvl="4"/>
-            <a:r>
-              <a:rPr lang="en-GB" dirty="0" smtClean="0"/>
-              <a:t>When a transaction reads the same row more than once and gets difference values each time, caused by another transaction updating the row in between reads</a:t>
-            </a:r>
+              <a:t>If you put something in your trolley you expect to be able to save it</a:t>
+            </a:r>
+          </a:p>
+          <a:p>
+            <a:r>
+              <a:rPr lang="en-GB" dirty="0" smtClean="0"/>
+              <a:t>If two people read a file and both make changes should the last persons changes override the first</a:t>
+            </a:r>
+          </a:p>
+          <a:p>
+            <a:r>
+              <a:rPr lang="en-GB" dirty="0" smtClean="0"/>
+              <a:t>If you save a file to a folder you expect to be able to view the file</a:t>
+            </a:r>
+            <a:endParaRPr lang="en-GB" dirty="0"/>
           </a:p>
         </p:txBody>
       </p:sp>
     </p:spTree>
     <p:extLst>
       <p:ext uri="{BB962C8B-B14F-4D97-AF65-F5344CB8AC3E}">
-        <p14:creationId xmlns:p14="http://schemas.microsoft.com/office/powerpoint/2010/main" val="306491305"/>
+        <p14:creationId xmlns:p14="http://schemas.microsoft.com/office/powerpoint/2010/main" val="3588393958"/>
       </p:ext>
     </p:extLst>
   </p:cSld>
@@ -41776,111 +41739,6 @@
           <a:p>
             <a:r>
               <a:rPr lang="en-GB" dirty="0" smtClean="0"/>
-              <a:t>Add a Folder</a:t>
-            </a:r>
-            <a:endParaRPr lang="en-GB" dirty="0"/>
-          </a:p>
-        </p:txBody>
-      </p:sp>
-      <p:sp>
-        <p:nvSpPr>
-          <p:cNvPr id="3" name="Content Placeholder 2"/>
-          <p:cNvSpPr>
-            <a:spLocks noGrp="1"/>
-          </p:cNvSpPr>
-          <p:nvPr>
-            <p:ph idx="1"/>
-          </p:nvPr>
-        </p:nvSpPr>
-        <p:spPr/>
-        <p:txBody>
-          <a:bodyPr/>
-          <a:lstStyle/>
-          <a:p>
-            <a:r>
-              <a:rPr lang="en-GB" dirty="0" smtClean="0"/>
-              <a:t>What happens if a folder above is deleted?</a:t>
-            </a:r>
-          </a:p>
-          <a:p>
-            <a:pPr lvl="1"/>
-            <a:r>
-              <a:rPr lang="en-GB" dirty="0" smtClean="0"/>
-              <a:t>Prevent by locking the tree with Repeatable Read</a:t>
-            </a:r>
-          </a:p>
-          <a:p>
-            <a:r>
-              <a:rPr lang="en-GB" dirty="0" smtClean="0"/>
-              <a:t>If not you may create an orphaned record</a:t>
-            </a:r>
-          </a:p>
-          <a:p>
-            <a:endParaRPr lang="en-GB" dirty="0" smtClean="0"/>
-          </a:p>
-          <a:p>
-            <a:endParaRPr lang="en-GB" dirty="0" smtClean="0"/>
-          </a:p>
-          <a:p>
-            <a:endParaRPr lang="en-GB" dirty="0"/>
-          </a:p>
-        </p:txBody>
-      </p:sp>
-    </p:spTree>
-    <p:extLst>
-      <p:ext uri="{BB962C8B-B14F-4D97-AF65-F5344CB8AC3E}">
-        <p14:creationId xmlns:p14="http://schemas.microsoft.com/office/powerpoint/2010/main" val="4286386707"/>
-      </p:ext>
-    </p:extLst>
-  </p:cSld>
-  <p:clrMapOvr>
-    <a:masterClrMapping/>
-  </p:clrMapOvr>
-  <mc:AlternateContent xmlns:mc="http://schemas.openxmlformats.org/markup-compatibility/2006" xmlns:p14="http://schemas.microsoft.com/office/powerpoint/2010/main">
-    <mc:Choice Requires="p14">
-      <p:transition spd="slow" p14:dur="2000"/>
-    </mc:Choice>
-    <mc:Fallback xmlns="">
-      <p:transition spd="slow"/>
-    </mc:Fallback>
-  </mc:AlternateContent>
-</p:sld>
-</file>
-
-<file path=ppt/slides/slide71.xml><?xml version="1.0" encoding="utf-8"?>
-<p:sld xmlns:a="http://schemas.openxmlformats.org/drawingml/2006/main" xmlns:r="http://schemas.openxmlformats.org/officeDocument/2006/relationships" xmlns:p="http://schemas.openxmlformats.org/presentationml/2006/main" show="0">
-  <p:cSld>
-    <p:spTree>
-      <p:nvGrpSpPr>
-        <p:cNvPr id="1" name=""/>
-        <p:cNvGrpSpPr/>
-        <p:nvPr/>
-      </p:nvGrpSpPr>
-      <p:grpSpPr>
-        <a:xfrm>
-          <a:off x="0" y="0"/>
-          <a:ext cx="0" cy="0"/>
-          <a:chOff x="0" y="0"/>
-          <a:chExt cx="0" cy="0"/>
-        </a:xfrm>
-      </p:grpSpPr>
-      <p:sp>
-        <p:nvSpPr>
-          <p:cNvPr id="2" name="Title 1"/>
-          <p:cNvSpPr>
-            <a:spLocks noGrp="1"/>
-          </p:cNvSpPr>
-          <p:nvPr>
-            <p:ph type="title"/>
-          </p:nvPr>
-        </p:nvSpPr>
-        <p:spPr/>
-        <p:txBody>
-          <a:bodyPr/>
-          <a:lstStyle/>
-          <a:p>
-            <a:r>
-              <a:rPr lang="en-GB" dirty="0" smtClean="0"/>
               <a:t>Delete a folder</a:t>
             </a:r>
             <a:endParaRPr lang="en-GB" dirty="0"/>
@@ -41959,7 +41817,7 @@
 </p:sld>
 </file>
 
-<file path=ppt/slides/slide72.xml><?xml version="1.0" encoding="utf-8"?>
+<file path=ppt/slides/slide71.xml><?xml version="1.0" encoding="utf-8"?>
 <p:sld xmlns:a="http://schemas.openxmlformats.org/drawingml/2006/main" xmlns:r="http://schemas.openxmlformats.org/officeDocument/2006/relationships" xmlns:p="http://schemas.openxmlformats.org/presentationml/2006/main" show="0">
   <p:cSld>
     <p:spTree>
@@ -42092,7 +41950,7 @@
           <a:p>
             <a:r>
               <a:rPr lang="en-GB" dirty="0" smtClean="0"/>
-              <a:t>Consistency of experience</a:t>
+              <a:t>Multi user systems</a:t>
             </a:r>
             <a:endParaRPr lang="en-GB" dirty="0"/>
           </a:p>
@@ -42110,25 +41968,43 @@
         </p:nvSpPr>
         <p:spPr/>
         <p:txBody>
-          <a:bodyPr/>
+          <a:bodyPr>
+            <a:normAutofit/>
+          </a:bodyPr>
           <a:lstStyle/>
           <a:p>
             <a:r>
               <a:rPr lang="en-GB" dirty="0" smtClean="0"/>
-              <a:t>If you put something in your trolley you expect to be able to save it</a:t>
-            </a:r>
-          </a:p>
-          <a:p>
-            <a:r>
-              <a:rPr lang="en-GB" dirty="0" smtClean="0"/>
-              <a:t>If two people read a file and both make changes should the last persons changes override the first</a:t>
-            </a:r>
-          </a:p>
-          <a:p>
-            <a:r>
-              <a:rPr lang="en-GB" dirty="0" smtClean="0"/>
-              <a:t>If you save a file to a folder you expect to be able to view the file</a:t>
-            </a:r>
+              <a:t>If only one </a:t>
+            </a:r>
+            <a:r>
+              <a:rPr lang="en-GB" dirty="0"/>
+              <a:t>person allowed into the </a:t>
+            </a:r>
+            <a:r>
+              <a:rPr lang="en-GB" dirty="0" smtClean="0"/>
+              <a:t>system at once its easy</a:t>
+            </a:r>
+          </a:p>
+          <a:p>
+            <a:r>
+              <a:rPr lang="en-GB" dirty="0" smtClean="0"/>
+              <a:t>No locking needed</a:t>
+            </a:r>
+          </a:p>
+          <a:p>
+            <a:r>
+              <a:rPr lang="en-GB" dirty="0" smtClean="0"/>
+              <a:t>But can that really scale</a:t>
+            </a:r>
+          </a:p>
+          <a:p>
+            <a:endParaRPr lang="en-GB" dirty="0" smtClean="0"/>
+          </a:p>
+          <a:p>
+            <a:pPr marL="0" indent="0">
+              <a:buNone/>
+            </a:pPr>
             <a:endParaRPr lang="en-GB" dirty="0"/>
           </a:p>
         </p:txBody>
@@ -42136,13 +42012,21 @@
     </p:spTree>
     <p:extLst>
       <p:ext uri="{BB962C8B-B14F-4D97-AF65-F5344CB8AC3E}">
-        <p14:creationId xmlns:p14="http://schemas.microsoft.com/office/powerpoint/2010/main" val="3588393958"/>
+        <p14:creationId xmlns:p14="http://schemas.microsoft.com/office/powerpoint/2010/main" val="628982591"/>
       </p:ext>
     </p:extLst>
   </p:cSld>
   <p:clrMapOvr>
     <a:masterClrMapping/>
   </p:clrMapOvr>
+  <mc:AlternateContent xmlns:mc="http://schemas.openxmlformats.org/markup-compatibility/2006" xmlns:p14="http://schemas.microsoft.com/office/powerpoint/2010/main">
+    <mc:Choice Requires="p14">
+      <p:transition spd="slow" p14:dur="2000"/>
+    </mc:Choice>
+    <mc:Fallback xmlns="">
+      <p:transition spd="slow"/>
+    </mc:Fallback>
+  </mc:AlternateContent>
   <p:timing>
     <p:tnLst>
       <p:par>
@@ -42187,7 +42071,7 @@
           <a:p>
             <a:r>
               <a:rPr lang="en-GB" dirty="0" smtClean="0"/>
-              <a:t>Multi user systems</a:t>
+              <a:t>When do you lock</a:t>
             </a:r>
             <a:endParaRPr lang="en-GB" dirty="0"/>
           </a:p>
@@ -42206,42 +42090,68 @@
         <p:spPr/>
         <p:txBody>
           <a:bodyPr>
-            <a:normAutofit/>
+            <a:normAutofit fontScale="92500" lnSpcReduction="10000"/>
           </a:bodyPr>
           <a:lstStyle/>
           <a:p>
             <a:r>
               <a:rPr lang="en-GB" dirty="0" smtClean="0"/>
-              <a:t>If only one </a:t>
-            </a:r>
-            <a:r>
-              <a:rPr lang="en-GB" dirty="0"/>
-              <a:t>person allowed into the </a:t>
-            </a:r>
-            <a:r>
-              <a:rPr lang="en-GB" dirty="0" smtClean="0"/>
-              <a:t>system at once its easy</a:t>
-            </a:r>
-          </a:p>
-          <a:p>
-            <a:r>
-              <a:rPr lang="en-GB" dirty="0" smtClean="0"/>
-              <a:t>No locking needed</a:t>
-            </a:r>
-          </a:p>
-          <a:p>
-            <a:r>
-              <a:rPr lang="en-GB" dirty="0" smtClean="0"/>
-              <a:t>But can that really scale</a:t>
-            </a:r>
-          </a:p>
-          <a:p>
-            <a:endParaRPr lang="en-GB" dirty="0" smtClean="0"/>
-          </a:p>
-          <a:p>
-            <a:pPr marL="0" indent="0">
-              <a:buNone/>
-            </a:pPr>
+              <a:t>When you read</a:t>
+            </a:r>
+          </a:p>
+          <a:p>
+            <a:pPr lvl="1"/>
+            <a:r>
+              <a:rPr lang="en-GB" dirty="0" smtClean="0"/>
+              <a:t>When you look at the box of cereal on the shelf</a:t>
+            </a:r>
+          </a:p>
+          <a:p>
+            <a:pPr lvl="1"/>
+            <a:r>
+              <a:rPr lang="en-GB" dirty="0" smtClean="0"/>
+              <a:t>When you open the file to look at it</a:t>
+            </a:r>
+          </a:p>
+          <a:p>
+            <a:r>
+              <a:rPr lang="en-GB" dirty="0" smtClean="0"/>
+              <a:t>When you decide you want to do something</a:t>
+            </a:r>
+          </a:p>
+          <a:p>
+            <a:pPr lvl="1"/>
+            <a:r>
+              <a:rPr lang="en-GB" dirty="0" smtClean="0"/>
+              <a:t>When you pick the box of cereal off the shelf and put it in your trolley</a:t>
+            </a:r>
+          </a:p>
+          <a:p>
+            <a:pPr lvl="1"/>
+            <a:r>
+              <a:rPr lang="en-GB" dirty="0" smtClean="0"/>
+              <a:t>When you start editing the file</a:t>
+            </a:r>
+          </a:p>
+          <a:p>
+            <a:r>
+              <a:rPr lang="en-GB" dirty="0" smtClean="0"/>
+              <a:t>When you start to actually do it</a:t>
+            </a:r>
+          </a:p>
+          <a:p>
+            <a:pPr lvl="1"/>
+            <a:r>
+              <a:rPr lang="en-GB" dirty="0" smtClean="0"/>
+              <a:t>When you go to the checkout</a:t>
+            </a:r>
+          </a:p>
+          <a:p>
+            <a:pPr lvl="1"/>
+            <a:r>
+              <a:rPr lang="en-GB" dirty="0" smtClean="0"/>
+              <a:t>When you save the file</a:t>
+            </a:r>
             <a:endParaRPr lang="en-GB" dirty="0"/>
           </a:p>
         </p:txBody>
@@ -42249,21 +42159,13 @@
     </p:spTree>
     <p:extLst>
       <p:ext uri="{BB962C8B-B14F-4D97-AF65-F5344CB8AC3E}">
-        <p14:creationId xmlns:p14="http://schemas.microsoft.com/office/powerpoint/2010/main" val="628982591"/>
+        <p14:creationId xmlns:p14="http://schemas.microsoft.com/office/powerpoint/2010/main" val="3509778514"/>
       </p:ext>
     </p:extLst>
   </p:cSld>
   <p:clrMapOvr>
     <a:masterClrMapping/>
   </p:clrMapOvr>
-  <mc:AlternateContent xmlns:mc="http://schemas.openxmlformats.org/markup-compatibility/2006" xmlns:p14="http://schemas.microsoft.com/office/powerpoint/2010/main">
-    <mc:Choice Requires="p14">
-      <p:transition spd="slow" p14:dur="2000"/>
-    </mc:Choice>
-    <mc:Fallback xmlns="">
-      <p:transition spd="slow"/>
-    </mc:Fallback>
-  </mc:AlternateContent>
   <p:timing>
     <p:tnLst>
       <p:par>
